--- a/Elementos de un Programa.pptx
+++ b/Elementos de un Programa.pptx
@@ -13,6 +13,12 @@
     <p:sldId id="261" r:id="rId7"/>
     <p:sldId id="262" r:id="rId8"/>
     <p:sldId id="263" r:id="rId9"/>
+    <p:sldId id="264" r:id="rId10"/>
+    <p:sldId id="265" r:id="rId11"/>
+    <p:sldId id="266" r:id="rId12"/>
+    <p:sldId id="267" r:id="rId13"/>
+    <p:sldId id="268" r:id="rId14"/>
+    <p:sldId id="269" r:id="rId15"/>
   </p:sldIdLst>
   <p:sldSz cx="12192000" cy="6858000"/>
   <p:notesSz cx="6858000" cy="9144000"/>
@@ -3619,6 +3625,925 @@
   <dgm:styleLbl name="fgShp">
     <dgm:fillClrLst meth="repeat">
       <a:schemeClr val="accent5">
+        <a:tint val="40000"/>
+      </a:schemeClr>
+    </dgm:fillClrLst>
+    <dgm:linClrLst meth="repeat">
+      <a:schemeClr val="lt1"/>
+    </dgm:linClrLst>
+    <dgm:effectClrLst/>
+    <dgm:txLinClrLst/>
+    <dgm:txFillClrLst meth="repeat">
+      <a:schemeClr val="dk1"/>
+    </dgm:txFillClrLst>
+    <dgm:txEffectClrLst/>
+  </dgm:styleLbl>
+  <dgm:styleLbl name="revTx">
+    <dgm:fillClrLst meth="repeat">
+      <a:schemeClr val="lt1">
+        <a:alpha val="0"/>
+      </a:schemeClr>
+    </dgm:fillClrLst>
+    <dgm:linClrLst meth="repeat">
+      <a:schemeClr val="dk1">
+        <a:alpha val="0"/>
+      </a:schemeClr>
+    </dgm:linClrLst>
+    <dgm:effectClrLst/>
+    <dgm:txLinClrLst/>
+    <dgm:txFillClrLst meth="repeat">
+      <a:schemeClr val="tx1"/>
+    </dgm:txFillClrLst>
+    <dgm:txEffectClrLst/>
+  </dgm:styleLbl>
+</dgm:colorsDef>
+</file>
+
+<file path=ppt/diagrams/colors5.xml><?xml version="1.0" encoding="utf-8"?>
+<dgm:colorsDef xmlns:dgm="http://schemas.openxmlformats.org/drawingml/2006/diagram" xmlns:a="http://schemas.openxmlformats.org/drawingml/2006/main" uniqueId="urn:microsoft.com/office/officeart/2005/8/colors/colorful1">
+  <dgm:title val=""/>
+  <dgm:desc val=""/>
+  <dgm:catLst>
+    <dgm:cat type="colorful" pri="10100"/>
+  </dgm:catLst>
+  <dgm:styleLbl name="node0">
+    <dgm:fillClrLst meth="repeat">
+      <a:schemeClr val="accent1"/>
+    </dgm:fillClrLst>
+    <dgm:linClrLst meth="repeat">
+      <a:schemeClr val="lt1"/>
+    </dgm:linClrLst>
+    <dgm:effectClrLst/>
+    <dgm:txLinClrLst/>
+    <dgm:txFillClrLst/>
+    <dgm:txEffectClrLst/>
+  </dgm:styleLbl>
+  <dgm:styleLbl name="node1">
+    <dgm:fillClrLst meth="repeat">
+      <a:schemeClr val="accent2"/>
+      <a:schemeClr val="accent3"/>
+      <a:schemeClr val="accent4"/>
+      <a:schemeClr val="accent5"/>
+      <a:schemeClr val="accent6"/>
+    </dgm:fillClrLst>
+    <dgm:linClrLst meth="repeat">
+      <a:schemeClr val="lt1"/>
+    </dgm:linClrLst>
+    <dgm:effectClrLst/>
+    <dgm:txLinClrLst/>
+    <dgm:txFillClrLst/>
+    <dgm:txEffectClrLst/>
+  </dgm:styleLbl>
+  <dgm:styleLbl name="alignNode1">
+    <dgm:fillClrLst meth="repeat">
+      <a:schemeClr val="accent2"/>
+      <a:schemeClr val="accent3"/>
+      <a:schemeClr val="accent4"/>
+      <a:schemeClr val="accent5"/>
+      <a:schemeClr val="accent6"/>
+    </dgm:fillClrLst>
+    <dgm:linClrLst meth="repeat">
+      <a:schemeClr val="accent2"/>
+      <a:schemeClr val="accent3"/>
+      <a:schemeClr val="accent4"/>
+      <a:schemeClr val="accent5"/>
+      <a:schemeClr val="accent6"/>
+    </dgm:linClrLst>
+    <dgm:effectClrLst/>
+    <dgm:txLinClrLst/>
+    <dgm:txFillClrLst/>
+    <dgm:txEffectClrLst/>
+  </dgm:styleLbl>
+  <dgm:styleLbl name="lnNode1">
+    <dgm:fillClrLst meth="repeat">
+      <a:schemeClr val="accent2"/>
+      <a:schemeClr val="accent3"/>
+      <a:schemeClr val="accent4"/>
+      <a:schemeClr val="accent5"/>
+      <a:schemeClr val="accent6"/>
+    </dgm:fillClrLst>
+    <dgm:linClrLst meth="repeat">
+      <a:schemeClr val="lt1"/>
+    </dgm:linClrLst>
+    <dgm:effectClrLst/>
+    <dgm:txLinClrLst/>
+    <dgm:txFillClrLst/>
+    <dgm:txEffectClrLst/>
+  </dgm:styleLbl>
+  <dgm:styleLbl name="vennNode1">
+    <dgm:fillClrLst meth="repeat">
+      <a:schemeClr val="accent2">
+        <a:alpha val="50000"/>
+      </a:schemeClr>
+      <a:schemeClr val="accent3">
+        <a:alpha val="50000"/>
+      </a:schemeClr>
+      <a:schemeClr val="accent4">
+        <a:alpha val="50000"/>
+      </a:schemeClr>
+      <a:schemeClr val="accent5">
+        <a:alpha val="50000"/>
+      </a:schemeClr>
+      <a:schemeClr val="accent6">
+        <a:alpha val="50000"/>
+      </a:schemeClr>
+    </dgm:fillClrLst>
+    <dgm:linClrLst meth="repeat">
+      <a:schemeClr val="lt1"/>
+    </dgm:linClrLst>
+    <dgm:effectClrLst/>
+    <dgm:txLinClrLst/>
+    <dgm:txFillClrLst/>
+    <dgm:txEffectClrLst/>
+  </dgm:styleLbl>
+  <dgm:styleLbl name="node2">
+    <dgm:fillClrLst>
+      <a:schemeClr val="accent2"/>
+    </dgm:fillClrLst>
+    <dgm:linClrLst meth="repeat">
+      <a:schemeClr val="lt1"/>
+    </dgm:linClrLst>
+    <dgm:effectClrLst/>
+    <dgm:txLinClrLst/>
+    <dgm:txFillClrLst/>
+    <dgm:txEffectClrLst/>
+  </dgm:styleLbl>
+  <dgm:styleLbl name="node3">
+    <dgm:fillClrLst>
+      <a:schemeClr val="accent3"/>
+    </dgm:fillClrLst>
+    <dgm:linClrLst meth="repeat">
+      <a:schemeClr val="lt1"/>
+    </dgm:linClrLst>
+    <dgm:effectClrLst/>
+    <dgm:txLinClrLst/>
+    <dgm:txFillClrLst/>
+    <dgm:txEffectClrLst/>
+  </dgm:styleLbl>
+  <dgm:styleLbl name="node4">
+    <dgm:fillClrLst>
+      <a:schemeClr val="accent4"/>
+    </dgm:fillClrLst>
+    <dgm:linClrLst meth="repeat">
+      <a:schemeClr val="lt1"/>
+    </dgm:linClrLst>
+    <dgm:effectClrLst/>
+    <dgm:txLinClrLst/>
+    <dgm:txFillClrLst/>
+    <dgm:txEffectClrLst/>
+  </dgm:styleLbl>
+  <dgm:styleLbl name="fgImgPlace1">
+    <dgm:fillClrLst meth="repeat">
+      <a:schemeClr val="accent2">
+        <a:tint val="50000"/>
+      </a:schemeClr>
+      <a:schemeClr val="accent3">
+        <a:tint val="50000"/>
+      </a:schemeClr>
+      <a:schemeClr val="accent4">
+        <a:tint val="50000"/>
+      </a:schemeClr>
+      <a:schemeClr val="accent5">
+        <a:tint val="50000"/>
+      </a:schemeClr>
+      <a:schemeClr val="accent6">
+        <a:tint val="50000"/>
+      </a:schemeClr>
+    </dgm:fillClrLst>
+    <dgm:linClrLst meth="repeat">
+      <a:schemeClr val="lt1"/>
+    </dgm:linClrLst>
+    <dgm:effectClrLst/>
+    <dgm:txLinClrLst/>
+    <dgm:txFillClrLst meth="repeat">
+      <a:schemeClr val="lt1"/>
+    </dgm:txFillClrLst>
+    <dgm:txEffectClrLst/>
+  </dgm:styleLbl>
+  <dgm:styleLbl name="alignImgPlace1">
+    <dgm:fillClrLst>
+      <a:schemeClr val="accent1">
+        <a:tint val="50000"/>
+      </a:schemeClr>
+      <a:schemeClr val="accent2">
+        <a:tint val="20000"/>
+      </a:schemeClr>
+    </dgm:fillClrLst>
+    <dgm:linClrLst meth="repeat">
+      <a:schemeClr val="lt1"/>
+    </dgm:linClrLst>
+    <dgm:effectClrLst/>
+    <dgm:txLinClrLst/>
+    <dgm:txFillClrLst meth="repeat">
+      <a:schemeClr val="lt1"/>
+    </dgm:txFillClrLst>
+    <dgm:txEffectClrLst/>
+  </dgm:styleLbl>
+  <dgm:styleLbl name="bgImgPlace1">
+    <dgm:fillClrLst>
+      <a:schemeClr val="accent1">
+        <a:tint val="50000"/>
+      </a:schemeClr>
+      <a:schemeClr val="accent2">
+        <a:tint val="20000"/>
+      </a:schemeClr>
+    </dgm:fillClrLst>
+    <dgm:linClrLst meth="repeat">
+      <a:schemeClr val="lt1"/>
+    </dgm:linClrLst>
+    <dgm:effectClrLst/>
+    <dgm:txLinClrLst/>
+    <dgm:txFillClrLst meth="repeat">
+      <a:schemeClr val="lt1"/>
+    </dgm:txFillClrLst>
+    <dgm:txEffectClrLst/>
+  </dgm:styleLbl>
+  <dgm:styleLbl name="sibTrans2D1">
+    <dgm:fillClrLst meth="repeat">
+      <a:schemeClr val="accent2"/>
+      <a:schemeClr val="accent3"/>
+      <a:schemeClr val="accent4"/>
+      <a:schemeClr val="accent5"/>
+      <a:schemeClr val="accent6"/>
+    </dgm:fillClrLst>
+    <dgm:linClrLst meth="cycle">
+      <a:schemeClr val="lt1"/>
+    </dgm:linClrLst>
+    <dgm:effectClrLst/>
+    <dgm:txLinClrLst/>
+    <dgm:txFillClrLst/>
+    <dgm:txEffectClrLst/>
+  </dgm:styleLbl>
+  <dgm:styleLbl name="fgSibTrans2D1">
+    <dgm:fillClrLst meth="repeat">
+      <a:schemeClr val="accent2"/>
+      <a:schemeClr val="accent3"/>
+      <a:schemeClr val="accent4"/>
+      <a:schemeClr val="accent5"/>
+      <a:schemeClr val="accent6"/>
+    </dgm:fillClrLst>
+    <dgm:linClrLst meth="cycle">
+      <a:schemeClr val="lt1"/>
+    </dgm:linClrLst>
+    <dgm:effectClrLst/>
+    <dgm:txLinClrLst/>
+    <dgm:txFillClrLst meth="repeat">
+      <a:schemeClr val="lt1"/>
+    </dgm:txFillClrLst>
+    <dgm:txEffectClrLst/>
+  </dgm:styleLbl>
+  <dgm:styleLbl name="bgSibTrans2D1">
+    <dgm:fillClrLst meth="repeat">
+      <a:schemeClr val="accent2"/>
+      <a:schemeClr val="accent3"/>
+      <a:schemeClr val="accent4"/>
+      <a:schemeClr val="accent5"/>
+      <a:schemeClr val="accent6"/>
+    </dgm:fillClrLst>
+    <dgm:linClrLst meth="cycle">
+      <a:schemeClr val="lt1"/>
+    </dgm:linClrLst>
+    <dgm:effectClrLst/>
+    <dgm:txLinClrLst/>
+    <dgm:txFillClrLst meth="repeat">
+      <a:schemeClr val="lt1"/>
+    </dgm:txFillClrLst>
+    <dgm:txEffectClrLst/>
+  </dgm:styleLbl>
+  <dgm:styleLbl name="sibTrans1D1">
+    <dgm:fillClrLst meth="repeat">
+      <a:schemeClr val="accent2"/>
+      <a:schemeClr val="accent3"/>
+      <a:schemeClr val="accent4"/>
+      <a:schemeClr val="accent5"/>
+      <a:schemeClr val="accent6"/>
+    </dgm:fillClrLst>
+    <dgm:linClrLst meth="repeat">
+      <a:schemeClr val="accent2"/>
+      <a:schemeClr val="accent3"/>
+      <a:schemeClr val="accent4"/>
+      <a:schemeClr val="accent5"/>
+      <a:schemeClr val="accent6"/>
+    </dgm:linClrLst>
+    <dgm:effectClrLst/>
+    <dgm:txLinClrLst/>
+    <dgm:txFillClrLst meth="repeat">
+      <a:schemeClr val="tx1"/>
+    </dgm:txFillClrLst>
+    <dgm:txEffectClrLst/>
+  </dgm:styleLbl>
+  <dgm:styleLbl name="callout">
+    <dgm:fillClrLst meth="repeat">
+      <a:schemeClr val="accent2"/>
+    </dgm:fillClrLst>
+    <dgm:linClrLst meth="repeat">
+      <a:schemeClr val="accent2">
+        <a:tint val="50000"/>
+      </a:schemeClr>
+    </dgm:linClrLst>
+    <dgm:effectClrLst/>
+    <dgm:txLinClrLst/>
+    <dgm:txFillClrLst meth="repeat">
+      <a:schemeClr val="tx1"/>
+    </dgm:txFillClrLst>
+    <dgm:txEffectClrLst/>
+  </dgm:styleLbl>
+  <dgm:styleLbl name="asst0">
+    <dgm:fillClrLst meth="repeat">
+      <a:schemeClr val="accent1"/>
+    </dgm:fillClrLst>
+    <dgm:linClrLst meth="repeat">
+      <a:schemeClr val="lt1"/>
+    </dgm:linClrLst>
+    <dgm:effectClrLst/>
+    <dgm:txLinClrLst/>
+    <dgm:txFillClrLst/>
+    <dgm:txEffectClrLst/>
+  </dgm:styleLbl>
+  <dgm:styleLbl name="asst1">
+    <dgm:fillClrLst meth="repeat">
+      <a:schemeClr val="accent2"/>
+    </dgm:fillClrLst>
+    <dgm:linClrLst meth="repeat">
+      <a:schemeClr val="lt1"/>
+    </dgm:linClrLst>
+    <dgm:effectClrLst/>
+    <dgm:txLinClrLst/>
+    <dgm:txFillClrLst/>
+    <dgm:txEffectClrLst/>
+  </dgm:styleLbl>
+  <dgm:styleLbl name="asst2">
+    <dgm:fillClrLst>
+      <a:schemeClr val="accent3"/>
+    </dgm:fillClrLst>
+    <dgm:linClrLst meth="repeat">
+      <a:schemeClr val="lt1"/>
+    </dgm:linClrLst>
+    <dgm:effectClrLst/>
+    <dgm:txLinClrLst/>
+    <dgm:txFillClrLst/>
+    <dgm:txEffectClrLst/>
+  </dgm:styleLbl>
+  <dgm:styleLbl name="asst3">
+    <dgm:fillClrLst>
+      <a:schemeClr val="accent4"/>
+    </dgm:fillClrLst>
+    <dgm:linClrLst meth="repeat">
+      <a:schemeClr val="lt1"/>
+    </dgm:linClrLst>
+    <dgm:effectClrLst/>
+    <dgm:txLinClrLst/>
+    <dgm:txFillClrLst/>
+    <dgm:txEffectClrLst/>
+  </dgm:styleLbl>
+  <dgm:styleLbl name="asst4">
+    <dgm:fillClrLst>
+      <a:schemeClr val="accent5"/>
+    </dgm:fillClrLst>
+    <dgm:linClrLst meth="repeat">
+      <a:schemeClr val="lt1"/>
+    </dgm:linClrLst>
+    <dgm:effectClrLst/>
+    <dgm:txLinClrLst/>
+    <dgm:txFillClrLst/>
+    <dgm:txEffectClrLst/>
+  </dgm:styleLbl>
+  <dgm:styleLbl name="parChTrans2D1">
+    <dgm:fillClrLst meth="repeat">
+      <a:schemeClr val="accent2"/>
+    </dgm:fillClrLst>
+    <dgm:linClrLst meth="repeat">
+      <a:schemeClr val="lt1"/>
+    </dgm:linClrLst>
+    <dgm:effectClrLst/>
+    <dgm:txLinClrLst/>
+    <dgm:txFillClrLst meth="repeat">
+      <a:schemeClr val="lt1"/>
+    </dgm:txFillClrLst>
+    <dgm:txEffectClrLst/>
+  </dgm:styleLbl>
+  <dgm:styleLbl name="parChTrans2D2">
+    <dgm:fillClrLst meth="repeat">
+      <a:schemeClr val="accent3"/>
+    </dgm:fillClrLst>
+    <dgm:linClrLst meth="repeat">
+      <a:schemeClr val="lt1"/>
+    </dgm:linClrLst>
+    <dgm:effectClrLst/>
+    <dgm:txLinClrLst/>
+    <dgm:txFillClrLst/>
+    <dgm:txEffectClrLst/>
+  </dgm:styleLbl>
+  <dgm:styleLbl name="parChTrans2D3">
+    <dgm:fillClrLst meth="repeat">
+      <a:schemeClr val="accent4"/>
+    </dgm:fillClrLst>
+    <dgm:linClrLst meth="repeat">
+      <a:schemeClr val="lt1"/>
+    </dgm:linClrLst>
+    <dgm:effectClrLst/>
+    <dgm:txLinClrLst/>
+    <dgm:txFillClrLst/>
+    <dgm:txEffectClrLst/>
+  </dgm:styleLbl>
+  <dgm:styleLbl name="parChTrans2D4">
+    <dgm:fillClrLst meth="repeat">
+      <a:schemeClr val="accent5"/>
+    </dgm:fillClrLst>
+    <dgm:linClrLst meth="repeat">
+      <a:schemeClr val="lt1"/>
+    </dgm:linClrLst>
+    <dgm:effectClrLst/>
+    <dgm:txLinClrLst/>
+    <dgm:txFillClrLst meth="repeat">
+      <a:schemeClr val="lt1"/>
+    </dgm:txFillClrLst>
+    <dgm:txEffectClrLst/>
+  </dgm:styleLbl>
+  <dgm:styleLbl name="parChTrans1D1">
+    <dgm:fillClrLst meth="repeat">
+      <a:schemeClr val="accent2"/>
+    </dgm:fillClrLst>
+    <dgm:linClrLst meth="repeat">
+      <a:schemeClr val="accent1"/>
+    </dgm:linClrLst>
+    <dgm:effectClrLst/>
+    <dgm:txLinClrLst/>
+    <dgm:txFillClrLst meth="repeat">
+      <a:schemeClr val="tx1"/>
+    </dgm:txFillClrLst>
+    <dgm:txEffectClrLst/>
+  </dgm:styleLbl>
+  <dgm:styleLbl name="parChTrans1D2">
+    <dgm:fillClrLst meth="repeat">
+      <a:schemeClr val="accent3">
+        <a:tint val="90000"/>
+      </a:schemeClr>
+    </dgm:fillClrLst>
+    <dgm:linClrLst meth="repeat">
+      <a:schemeClr val="accent2"/>
+    </dgm:linClrLst>
+    <dgm:effectClrLst/>
+    <dgm:txLinClrLst/>
+    <dgm:txFillClrLst meth="repeat">
+      <a:schemeClr val="tx1"/>
+    </dgm:txFillClrLst>
+    <dgm:txEffectClrLst/>
+  </dgm:styleLbl>
+  <dgm:styleLbl name="parChTrans1D3">
+    <dgm:fillClrLst meth="repeat">
+      <a:schemeClr val="accent4">
+        <a:tint val="70000"/>
+      </a:schemeClr>
+    </dgm:fillClrLst>
+    <dgm:linClrLst meth="repeat">
+      <a:schemeClr val="accent3"/>
+    </dgm:linClrLst>
+    <dgm:effectClrLst/>
+    <dgm:txLinClrLst/>
+    <dgm:txFillClrLst meth="repeat">
+      <a:schemeClr val="tx1"/>
+    </dgm:txFillClrLst>
+    <dgm:txEffectClrLst/>
+  </dgm:styleLbl>
+  <dgm:styleLbl name="parChTrans1D4">
+    <dgm:fillClrLst meth="repeat">
+      <a:schemeClr val="accent5">
+        <a:tint val="50000"/>
+      </a:schemeClr>
+    </dgm:fillClrLst>
+    <dgm:linClrLst meth="repeat">
+      <a:schemeClr val="accent4"/>
+    </dgm:linClrLst>
+    <dgm:effectClrLst/>
+    <dgm:txLinClrLst/>
+    <dgm:txFillClrLst meth="repeat">
+      <a:schemeClr val="tx1"/>
+    </dgm:txFillClrLst>
+    <dgm:txEffectClrLst/>
+  </dgm:styleLbl>
+  <dgm:styleLbl name="fgAcc1">
+    <dgm:fillClrLst meth="repeat">
+      <a:schemeClr val="lt1">
+        <a:alpha val="90000"/>
+      </a:schemeClr>
+    </dgm:fillClrLst>
+    <dgm:linClrLst meth="repeat">
+      <a:schemeClr val="accent2"/>
+      <a:schemeClr val="accent3"/>
+      <a:schemeClr val="accent4"/>
+      <a:schemeClr val="accent5"/>
+      <a:schemeClr val="accent6"/>
+    </dgm:linClrLst>
+    <dgm:effectClrLst/>
+    <dgm:txLinClrLst/>
+    <dgm:txFillClrLst meth="repeat">
+      <a:schemeClr val="dk1"/>
+    </dgm:txFillClrLst>
+    <dgm:txEffectClrLst/>
+  </dgm:styleLbl>
+  <dgm:styleLbl name="conFgAcc1">
+    <dgm:fillClrLst meth="repeat">
+      <a:schemeClr val="lt1">
+        <a:alpha val="90000"/>
+      </a:schemeClr>
+    </dgm:fillClrLst>
+    <dgm:linClrLst meth="repeat">
+      <a:schemeClr val="accent2"/>
+      <a:schemeClr val="accent3"/>
+      <a:schemeClr val="accent4"/>
+      <a:schemeClr val="accent5"/>
+      <a:schemeClr val="accent6"/>
+    </dgm:linClrLst>
+    <dgm:effectClrLst/>
+    <dgm:txLinClrLst/>
+    <dgm:txFillClrLst meth="repeat">
+      <a:schemeClr val="dk1"/>
+    </dgm:txFillClrLst>
+    <dgm:txEffectClrLst/>
+  </dgm:styleLbl>
+  <dgm:styleLbl name="alignAcc1">
+    <dgm:fillClrLst meth="repeat">
+      <a:schemeClr val="lt1">
+        <a:alpha val="90000"/>
+      </a:schemeClr>
+    </dgm:fillClrLst>
+    <dgm:linClrLst meth="repeat">
+      <a:schemeClr val="accent2"/>
+      <a:schemeClr val="accent3"/>
+      <a:schemeClr val="accent4"/>
+      <a:schemeClr val="accent5"/>
+      <a:schemeClr val="accent6"/>
+    </dgm:linClrLst>
+    <dgm:effectClrLst/>
+    <dgm:txLinClrLst/>
+    <dgm:txFillClrLst meth="repeat">
+      <a:schemeClr val="dk1"/>
+    </dgm:txFillClrLst>
+    <dgm:txEffectClrLst/>
+  </dgm:styleLbl>
+  <dgm:styleLbl name="trAlignAcc1">
+    <dgm:fillClrLst meth="repeat">
+      <a:schemeClr val="lt1">
+        <a:alpha val="40000"/>
+      </a:schemeClr>
+    </dgm:fillClrLst>
+    <dgm:linClrLst meth="repeat">
+      <a:schemeClr val="accent1"/>
+    </dgm:linClrLst>
+    <dgm:effectClrLst/>
+    <dgm:txLinClrLst/>
+    <dgm:txFillClrLst meth="repeat">
+      <a:schemeClr val="dk1"/>
+    </dgm:txFillClrLst>
+    <dgm:txEffectClrLst/>
+  </dgm:styleLbl>
+  <dgm:styleLbl name="bgAcc1">
+    <dgm:fillClrLst meth="repeat">
+      <a:schemeClr val="lt1">
+        <a:alpha val="90000"/>
+      </a:schemeClr>
+    </dgm:fillClrLst>
+    <dgm:linClrLst meth="repeat">
+      <a:schemeClr val="accent2"/>
+      <a:schemeClr val="accent3"/>
+      <a:schemeClr val="accent4"/>
+      <a:schemeClr val="accent5"/>
+      <a:schemeClr val="accent6"/>
+    </dgm:linClrLst>
+    <dgm:effectClrLst/>
+    <dgm:txLinClrLst/>
+    <dgm:txFillClrLst meth="repeat">
+      <a:schemeClr val="dk1"/>
+    </dgm:txFillClrLst>
+    <dgm:txEffectClrLst/>
+  </dgm:styleLbl>
+  <dgm:styleLbl name="solidFgAcc1">
+    <dgm:fillClrLst meth="repeat">
+      <a:schemeClr val="lt1"/>
+    </dgm:fillClrLst>
+    <dgm:linClrLst meth="repeat">
+      <a:schemeClr val="accent2"/>
+      <a:schemeClr val="accent3"/>
+      <a:schemeClr val="accent4"/>
+      <a:schemeClr val="accent5"/>
+      <a:schemeClr val="accent6"/>
+    </dgm:linClrLst>
+    <dgm:effectClrLst/>
+    <dgm:txLinClrLst/>
+    <dgm:txFillClrLst meth="repeat">
+      <a:schemeClr val="dk1"/>
+    </dgm:txFillClrLst>
+    <dgm:txEffectClrLst/>
+  </dgm:styleLbl>
+  <dgm:styleLbl name="solidAlignAcc1">
+    <dgm:fillClrLst meth="repeat">
+      <a:schemeClr val="lt1"/>
+    </dgm:fillClrLst>
+    <dgm:linClrLst meth="repeat">
+      <a:schemeClr val="accent2"/>
+      <a:schemeClr val="accent3"/>
+      <a:schemeClr val="accent4"/>
+      <a:schemeClr val="accent5"/>
+      <a:schemeClr val="accent6"/>
+    </dgm:linClrLst>
+    <dgm:effectClrLst/>
+    <dgm:txLinClrLst/>
+    <dgm:txFillClrLst meth="repeat">
+      <a:schemeClr val="dk1"/>
+    </dgm:txFillClrLst>
+    <dgm:txEffectClrLst/>
+  </dgm:styleLbl>
+  <dgm:styleLbl name="solidBgAcc1">
+    <dgm:fillClrLst meth="repeat">
+      <a:schemeClr val="lt1"/>
+    </dgm:fillClrLst>
+    <dgm:linClrLst meth="repeat">
+      <a:schemeClr val="accent2"/>
+      <a:schemeClr val="accent3"/>
+      <a:schemeClr val="accent4"/>
+      <a:schemeClr val="accent5"/>
+      <a:schemeClr val="accent6"/>
+    </dgm:linClrLst>
+    <dgm:effectClrLst/>
+    <dgm:txLinClrLst/>
+    <dgm:txFillClrLst meth="repeat">
+      <a:schemeClr val="dk1"/>
+    </dgm:txFillClrLst>
+    <dgm:txEffectClrLst/>
+  </dgm:styleLbl>
+  <dgm:styleLbl name="fgAccFollowNode1">
+    <dgm:fillClrLst meth="repeat">
+      <a:schemeClr val="accent2">
+        <a:tint val="40000"/>
+        <a:alpha val="90000"/>
+      </a:schemeClr>
+      <a:schemeClr val="accent3">
+        <a:tint val="40000"/>
+        <a:alpha val="90000"/>
+      </a:schemeClr>
+      <a:schemeClr val="accent4">
+        <a:tint val="40000"/>
+        <a:alpha val="90000"/>
+      </a:schemeClr>
+      <a:schemeClr val="accent5">
+        <a:tint val="40000"/>
+        <a:alpha val="90000"/>
+      </a:schemeClr>
+      <a:schemeClr val="accent6">
+        <a:tint val="40000"/>
+        <a:alpha val="90000"/>
+      </a:schemeClr>
+    </dgm:fillClrLst>
+    <dgm:linClrLst meth="repeat">
+      <a:schemeClr val="accent2">
+        <a:tint val="40000"/>
+        <a:alpha val="90000"/>
+      </a:schemeClr>
+      <a:schemeClr val="accent3">
+        <a:tint val="40000"/>
+        <a:alpha val="90000"/>
+      </a:schemeClr>
+      <a:schemeClr val="accent4">
+        <a:tint val="40000"/>
+        <a:alpha val="90000"/>
+      </a:schemeClr>
+      <a:schemeClr val="accent5">
+        <a:tint val="40000"/>
+        <a:alpha val="90000"/>
+      </a:schemeClr>
+      <a:schemeClr val="accent6">
+        <a:tint val="40000"/>
+        <a:alpha val="90000"/>
+      </a:schemeClr>
+    </dgm:linClrLst>
+    <dgm:effectClrLst/>
+    <dgm:txLinClrLst/>
+    <dgm:txFillClrLst meth="repeat">
+      <a:schemeClr val="dk1"/>
+    </dgm:txFillClrLst>
+    <dgm:txEffectClrLst/>
+  </dgm:styleLbl>
+  <dgm:styleLbl name="alignAccFollowNode1">
+    <dgm:fillClrLst meth="repeat">
+      <a:schemeClr val="accent2">
+        <a:tint val="40000"/>
+        <a:alpha val="90000"/>
+      </a:schemeClr>
+      <a:schemeClr val="accent3">
+        <a:tint val="40000"/>
+        <a:alpha val="90000"/>
+      </a:schemeClr>
+      <a:schemeClr val="accent4">
+        <a:tint val="40000"/>
+        <a:alpha val="90000"/>
+      </a:schemeClr>
+      <a:schemeClr val="accent5">
+        <a:tint val="40000"/>
+        <a:alpha val="90000"/>
+      </a:schemeClr>
+      <a:schemeClr val="accent6">
+        <a:tint val="40000"/>
+        <a:alpha val="90000"/>
+      </a:schemeClr>
+    </dgm:fillClrLst>
+    <dgm:linClrLst meth="repeat">
+      <a:schemeClr val="accent2">
+        <a:tint val="40000"/>
+        <a:alpha val="90000"/>
+      </a:schemeClr>
+      <a:schemeClr val="accent3">
+        <a:tint val="40000"/>
+        <a:alpha val="90000"/>
+      </a:schemeClr>
+      <a:schemeClr val="accent4">
+        <a:tint val="40000"/>
+        <a:alpha val="90000"/>
+      </a:schemeClr>
+      <a:schemeClr val="accent5">
+        <a:tint val="40000"/>
+        <a:alpha val="90000"/>
+      </a:schemeClr>
+      <a:schemeClr val="accent6">
+        <a:tint val="40000"/>
+        <a:alpha val="90000"/>
+      </a:schemeClr>
+    </dgm:linClrLst>
+    <dgm:effectClrLst/>
+    <dgm:txLinClrLst/>
+    <dgm:txFillClrLst meth="repeat">
+      <a:schemeClr val="dk1"/>
+    </dgm:txFillClrLst>
+    <dgm:txEffectClrLst/>
+  </dgm:styleLbl>
+  <dgm:styleLbl name="bgAccFollowNode1">
+    <dgm:fillClrLst meth="repeat">
+      <a:schemeClr val="accent2">
+        <a:tint val="40000"/>
+        <a:alpha val="90000"/>
+      </a:schemeClr>
+      <a:schemeClr val="accent3">
+        <a:tint val="40000"/>
+        <a:alpha val="90000"/>
+      </a:schemeClr>
+      <a:schemeClr val="accent4">
+        <a:tint val="40000"/>
+        <a:alpha val="90000"/>
+      </a:schemeClr>
+      <a:schemeClr val="accent5">
+        <a:tint val="40000"/>
+        <a:alpha val="90000"/>
+      </a:schemeClr>
+      <a:schemeClr val="accent6">
+        <a:tint val="40000"/>
+        <a:alpha val="90000"/>
+      </a:schemeClr>
+    </dgm:fillClrLst>
+    <dgm:linClrLst meth="repeat">
+      <a:schemeClr val="accent2">
+        <a:tint val="40000"/>
+        <a:alpha val="90000"/>
+      </a:schemeClr>
+      <a:schemeClr val="accent3">
+        <a:tint val="40000"/>
+        <a:alpha val="90000"/>
+      </a:schemeClr>
+      <a:schemeClr val="accent4">
+        <a:tint val="40000"/>
+        <a:alpha val="90000"/>
+      </a:schemeClr>
+      <a:schemeClr val="accent5">
+        <a:tint val="40000"/>
+        <a:alpha val="90000"/>
+      </a:schemeClr>
+      <a:schemeClr val="accent6">
+        <a:tint val="40000"/>
+        <a:alpha val="90000"/>
+      </a:schemeClr>
+    </dgm:linClrLst>
+    <dgm:effectClrLst/>
+    <dgm:txLinClrLst/>
+    <dgm:txFillClrLst meth="repeat">
+      <a:schemeClr val="dk1"/>
+    </dgm:txFillClrLst>
+    <dgm:txEffectClrLst/>
+  </dgm:styleLbl>
+  <dgm:styleLbl name="fgAcc0">
+    <dgm:fillClrLst meth="repeat">
+      <a:schemeClr val="lt1">
+        <a:alpha val="90000"/>
+      </a:schemeClr>
+    </dgm:fillClrLst>
+    <dgm:linClrLst>
+      <a:schemeClr val="accent1"/>
+    </dgm:linClrLst>
+    <dgm:effectClrLst/>
+    <dgm:txLinClrLst/>
+    <dgm:txFillClrLst meth="repeat">
+      <a:schemeClr val="dk1"/>
+    </dgm:txFillClrLst>
+    <dgm:txEffectClrLst/>
+  </dgm:styleLbl>
+  <dgm:styleLbl name="fgAcc2">
+    <dgm:fillClrLst meth="repeat">
+      <a:schemeClr val="lt1">
+        <a:alpha val="90000"/>
+      </a:schemeClr>
+    </dgm:fillClrLst>
+    <dgm:linClrLst>
+      <a:schemeClr val="accent2"/>
+    </dgm:linClrLst>
+    <dgm:effectClrLst/>
+    <dgm:txLinClrLst/>
+    <dgm:txFillClrLst meth="repeat">
+      <a:schemeClr val="dk1"/>
+    </dgm:txFillClrLst>
+    <dgm:txEffectClrLst/>
+  </dgm:styleLbl>
+  <dgm:styleLbl name="fgAcc3">
+    <dgm:fillClrLst meth="repeat">
+      <a:schemeClr val="lt1">
+        <a:alpha val="90000"/>
+      </a:schemeClr>
+    </dgm:fillClrLst>
+    <dgm:linClrLst>
+      <a:schemeClr val="accent3"/>
+    </dgm:linClrLst>
+    <dgm:effectClrLst/>
+    <dgm:txLinClrLst/>
+    <dgm:txFillClrLst meth="repeat">
+      <a:schemeClr val="dk1"/>
+    </dgm:txFillClrLst>
+    <dgm:txEffectClrLst/>
+  </dgm:styleLbl>
+  <dgm:styleLbl name="fgAcc4">
+    <dgm:fillClrLst meth="repeat">
+      <a:schemeClr val="lt1">
+        <a:alpha val="90000"/>
+      </a:schemeClr>
+    </dgm:fillClrLst>
+    <dgm:linClrLst>
+      <a:schemeClr val="accent4"/>
+    </dgm:linClrLst>
+    <dgm:effectClrLst/>
+    <dgm:txLinClrLst/>
+    <dgm:txFillClrLst meth="repeat">
+      <a:schemeClr val="dk1"/>
+    </dgm:txFillClrLst>
+    <dgm:txEffectClrLst/>
+  </dgm:styleLbl>
+  <dgm:styleLbl name="bgShp">
+    <dgm:fillClrLst meth="repeat">
+      <a:schemeClr val="accent2">
+        <a:tint val="40000"/>
+      </a:schemeClr>
+    </dgm:fillClrLst>
+    <dgm:linClrLst meth="repeat">
+      <a:schemeClr val="dk1"/>
+    </dgm:linClrLst>
+    <dgm:effectClrLst/>
+    <dgm:txLinClrLst/>
+    <dgm:txFillClrLst meth="repeat">
+      <a:schemeClr val="dk1"/>
+    </dgm:txFillClrLst>
+    <dgm:txEffectClrLst/>
+  </dgm:styleLbl>
+  <dgm:styleLbl name="dkBgShp">
+    <dgm:fillClrLst meth="repeat">
+      <a:schemeClr val="accent2">
+        <a:shade val="90000"/>
+      </a:schemeClr>
+    </dgm:fillClrLst>
+    <dgm:linClrLst meth="repeat">
+      <a:schemeClr val="dk1"/>
+    </dgm:linClrLst>
+    <dgm:effectClrLst/>
+    <dgm:txLinClrLst/>
+    <dgm:txFillClrLst meth="repeat">
+      <a:schemeClr val="lt1"/>
+    </dgm:txFillClrLst>
+    <dgm:txEffectClrLst/>
+  </dgm:styleLbl>
+  <dgm:styleLbl name="trBgShp">
+    <dgm:fillClrLst meth="repeat">
+      <a:schemeClr val="accent1">
+        <a:tint val="50000"/>
+        <a:alpha val="40000"/>
+      </a:schemeClr>
+    </dgm:fillClrLst>
+    <dgm:linClrLst meth="repeat">
+      <a:schemeClr val="accent2"/>
+    </dgm:linClrLst>
+    <dgm:effectClrLst/>
+    <dgm:txLinClrLst/>
+    <dgm:txFillClrLst meth="repeat">
+      <a:schemeClr val="lt1"/>
+    </dgm:txFillClrLst>
+    <dgm:txEffectClrLst/>
+  </dgm:styleLbl>
+  <dgm:styleLbl name="fgShp">
+    <dgm:fillClrLst meth="repeat">
+      <a:schemeClr val="accent2">
         <a:tint val="40000"/>
       </a:schemeClr>
     </dgm:fillClrLst>
@@ -5198,6 +6123,225 @@
   <dgm:extLst>
     <a:ext uri="http://schemas.microsoft.com/office/drawing/2008/diagram">
       <dsp:dataModelExt xmlns:dsp="http://schemas.microsoft.com/office/drawing/2008/diagram" relId="rId11" minVer="http://schemas.openxmlformats.org/drawingml/2006/diagram"/>
+    </a:ext>
+  </dgm:extLst>
+</dgm:dataModel>
+</file>
+
+<file path=ppt/diagrams/data5.xml><?xml version="1.0" encoding="utf-8"?>
+<dgm:dataModel xmlns:dgm="http://schemas.openxmlformats.org/drawingml/2006/diagram" xmlns:a="http://schemas.openxmlformats.org/drawingml/2006/main">
+  <dgm:ptLst>
+    <dgm:pt modelId="{B12ADFCB-2BA7-4E9D-9A97-1BE288DDAF23}" type="doc">
+      <dgm:prSet loTypeId="urn:microsoft.com/office/officeart/2005/8/layout/vList2" loCatId="list" qsTypeId="urn:microsoft.com/office/officeart/2005/8/quickstyle/simple1" qsCatId="simple" csTypeId="urn:microsoft.com/office/officeart/2005/8/colors/colorful1" csCatId="colorful" phldr="1"/>
+      <dgm:spPr/>
+      <dgm:t>
+        <a:bodyPr/>
+        <a:lstStyle/>
+        <a:p>
+          <a:endParaRPr lang="es-ES"/>
+        </a:p>
+      </dgm:t>
+    </dgm:pt>
+    <dgm:pt modelId="{235BFB4C-93D8-43D1-865A-2771628B091F}">
+      <dgm:prSet phldrT="[Texto]"/>
+      <dgm:spPr/>
+      <dgm:t>
+        <a:bodyPr/>
+        <a:lstStyle/>
+        <a:p>
+          <a:r>
+            <a:rPr lang="es-ES" dirty="0"/>
+            <a:t>Secuenciales</a:t>
+          </a:r>
+        </a:p>
+      </dgm:t>
+    </dgm:pt>
+    <dgm:pt modelId="{FCF3713A-C91B-4D8E-9F16-74127D6D066D}" type="parTrans" cxnId="{830F9802-B5DA-4863-9C5E-9BF9AA4B001B}">
+      <dgm:prSet/>
+      <dgm:spPr/>
+      <dgm:t>
+        <a:bodyPr/>
+        <a:lstStyle/>
+        <a:p>
+          <a:endParaRPr lang="es-ES"/>
+        </a:p>
+      </dgm:t>
+    </dgm:pt>
+    <dgm:pt modelId="{8AF5D398-2804-4B07-A55F-D2DCDF3D9836}" type="sibTrans" cxnId="{830F9802-B5DA-4863-9C5E-9BF9AA4B001B}">
+      <dgm:prSet/>
+      <dgm:spPr/>
+      <dgm:t>
+        <a:bodyPr/>
+        <a:lstStyle/>
+        <a:p>
+          <a:endParaRPr lang="es-ES"/>
+        </a:p>
+      </dgm:t>
+    </dgm:pt>
+    <dgm:pt modelId="{DC660C4B-DFE3-4E26-BDAC-A6E88127E94B}">
+      <dgm:prSet/>
+      <dgm:spPr/>
+      <dgm:t>
+        <a:bodyPr/>
+        <a:lstStyle/>
+        <a:p>
+          <a:r>
+            <a:rPr lang="es-ES" dirty="0"/>
+            <a:t>Selectivas o De Decisión</a:t>
+          </a:r>
+        </a:p>
+      </dgm:t>
+    </dgm:pt>
+    <dgm:pt modelId="{5077E9DE-1E45-406C-9344-429CC658434D}" type="parTrans" cxnId="{ACF8322B-9E3B-48AF-A71D-FFE3B96B66D0}">
+      <dgm:prSet/>
+      <dgm:spPr/>
+      <dgm:t>
+        <a:bodyPr/>
+        <a:lstStyle/>
+        <a:p>
+          <a:endParaRPr lang="es-ES"/>
+        </a:p>
+      </dgm:t>
+    </dgm:pt>
+    <dgm:pt modelId="{BA55A44B-1F21-48DD-BBF1-C655ACE9FB74}" type="sibTrans" cxnId="{ACF8322B-9E3B-48AF-A71D-FFE3B96B66D0}">
+      <dgm:prSet/>
+      <dgm:spPr/>
+      <dgm:t>
+        <a:bodyPr/>
+        <a:lstStyle/>
+        <a:p>
+          <a:endParaRPr lang="es-ES"/>
+        </a:p>
+      </dgm:t>
+    </dgm:pt>
+    <dgm:pt modelId="{496834E4-2D88-4B26-989D-DD3DE5A3AB9E}">
+      <dgm:prSet/>
+      <dgm:spPr/>
+      <dgm:t>
+        <a:bodyPr/>
+        <a:lstStyle/>
+        <a:p>
+          <a:r>
+            <a:rPr lang="es-ES" dirty="0"/>
+            <a:t>Repetitivas</a:t>
+          </a:r>
+        </a:p>
+      </dgm:t>
+    </dgm:pt>
+    <dgm:pt modelId="{B4D27AA5-3C15-4344-9CED-BD8E087A9521}" type="parTrans" cxnId="{EFBC10A6-AE1E-4F73-B9FB-60AECD877A43}">
+      <dgm:prSet/>
+      <dgm:spPr/>
+      <dgm:t>
+        <a:bodyPr/>
+        <a:lstStyle/>
+        <a:p>
+          <a:endParaRPr lang="es-ES"/>
+        </a:p>
+      </dgm:t>
+    </dgm:pt>
+    <dgm:pt modelId="{AFF7C9BB-21AA-4F17-AE9F-818FC035A48A}" type="sibTrans" cxnId="{EFBC10A6-AE1E-4F73-B9FB-60AECD877A43}">
+      <dgm:prSet/>
+      <dgm:spPr/>
+      <dgm:t>
+        <a:bodyPr/>
+        <a:lstStyle/>
+        <a:p>
+          <a:endParaRPr lang="es-ES"/>
+        </a:p>
+      </dgm:t>
+    </dgm:pt>
+    <dgm:pt modelId="{3DAC7EB9-6C39-47CB-901C-5B0759087125}" type="pres">
+      <dgm:prSet presAssocID="{B12ADFCB-2BA7-4E9D-9A97-1BE288DDAF23}" presName="linear" presStyleCnt="0">
+        <dgm:presLayoutVars>
+          <dgm:animLvl val="lvl"/>
+          <dgm:resizeHandles val="exact"/>
+        </dgm:presLayoutVars>
+      </dgm:prSet>
+      <dgm:spPr/>
+      <dgm:t>
+        <a:bodyPr/>
+        <a:lstStyle/>
+        <a:p>
+          <a:endParaRPr lang="es-ES"/>
+        </a:p>
+      </dgm:t>
+    </dgm:pt>
+    <dgm:pt modelId="{DF526933-6102-4D6B-B5BE-F0FC7655F250}" type="pres">
+      <dgm:prSet presAssocID="{235BFB4C-93D8-43D1-865A-2771628B091F}" presName="parentText" presStyleLbl="node1" presStyleIdx="0" presStyleCnt="3">
+        <dgm:presLayoutVars>
+          <dgm:chMax val="0"/>
+          <dgm:bulletEnabled val="1"/>
+        </dgm:presLayoutVars>
+      </dgm:prSet>
+      <dgm:spPr/>
+      <dgm:t>
+        <a:bodyPr/>
+        <a:lstStyle/>
+        <a:p>
+          <a:endParaRPr lang="es-ES"/>
+        </a:p>
+      </dgm:t>
+    </dgm:pt>
+    <dgm:pt modelId="{A7E6A7E8-AE61-45B0-BF9F-FC218353F787}" type="pres">
+      <dgm:prSet presAssocID="{8AF5D398-2804-4B07-A55F-D2DCDF3D9836}" presName="spacer" presStyleCnt="0"/>
+      <dgm:spPr/>
+    </dgm:pt>
+    <dgm:pt modelId="{45F720B5-A8F1-40B1-8F2D-3B168641E8A7}" type="pres">
+      <dgm:prSet presAssocID="{DC660C4B-DFE3-4E26-BDAC-A6E88127E94B}" presName="parentText" presStyleLbl="node1" presStyleIdx="1" presStyleCnt="3">
+        <dgm:presLayoutVars>
+          <dgm:chMax val="0"/>
+          <dgm:bulletEnabled val="1"/>
+        </dgm:presLayoutVars>
+      </dgm:prSet>
+      <dgm:spPr/>
+      <dgm:t>
+        <a:bodyPr/>
+        <a:lstStyle/>
+        <a:p>
+          <a:endParaRPr lang="es-ES"/>
+        </a:p>
+      </dgm:t>
+    </dgm:pt>
+    <dgm:pt modelId="{5F58C0BB-A25A-4796-A26D-1DBF12A3DB8F}" type="pres">
+      <dgm:prSet presAssocID="{BA55A44B-1F21-48DD-BBF1-C655ACE9FB74}" presName="spacer" presStyleCnt="0"/>
+      <dgm:spPr/>
+    </dgm:pt>
+    <dgm:pt modelId="{17B3D49F-1FEE-4D9E-9DDD-A4B2B6DBAF1E}" type="pres">
+      <dgm:prSet presAssocID="{496834E4-2D88-4B26-989D-DD3DE5A3AB9E}" presName="parentText" presStyleLbl="node1" presStyleIdx="2" presStyleCnt="3">
+        <dgm:presLayoutVars>
+          <dgm:chMax val="0"/>
+          <dgm:bulletEnabled val="1"/>
+        </dgm:presLayoutVars>
+      </dgm:prSet>
+      <dgm:spPr/>
+      <dgm:t>
+        <a:bodyPr/>
+        <a:lstStyle/>
+        <a:p>
+          <a:endParaRPr lang="es-ES"/>
+        </a:p>
+      </dgm:t>
+    </dgm:pt>
+  </dgm:ptLst>
+  <dgm:cxnLst>
+    <dgm:cxn modelId="{314A1729-E9FB-4C7D-9334-04125EA4B29F}" type="presOf" srcId="{DC660C4B-DFE3-4E26-BDAC-A6E88127E94B}" destId="{45F720B5-A8F1-40B1-8F2D-3B168641E8A7}" srcOrd="0" destOrd="0" presId="urn:microsoft.com/office/officeart/2005/8/layout/vList2"/>
+    <dgm:cxn modelId="{830F9802-B5DA-4863-9C5E-9BF9AA4B001B}" srcId="{B12ADFCB-2BA7-4E9D-9A97-1BE288DDAF23}" destId="{235BFB4C-93D8-43D1-865A-2771628B091F}" srcOrd="0" destOrd="0" parTransId="{FCF3713A-C91B-4D8E-9F16-74127D6D066D}" sibTransId="{8AF5D398-2804-4B07-A55F-D2DCDF3D9836}"/>
+    <dgm:cxn modelId="{ACF8322B-9E3B-48AF-A71D-FFE3B96B66D0}" srcId="{B12ADFCB-2BA7-4E9D-9A97-1BE288DDAF23}" destId="{DC660C4B-DFE3-4E26-BDAC-A6E88127E94B}" srcOrd="1" destOrd="0" parTransId="{5077E9DE-1E45-406C-9344-429CC658434D}" sibTransId="{BA55A44B-1F21-48DD-BBF1-C655ACE9FB74}"/>
+    <dgm:cxn modelId="{85C335FB-718F-455E-9DA9-92AA706675A5}" type="presOf" srcId="{496834E4-2D88-4B26-989D-DD3DE5A3AB9E}" destId="{17B3D49F-1FEE-4D9E-9DDD-A4B2B6DBAF1E}" srcOrd="0" destOrd="0" presId="urn:microsoft.com/office/officeart/2005/8/layout/vList2"/>
+    <dgm:cxn modelId="{4DAB8CD2-E33E-46D4-A192-F1B4E87167F9}" type="presOf" srcId="{235BFB4C-93D8-43D1-865A-2771628B091F}" destId="{DF526933-6102-4D6B-B5BE-F0FC7655F250}" srcOrd="0" destOrd="0" presId="urn:microsoft.com/office/officeart/2005/8/layout/vList2"/>
+    <dgm:cxn modelId="{EFBC10A6-AE1E-4F73-B9FB-60AECD877A43}" srcId="{B12ADFCB-2BA7-4E9D-9A97-1BE288DDAF23}" destId="{496834E4-2D88-4B26-989D-DD3DE5A3AB9E}" srcOrd="2" destOrd="0" parTransId="{B4D27AA5-3C15-4344-9CED-BD8E087A9521}" sibTransId="{AFF7C9BB-21AA-4F17-AE9F-818FC035A48A}"/>
+    <dgm:cxn modelId="{23B8ABF9-AF48-4B5F-BC7A-2F64EDDA65EF}" type="presOf" srcId="{B12ADFCB-2BA7-4E9D-9A97-1BE288DDAF23}" destId="{3DAC7EB9-6C39-47CB-901C-5B0759087125}" srcOrd="0" destOrd="0" presId="urn:microsoft.com/office/officeart/2005/8/layout/vList2"/>
+    <dgm:cxn modelId="{CFFC2305-FC4C-4620-9D51-F4142D7A29F1}" type="presParOf" srcId="{3DAC7EB9-6C39-47CB-901C-5B0759087125}" destId="{DF526933-6102-4D6B-B5BE-F0FC7655F250}" srcOrd="0" destOrd="0" presId="urn:microsoft.com/office/officeart/2005/8/layout/vList2"/>
+    <dgm:cxn modelId="{AEFD088A-DAC5-48F4-8E44-050515737A52}" type="presParOf" srcId="{3DAC7EB9-6C39-47CB-901C-5B0759087125}" destId="{A7E6A7E8-AE61-45B0-BF9F-FC218353F787}" srcOrd="1" destOrd="0" presId="urn:microsoft.com/office/officeart/2005/8/layout/vList2"/>
+    <dgm:cxn modelId="{9B8709C1-5113-42E8-8515-0D5561A72642}" type="presParOf" srcId="{3DAC7EB9-6C39-47CB-901C-5B0759087125}" destId="{45F720B5-A8F1-40B1-8F2D-3B168641E8A7}" srcOrd="2" destOrd="0" presId="urn:microsoft.com/office/officeart/2005/8/layout/vList2"/>
+    <dgm:cxn modelId="{B5CF0532-FA22-47AB-9D76-57AE61012B9B}" type="presParOf" srcId="{3DAC7EB9-6C39-47CB-901C-5B0759087125}" destId="{5F58C0BB-A25A-4796-A26D-1DBF12A3DB8F}" srcOrd="3" destOrd="0" presId="urn:microsoft.com/office/officeart/2005/8/layout/vList2"/>
+    <dgm:cxn modelId="{E8113B67-375B-4979-AD5F-7BE7B0678DC4}" type="presParOf" srcId="{3DAC7EB9-6C39-47CB-901C-5B0759087125}" destId="{17B3D49F-1FEE-4D9E-9DDD-A4B2B6DBAF1E}" srcOrd="4" destOrd="0" presId="urn:microsoft.com/office/officeart/2005/8/layout/vList2"/>
+  </dgm:cxnLst>
+  <dgm:bg/>
+  <dgm:whole/>
+  <dgm:extLst>
+    <a:ext uri="http://schemas.microsoft.com/office/drawing/2008/diagram">
+      <dsp:dataModelExt xmlns:dsp="http://schemas.microsoft.com/office/drawing/2008/diagram" relId="rId6" minVer="http://schemas.openxmlformats.org/drawingml/2006/diagram"/>
     </a:ext>
   </dgm:extLst>
 </dgm:dataModel>
@@ -6997,6 +8141,246 @@
 </dsp:drawing>
 </file>
 
+<file path=ppt/diagrams/drawing5.xml><?xml version="1.0" encoding="utf-8"?>
+<dsp:drawing xmlns:dgm="http://schemas.openxmlformats.org/drawingml/2006/diagram" xmlns:dsp="http://schemas.microsoft.com/office/drawing/2008/diagram" xmlns:a="http://schemas.openxmlformats.org/drawingml/2006/main">
+  <dsp:spTree>
+    <dsp:nvGrpSpPr>
+      <dsp:cNvPr id="0" name=""/>
+      <dsp:cNvGrpSpPr/>
+    </dsp:nvGrpSpPr>
+    <dsp:grpSpPr/>
+    <dsp:sp modelId="{DF526933-6102-4D6B-B5BE-F0FC7655F250}">
+      <dsp:nvSpPr>
+        <dsp:cNvPr id="0" name=""/>
+        <dsp:cNvSpPr/>
+      </dsp:nvSpPr>
+      <dsp:spPr>
+        <a:xfrm>
+          <a:off x="0" y="621102"/>
+          <a:ext cx="5760640" cy="865800"/>
+        </a:xfrm>
+        <a:prstGeom prst="roundRect">
+          <a:avLst/>
+        </a:prstGeom>
+        <a:solidFill>
+          <a:schemeClr val="accent2">
+            <a:hueOff val="0"/>
+            <a:satOff val="0"/>
+            <a:lumOff val="0"/>
+            <a:alphaOff val="0"/>
+          </a:schemeClr>
+        </a:solidFill>
+        <a:ln w="12700" cap="flat" cmpd="sng" algn="ctr">
+          <a:solidFill>
+            <a:schemeClr val="lt1">
+              <a:hueOff val="0"/>
+              <a:satOff val="0"/>
+              <a:lumOff val="0"/>
+              <a:alphaOff val="0"/>
+            </a:schemeClr>
+          </a:solidFill>
+          <a:prstDash val="solid"/>
+        </a:ln>
+        <a:effectLst/>
+      </dsp:spPr>
+      <dsp:style>
+        <a:lnRef idx="2">
+          <a:scrgbClr r="0" g="0" b="0"/>
+        </a:lnRef>
+        <a:fillRef idx="1">
+          <a:scrgbClr r="0" g="0" b="0"/>
+        </a:fillRef>
+        <a:effectRef idx="0">
+          <a:scrgbClr r="0" g="0" b="0"/>
+        </a:effectRef>
+        <a:fontRef idx="minor">
+          <a:schemeClr val="lt1"/>
+        </a:fontRef>
+      </dsp:style>
+      <dsp:txBody>
+        <a:bodyPr spcFirstLastPara="0" vert="horz" wrap="square" lIns="140970" tIns="140970" rIns="140970" bIns="140970" numCol="1" spcCol="1270" anchor="ctr" anchorCtr="0">
+          <a:noAutofit/>
+        </a:bodyPr>
+        <a:lstStyle/>
+        <a:p>
+          <a:pPr lvl="0" algn="l" defTabSz="1644650">
+            <a:lnSpc>
+              <a:spcPct val="90000"/>
+            </a:lnSpc>
+            <a:spcBef>
+              <a:spcPct val="0"/>
+            </a:spcBef>
+            <a:spcAft>
+              <a:spcPct val="35000"/>
+            </a:spcAft>
+          </a:pPr>
+          <a:r>
+            <a:rPr lang="es-ES" sz="3700" kern="1200" dirty="0"/>
+            <a:t>Secuenciales</a:t>
+          </a:r>
+        </a:p>
+      </dsp:txBody>
+      <dsp:txXfrm>
+        <a:off x="42265" y="663367"/>
+        <a:ext cx="5676110" cy="781270"/>
+      </dsp:txXfrm>
+    </dsp:sp>
+    <dsp:sp modelId="{45F720B5-A8F1-40B1-8F2D-3B168641E8A7}">
+      <dsp:nvSpPr>
+        <dsp:cNvPr id="0" name=""/>
+        <dsp:cNvSpPr/>
+      </dsp:nvSpPr>
+      <dsp:spPr>
+        <a:xfrm>
+          <a:off x="0" y="1593462"/>
+          <a:ext cx="5760640" cy="865800"/>
+        </a:xfrm>
+        <a:prstGeom prst="roundRect">
+          <a:avLst/>
+        </a:prstGeom>
+        <a:solidFill>
+          <a:schemeClr val="accent3">
+            <a:hueOff val="0"/>
+            <a:satOff val="0"/>
+            <a:lumOff val="0"/>
+            <a:alphaOff val="0"/>
+          </a:schemeClr>
+        </a:solidFill>
+        <a:ln w="12700" cap="flat" cmpd="sng" algn="ctr">
+          <a:solidFill>
+            <a:schemeClr val="lt1">
+              <a:hueOff val="0"/>
+              <a:satOff val="0"/>
+              <a:lumOff val="0"/>
+              <a:alphaOff val="0"/>
+            </a:schemeClr>
+          </a:solidFill>
+          <a:prstDash val="solid"/>
+        </a:ln>
+        <a:effectLst/>
+      </dsp:spPr>
+      <dsp:style>
+        <a:lnRef idx="2">
+          <a:scrgbClr r="0" g="0" b="0"/>
+        </a:lnRef>
+        <a:fillRef idx="1">
+          <a:scrgbClr r="0" g="0" b="0"/>
+        </a:fillRef>
+        <a:effectRef idx="0">
+          <a:scrgbClr r="0" g="0" b="0"/>
+        </a:effectRef>
+        <a:fontRef idx="minor">
+          <a:schemeClr val="lt1"/>
+        </a:fontRef>
+      </dsp:style>
+      <dsp:txBody>
+        <a:bodyPr spcFirstLastPara="0" vert="horz" wrap="square" lIns="140970" tIns="140970" rIns="140970" bIns="140970" numCol="1" spcCol="1270" anchor="ctr" anchorCtr="0">
+          <a:noAutofit/>
+        </a:bodyPr>
+        <a:lstStyle/>
+        <a:p>
+          <a:pPr lvl="0" algn="l" defTabSz="1644650">
+            <a:lnSpc>
+              <a:spcPct val="90000"/>
+            </a:lnSpc>
+            <a:spcBef>
+              <a:spcPct val="0"/>
+            </a:spcBef>
+            <a:spcAft>
+              <a:spcPct val="35000"/>
+            </a:spcAft>
+          </a:pPr>
+          <a:r>
+            <a:rPr lang="es-ES" sz="3700" kern="1200" dirty="0"/>
+            <a:t>Selectivas o De Decisión</a:t>
+          </a:r>
+        </a:p>
+      </dsp:txBody>
+      <dsp:txXfrm>
+        <a:off x="42265" y="1635727"/>
+        <a:ext cx="5676110" cy="781270"/>
+      </dsp:txXfrm>
+    </dsp:sp>
+    <dsp:sp modelId="{17B3D49F-1FEE-4D9E-9DDD-A4B2B6DBAF1E}">
+      <dsp:nvSpPr>
+        <dsp:cNvPr id="0" name=""/>
+        <dsp:cNvSpPr/>
+      </dsp:nvSpPr>
+      <dsp:spPr>
+        <a:xfrm>
+          <a:off x="0" y="2565822"/>
+          <a:ext cx="5760640" cy="865800"/>
+        </a:xfrm>
+        <a:prstGeom prst="roundRect">
+          <a:avLst/>
+        </a:prstGeom>
+        <a:solidFill>
+          <a:schemeClr val="accent4">
+            <a:hueOff val="0"/>
+            <a:satOff val="0"/>
+            <a:lumOff val="0"/>
+            <a:alphaOff val="0"/>
+          </a:schemeClr>
+        </a:solidFill>
+        <a:ln w="12700" cap="flat" cmpd="sng" algn="ctr">
+          <a:solidFill>
+            <a:schemeClr val="lt1">
+              <a:hueOff val="0"/>
+              <a:satOff val="0"/>
+              <a:lumOff val="0"/>
+              <a:alphaOff val="0"/>
+            </a:schemeClr>
+          </a:solidFill>
+          <a:prstDash val="solid"/>
+        </a:ln>
+        <a:effectLst/>
+      </dsp:spPr>
+      <dsp:style>
+        <a:lnRef idx="2">
+          <a:scrgbClr r="0" g="0" b="0"/>
+        </a:lnRef>
+        <a:fillRef idx="1">
+          <a:scrgbClr r="0" g="0" b="0"/>
+        </a:fillRef>
+        <a:effectRef idx="0">
+          <a:scrgbClr r="0" g="0" b="0"/>
+        </a:effectRef>
+        <a:fontRef idx="minor">
+          <a:schemeClr val="lt1"/>
+        </a:fontRef>
+      </dsp:style>
+      <dsp:txBody>
+        <a:bodyPr spcFirstLastPara="0" vert="horz" wrap="square" lIns="140970" tIns="140970" rIns="140970" bIns="140970" numCol="1" spcCol="1270" anchor="ctr" anchorCtr="0">
+          <a:noAutofit/>
+        </a:bodyPr>
+        <a:lstStyle/>
+        <a:p>
+          <a:pPr lvl="0" algn="l" defTabSz="1644650">
+            <a:lnSpc>
+              <a:spcPct val="90000"/>
+            </a:lnSpc>
+            <a:spcBef>
+              <a:spcPct val="0"/>
+            </a:spcBef>
+            <a:spcAft>
+              <a:spcPct val="35000"/>
+            </a:spcAft>
+          </a:pPr>
+          <a:r>
+            <a:rPr lang="es-ES" sz="3700" kern="1200" dirty="0"/>
+            <a:t>Repetitivas</a:t>
+          </a:r>
+        </a:p>
+      </dsp:txBody>
+      <dsp:txXfrm>
+        <a:off x="42265" y="2608087"/>
+        <a:ext cx="5676110" cy="781270"/>
+      </dsp:txXfrm>
+    </dsp:sp>
+  </dsp:spTree>
+</dsp:drawing>
+</file>
+
 <file path=ppt/diagrams/layout1.xml><?xml version="1.0" encoding="utf-8"?>
 <dgm:layoutDef xmlns:dgm="http://schemas.openxmlformats.org/drawingml/2006/diagram" xmlns:a="http://schemas.openxmlformats.org/drawingml/2006/main" uniqueId="urn:microsoft.com/office/officeart/2005/8/layout/vList2">
   <dgm:title val=""/>
@@ -7765,6 +9149,173 @@
 </dgm:layoutDef>
 </file>
 
+<file path=ppt/diagrams/layout5.xml><?xml version="1.0" encoding="utf-8"?>
+<dgm:layoutDef xmlns:dgm="http://schemas.openxmlformats.org/drawingml/2006/diagram" xmlns:a="http://schemas.openxmlformats.org/drawingml/2006/main" uniqueId="urn:microsoft.com/office/officeart/2005/8/layout/vList2">
+  <dgm:title val=""/>
+  <dgm:desc val=""/>
+  <dgm:catLst>
+    <dgm:cat type="list" pri="3000"/>
+    <dgm:cat type="convert" pri="1000"/>
+  </dgm:catLst>
+  <dgm:sampData>
+    <dgm:dataModel>
+      <dgm:ptLst>
+        <dgm:pt modelId="0" type="doc"/>
+        <dgm:pt modelId="1">
+          <dgm:prSet phldr="1"/>
+        </dgm:pt>
+        <dgm:pt modelId="11">
+          <dgm:prSet phldr="1"/>
+        </dgm:pt>
+        <dgm:pt modelId="2">
+          <dgm:prSet phldr="1"/>
+        </dgm:pt>
+        <dgm:pt modelId="21">
+          <dgm:prSet phldr="1"/>
+        </dgm:pt>
+      </dgm:ptLst>
+      <dgm:cxnLst>
+        <dgm:cxn modelId="4" srcId="0" destId="1" srcOrd="0" destOrd="0"/>
+        <dgm:cxn modelId="5" srcId="0" destId="2" srcOrd="1" destOrd="0"/>
+        <dgm:cxn modelId="12" srcId="1" destId="11" srcOrd="0" destOrd="0"/>
+        <dgm:cxn modelId="23" srcId="2" destId="21" srcOrd="0" destOrd="0"/>
+      </dgm:cxnLst>
+      <dgm:bg/>
+      <dgm:whole/>
+    </dgm:dataModel>
+  </dgm:sampData>
+  <dgm:styleData>
+    <dgm:dataModel>
+      <dgm:ptLst>
+        <dgm:pt modelId="0" type="doc"/>
+        <dgm:pt modelId="1"/>
+        <dgm:pt modelId="2"/>
+      </dgm:ptLst>
+      <dgm:cxnLst>
+        <dgm:cxn modelId="3" srcId="0" destId="1" srcOrd="0" destOrd="0"/>
+        <dgm:cxn modelId="4" srcId="0" destId="2" srcOrd="1" destOrd="0"/>
+      </dgm:cxnLst>
+      <dgm:bg/>
+      <dgm:whole/>
+    </dgm:dataModel>
+  </dgm:styleData>
+  <dgm:clrData>
+    <dgm:dataModel>
+      <dgm:ptLst>
+        <dgm:pt modelId="0" type="doc"/>
+        <dgm:pt modelId="1"/>
+        <dgm:pt modelId="2"/>
+        <dgm:pt modelId="3"/>
+        <dgm:pt modelId="4"/>
+      </dgm:ptLst>
+      <dgm:cxnLst>
+        <dgm:cxn modelId="5" srcId="0" destId="1" srcOrd="0" destOrd="0"/>
+        <dgm:cxn modelId="6" srcId="0" destId="2" srcOrd="1" destOrd="0"/>
+        <dgm:cxn modelId="7" srcId="0" destId="3" srcOrd="2" destOrd="0"/>
+        <dgm:cxn modelId="8" srcId="0" destId="4" srcOrd="3" destOrd="0"/>
+      </dgm:cxnLst>
+      <dgm:bg/>
+      <dgm:whole/>
+    </dgm:dataModel>
+  </dgm:clrData>
+  <dgm:layoutNode name="linear">
+    <dgm:varLst>
+      <dgm:animLvl val="lvl"/>
+      <dgm:resizeHandles val="exact"/>
+    </dgm:varLst>
+    <dgm:alg type="lin">
+      <dgm:param type="linDir" val="fromT"/>
+      <dgm:param type="vertAlign" val="mid"/>
+    </dgm:alg>
+    <dgm:shape xmlns:r="http://schemas.openxmlformats.org/officeDocument/2006/relationships" r:blip="">
+      <dgm:adjLst/>
+    </dgm:shape>
+    <dgm:presOf/>
+    <dgm:constrLst>
+      <dgm:constr type="w" for="ch" forName="parentText" refType="w"/>
+      <dgm:constr type="h" for="ch" forName="parentText" refType="primFontSz" refFor="ch" refForName="parentText" fact="0.52"/>
+      <dgm:constr type="w" for="ch" forName="childText" refType="w"/>
+      <dgm:constr type="h" for="ch" forName="childText" refType="primFontSz" refFor="ch" refForName="parentText" fact="0.46"/>
+      <dgm:constr type="h" for="ch" forName="parentText" op="equ"/>
+      <dgm:constr type="primFontSz" for="ch" forName="parentText" op="equ" val="65"/>
+      <dgm:constr type="primFontSz" for="ch" forName="childText" refType="primFontSz" refFor="ch" refForName="parentText" op="equ"/>
+      <dgm:constr type="h" for="ch" forName="spacer" refType="primFontSz" refFor="ch" refForName="parentText" fact="0.08"/>
+    </dgm:constrLst>
+    <dgm:ruleLst>
+      <dgm:rule type="primFontSz" for="ch" forName="parentText" val="5" fact="NaN" max="NaN"/>
+    </dgm:ruleLst>
+    <dgm:forEach name="Name0" axis="ch" ptType="node">
+      <dgm:layoutNode name="parentText" styleLbl="node1">
+        <dgm:varLst>
+          <dgm:chMax val="0"/>
+          <dgm:bulletEnabled val="1"/>
+        </dgm:varLst>
+        <dgm:alg type="tx">
+          <dgm:param type="parTxLTRAlign" val="l"/>
+          <dgm:param type="parTxRTLAlign" val="r"/>
+        </dgm:alg>
+        <dgm:shape xmlns:r="http://schemas.openxmlformats.org/officeDocument/2006/relationships" type="roundRect" r:blip="">
+          <dgm:adjLst/>
+        </dgm:shape>
+        <dgm:presOf axis="self"/>
+        <dgm:constrLst>
+          <dgm:constr type="tMarg" refType="primFontSz" fact="0.3"/>
+          <dgm:constr type="bMarg" refType="primFontSz" fact="0.3"/>
+          <dgm:constr type="lMarg" refType="primFontSz" fact="0.3"/>
+          <dgm:constr type="rMarg" refType="primFontSz" fact="0.3"/>
+        </dgm:constrLst>
+        <dgm:ruleLst>
+          <dgm:rule type="h" val="INF" fact="NaN" max="NaN"/>
+        </dgm:ruleLst>
+      </dgm:layoutNode>
+      <dgm:choose name="Name1">
+        <dgm:if name="Name2" axis="ch" ptType="node" func="cnt" op="gte" val="1">
+          <dgm:layoutNode name="childText" styleLbl="revTx">
+            <dgm:varLst>
+              <dgm:bulletEnabled val="1"/>
+            </dgm:varLst>
+            <dgm:alg type="tx">
+              <dgm:param type="stBulletLvl" val="1"/>
+              <dgm:param type="lnSpAfChP" val="20"/>
+            </dgm:alg>
+            <dgm:shape xmlns:r="http://schemas.openxmlformats.org/officeDocument/2006/relationships" type="rect" r:blip="">
+              <dgm:adjLst/>
+            </dgm:shape>
+            <dgm:presOf axis="des" ptType="node"/>
+            <dgm:constrLst>
+              <dgm:constr type="tMarg" refType="primFontSz" fact="0.1"/>
+              <dgm:constr type="bMarg" refType="primFontSz" fact="0.1"/>
+              <dgm:constr type="lMarg" refType="w" fact="0.09"/>
+            </dgm:constrLst>
+            <dgm:ruleLst>
+              <dgm:rule type="h" val="INF" fact="NaN" max="NaN"/>
+            </dgm:ruleLst>
+          </dgm:layoutNode>
+        </dgm:if>
+        <dgm:else name="Name3">
+          <dgm:choose name="Name4">
+            <dgm:if name="Name5" axis="par ch" ptType="doc node" func="cnt" op="gte" val="2">
+              <dgm:forEach name="Name6" axis="followSib" ptType="sibTrans" cnt="1">
+                <dgm:layoutNode name="spacer">
+                  <dgm:alg type="sp"/>
+                  <dgm:shape xmlns:r="http://schemas.openxmlformats.org/officeDocument/2006/relationships" r:blip="">
+                    <dgm:adjLst/>
+                  </dgm:shape>
+                  <dgm:presOf/>
+                  <dgm:constrLst/>
+                  <dgm:ruleLst/>
+                </dgm:layoutNode>
+              </dgm:forEach>
+            </dgm:if>
+            <dgm:else name="Name7"/>
+          </dgm:choose>
+        </dgm:else>
+      </dgm:choose>
+    </dgm:forEach>
+  </dgm:layoutNode>
+</dgm:layoutDef>
+</file>
+
 <file path=ppt/diagrams/quickStyle1.xml><?xml version="1.0" encoding="utf-8"?>
 <dgm:styleDef xmlns:dgm="http://schemas.openxmlformats.org/drawingml/2006/diagram" xmlns:a="http://schemas.openxmlformats.org/drawingml/2006/main" uniqueId="urn:microsoft.com/office/officeart/2005/8/quickstyle/simple1">
   <dgm:title val=""/>
@@ -10868,6 +12419,1040 @@
 </file>
 
 <file path=ppt/diagrams/quickStyle4.xml><?xml version="1.0" encoding="utf-8"?>
+<dgm:styleDef xmlns:dgm="http://schemas.openxmlformats.org/drawingml/2006/diagram" xmlns:a="http://schemas.openxmlformats.org/drawingml/2006/main" uniqueId="urn:microsoft.com/office/officeart/2005/8/quickstyle/simple1">
+  <dgm:title val=""/>
+  <dgm:desc val=""/>
+  <dgm:catLst>
+    <dgm:cat type="simple" pri="10100"/>
+  </dgm:catLst>
+  <dgm:scene3d>
+    <a:camera prst="orthographicFront"/>
+    <a:lightRig rig="threePt" dir="t"/>
+  </dgm:scene3d>
+  <dgm:styleLbl name="node0">
+    <dgm:scene3d>
+      <a:camera prst="orthographicFront"/>
+      <a:lightRig rig="threePt" dir="t"/>
+    </dgm:scene3d>
+    <dgm:sp3d/>
+    <dgm:txPr/>
+    <dgm:style>
+      <a:lnRef idx="2">
+        <a:scrgbClr r="0" g="0" b="0"/>
+      </a:lnRef>
+      <a:fillRef idx="1">
+        <a:scrgbClr r="0" g="0" b="0"/>
+      </a:fillRef>
+      <a:effectRef idx="0">
+        <a:scrgbClr r="0" g="0" b="0"/>
+      </a:effectRef>
+      <a:fontRef idx="minor">
+        <a:schemeClr val="lt1"/>
+      </a:fontRef>
+    </dgm:style>
+  </dgm:styleLbl>
+  <dgm:styleLbl name="lnNode1">
+    <dgm:scene3d>
+      <a:camera prst="orthographicFront"/>
+      <a:lightRig rig="threePt" dir="t"/>
+    </dgm:scene3d>
+    <dgm:sp3d/>
+    <dgm:txPr/>
+    <dgm:style>
+      <a:lnRef idx="2">
+        <a:scrgbClr r="0" g="0" b="0"/>
+      </a:lnRef>
+      <a:fillRef idx="1">
+        <a:scrgbClr r="0" g="0" b="0"/>
+      </a:fillRef>
+      <a:effectRef idx="0">
+        <a:scrgbClr r="0" g="0" b="0"/>
+      </a:effectRef>
+      <a:fontRef idx="minor">
+        <a:schemeClr val="lt1"/>
+      </a:fontRef>
+    </dgm:style>
+  </dgm:styleLbl>
+  <dgm:styleLbl name="vennNode1">
+    <dgm:scene3d>
+      <a:camera prst="orthographicFront"/>
+      <a:lightRig rig="threePt" dir="t"/>
+    </dgm:scene3d>
+    <dgm:sp3d/>
+    <dgm:txPr/>
+    <dgm:style>
+      <a:lnRef idx="2">
+        <a:scrgbClr r="0" g="0" b="0"/>
+      </a:lnRef>
+      <a:fillRef idx="1">
+        <a:scrgbClr r="0" g="0" b="0"/>
+      </a:fillRef>
+      <a:effectRef idx="0">
+        <a:scrgbClr r="0" g="0" b="0"/>
+      </a:effectRef>
+      <a:fontRef idx="minor">
+        <a:schemeClr val="tx1"/>
+      </a:fontRef>
+    </dgm:style>
+  </dgm:styleLbl>
+  <dgm:styleLbl name="alignNode1">
+    <dgm:scene3d>
+      <a:camera prst="orthographicFront"/>
+      <a:lightRig rig="threePt" dir="t"/>
+    </dgm:scene3d>
+    <dgm:sp3d/>
+    <dgm:txPr/>
+    <dgm:style>
+      <a:lnRef idx="2">
+        <a:scrgbClr r="0" g="0" b="0"/>
+      </a:lnRef>
+      <a:fillRef idx="1">
+        <a:scrgbClr r="0" g="0" b="0"/>
+      </a:fillRef>
+      <a:effectRef idx="0">
+        <a:scrgbClr r="0" g="0" b="0"/>
+      </a:effectRef>
+      <a:fontRef idx="minor">
+        <a:schemeClr val="lt1"/>
+      </a:fontRef>
+    </dgm:style>
+  </dgm:styleLbl>
+  <dgm:styleLbl name="node1">
+    <dgm:scene3d>
+      <a:camera prst="orthographicFront"/>
+      <a:lightRig rig="threePt" dir="t"/>
+    </dgm:scene3d>
+    <dgm:sp3d/>
+    <dgm:txPr/>
+    <dgm:style>
+      <a:lnRef idx="2">
+        <a:scrgbClr r="0" g="0" b="0"/>
+      </a:lnRef>
+      <a:fillRef idx="1">
+        <a:scrgbClr r="0" g="0" b="0"/>
+      </a:fillRef>
+      <a:effectRef idx="0">
+        <a:scrgbClr r="0" g="0" b="0"/>
+      </a:effectRef>
+      <a:fontRef idx="minor">
+        <a:schemeClr val="lt1"/>
+      </a:fontRef>
+    </dgm:style>
+  </dgm:styleLbl>
+  <dgm:styleLbl name="node2">
+    <dgm:scene3d>
+      <a:camera prst="orthographicFront"/>
+      <a:lightRig rig="threePt" dir="t"/>
+    </dgm:scene3d>
+    <dgm:sp3d/>
+    <dgm:txPr/>
+    <dgm:style>
+      <a:lnRef idx="2">
+        <a:scrgbClr r="0" g="0" b="0"/>
+      </a:lnRef>
+      <a:fillRef idx="1">
+        <a:scrgbClr r="0" g="0" b="0"/>
+      </a:fillRef>
+      <a:effectRef idx="0">
+        <a:scrgbClr r="0" g="0" b="0"/>
+      </a:effectRef>
+      <a:fontRef idx="minor">
+        <a:schemeClr val="lt1"/>
+      </a:fontRef>
+    </dgm:style>
+  </dgm:styleLbl>
+  <dgm:styleLbl name="node3">
+    <dgm:scene3d>
+      <a:camera prst="orthographicFront"/>
+      <a:lightRig rig="threePt" dir="t"/>
+    </dgm:scene3d>
+    <dgm:sp3d/>
+    <dgm:txPr/>
+    <dgm:style>
+      <a:lnRef idx="2">
+        <a:scrgbClr r="0" g="0" b="0"/>
+      </a:lnRef>
+      <a:fillRef idx="1">
+        <a:scrgbClr r="0" g="0" b="0"/>
+      </a:fillRef>
+      <a:effectRef idx="0">
+        <a:scrgbClr r="0" g="0" b="0"/>
+      </a:effectRef>
+      <a:fontRef idx="minor">
+        <a:schemeClr val="lt1"/>
+      </a:fontRef>
+    </dgm:style>
+  </dgm:styleLbl>
+  <dgm:styleLbl name="node4">
+    <dgm:scene3d>
+      <a:camera prst="orthographicFront"/>
+      <a:lightRig rig="threePt" dir="t"/>
+    </dgm:scene3d>
+    <dgm:sp3d/>
+    <dgm:txPr/>
+    <dgm:style>
+      <a:lnRef idx="2">
+        <a:scrgbClr r="0" g="0" b="0"/>
+      </a:lnRef>
+      <a:fillRef idx="1">
+        <a:scrgbClr r="0" g="0" b="0"/>
+      </a:fillRef>
+      <a:effectRef idx="0">
+        <a:scrgbClr r="0" g="0" b="0"/>
+      </a:effectRef>
+      <a:fontRef idx="minor">
+        <a:schemeClr val="lt1"/>
+      </a:fontRef>
+    </dgm:style>
+  </dgm:styleLbl>
+  <dgm:styleLbl name="fgImgPlace1">
+    <dgm:scene3d>
+      <a:camera prst="orthographicFront"/>
+      <a:lightRig rig="threePt" dir="t"/>
+    </dgm:scene3d>
+    <dgm:sp3d/>
+    <dgm:txPr/>
+    <dgm:style>
+      <a:lnRef idx="2">
+        <a:scrgbClr r="0" g="0" b="0"/>
+      </a:lnRef>
+      <a:fillRef idx="1">
+        <a:scrgbClr r="0" g="0" b="0"/>
+      </a:fillRef>
+      <a:effectRef idx="0">
+        <a:scrgbClr r="0" g="0" b="0"/>
+      </a:effectRef>
+      <a:fontRef idx="minor"/>
+    </dgm:style>
+  </dgm:styleLbl>
+  <dgm:styleLbl name="alignImgPlace1">
+    <dgm:scene3d>
+      <a:camera prst="orthographicFront"/>
+      <a:lightRig rig="threePt" dir="t"/>
+    </dgm:scene3d>
+    <dgm:sp3d/>
+    <dgm:txPr/>
+    <dgm:style>
+      <a:lnRef idx="2">
+        <a:scrgbClr r="0" g="0" b="0"/>
+      </a:lnRef>
+      <a:fillRef idx="1">
+        <a:scrgbClr r="0" g="0" b="0"/>
+      </a:fillRef>
+      <a:effectRef idx="0">
+        <a:scrgbClr r="0" g="0" b="0"/>
+      </a:effectRef>
+      <a:fontRef idx="minor"/>
+    </dgm:style>
+  </dgm:styleLbl>
+  <dgm:styleLbl name="bgImgPlace1">
+    <dgm:scene3d>
+      <a:camera prst="orthographicFront"/>
+      <a:lightRig rig="threePt" dir="t"/>
+    </dgm:scene3d>
+    <dgm:sp3d/>
+    <dgm:txPr/>
+    <dgm:style>
+      <a:lnRef idx="2">
+        <a:scrgbClr r="0" g="0" b="0"/>
+      </a:lnRef>
+      <a:fillRef idx="1">
+        <a:scrgbClr r="0" g="0" b="0"/>
+      </a:fillRef>
+      <a:effectRef idx="0">
+        <a:scrgbClr r="0" g="0" b="0"/>
+      </a:effectRef>
+      <a:fontRef idx="minor"/>
+    </dgm:style>
+  </dgm:styleLbl>
+  <dgm:styleLbl name="sibTrans2D1">
+    <dgm:scene3d>
+      <a:camera prst="orthographicFront"/>
+      <a:lightRig rig="threePt" dir="t"/>
+    </dgm:scene3d>
+    <dgm:sp3d/>
+    <dgm:txPr/>
+    <dgm:style>
+      <a:lnRef idx="0">
+        <a:scrgbClr r="0" g="0" b="0"/>
+      </a:lnRef>
+      <a:fillRef idx="1">
+        <a:scrgbClr r="0" g="0" b="0"/>
+      </a:fillRef>
+      <a:effectRef idx="0">
+        <a:scrgbClr r="0" g="0" b="0"/>
+      </a:effectRef>
+      <a:fontRef idx="minor">
+        <a:schemeClr val="lt1"/>
+      </a:fontRef>
+    </dgm:style>
+  </dgm:styleLbl>
+  <dgm:styleLbl name="fgSibTrans2D1">
+    <dgm:scene3d>
+      <a:camera prst="orthographicFront"/>
+      <a:lightRig rig="threePt" dir="t"/>
+    </dgm:scene3d>
+    <dgm:sp3d/>
+    <dgm:txPr/>
+    <dgm:style>
+      <a:lnRef idx="0">
+        <a:scrgbClr r="0" g="0" b="0"/>
+      </a:lnRef>
+      <a:fillRef idx="1">
+        <a:scrgbClr r="0" g="0" b="0"/>
+      </a:fillRef>
+      <a:effectRef idx="0">
+        <a:scrgbClr r="0" g="0" b="0"/>
+      </a:effectRef>
+      <a:fontRef idx="minor">
+        <a:schemeClr val="lt1"/>
+      </a:fontRef>
+    </dgm:style>
+  </dgm:styleLbl>
+  <dgm:styleLbl name="bgSibTrans2D1">
+    <dgm:scene3d>
+      <a:camera prst="orthographicFront"/>
+      <a:lightRig rig="threePt" dir="t"/>
+    </dgm:scene3d>
+    <dgm:sp3d/>
+    <dgm:txPr/>
+    <dgm:style>
+      <a:lnRef idx="0">
+        <a:scrgbClr r="0" g="0" b="0"/>
+      </a:lnRef>
+      <a:fillRef idx="1">
+        <a:scrgbClr r="0" g="0" b="0"/>
+      </a:fillRef>
+      <a:effectRef idx="0">
+        <a:scrgbClr r="0" g="0" b="0"/>
+      </a:effectRef>
+      <a:fontRef idx="minor">
+        <a:schemeClr val="lt1"/>
+      </a:fontRef>
+    </dgm:style>
+  </dgm:styleLbl>
+  <dgm:styleLbl name="sibTrans1D1">
+    <dgm:scene3d>
+      <a:camera prst="orthographicFront"/>
+      <a:lightRig rig="threePt" dir="t"/>
+    </dgm:scene3d>
+    <dgm:sp3d/>
+    <dgm:txPr/>
+    <dgm:style>
+      <a:lnRef idx="1">
+        <a:scrgbClr r="0" g="0" b="0"/>
+      </a:lnRef>
+      <a:fillRef idx="0">
+        <a:scrgbClr r="0" g="0" b="0"/>
+      </a:fillRef>
+      <a:effectRef idx="0">
+        <a:scrgbClr r="0" g="0" b="0"/>
+      </a:effectRef>
+      <a:fontRef idx="minor"/>
+    </dgm:style>
+  </dgm:styleLbl>
+  <dgm:styleLbl name="callout">
+    <dgm:scene3d>
+      <a:camera prst="orthographicFront"/>
+      <a:lightRig rig="threePt" dir="t"/>
+    </dgm:scene3d>
+    <dgm:sp3d/>
+    <dgm:txPr/>
+    <dgm:style>
+      <a:lnRef idx="2">
+        <a:scrgbClr r="0" g="0" b="0"/>
+      </a:lnRef>
+      <a:fillRef idx="1">
+        <a:scrgbClr r="0" g="0" b="0"/>
+      </a:fillRef>
+      <a:effectRef idx="0">
+        <a:scrgbClr r="0" g="0" b="0"/>
+      </a:effectRef>
+      <a:fontRef idx="minor"/>
+    </dgm:style>
+  </dgm:styleLbl>
+  <dgm:styleLbl name="asst0">
+    <dgm:scene3d>
+      <a:camera prst="orthographicFront"/>
+      <a:lightRig rig="threePt" dir="t"/>
+    </dgm:scene3d>
+    <dgm:sp3d/>
+    <dgm:txPr/>
+    <dgm:style>
+      <a:lnRef idx="2">
+        <a:scrgbClr r="0" g="0" b="0"/>
+      </a:lnRef>
+      <a:fillRef idx="1">
+        <a:scrgbClr r="0" g="0" b="0"/>
+      </a:fillRef>
+      <a:effectRef idx="0">
+        <a:scrgbClr r="0" g="0" b="0"/>
+      </a:effectRef>
+      <a:fontRef idx="minor">
+        <a:schemeClr val="lt1"/>
+      </a:fontRef>
+    </dgm:style>
+  </dgm:styleLbl>
+  <dgm:styleLbl name="asst1">
+    <dgm:scene3d>
+      <a:camera prst="orthographicFront"/>
+      <a:lightRig rig="threePt" dir="t"/>
+    </dgm:scene3d>
+    <dgm:sp3d/>
+    <dgm:txPr/>
+    <dgm:style>
+      <a:lnRef idx="2">
+        <a:scrgbClr r="0" g="0" b="0"/>
+      </a:lnRef>
+      <a:fillRef idx="1">
+        <a:scrgbClr r="0" g="0" b="0"/>
+      </a:fillRef>
+      <a:effectRef idx="0">
+        <a:scrgbClr r="0" g="0" b="0"/>
+      </a:effectRef>
+      <a:fontRef idx="minor">
+        <a:schemeClr val="lt1"/>
+      </a:fontRef>
+    </dgm:style>
+  </dgm:styleLbl>
+  <dgm:styleLbl name="asst2">
+    <dgm:scene3d>
+      <a:camera prst="orthographicFront"/>
+      <a:lightRig rig="threePt" dir="t"/>
+    </dgm:scene3d>
+    <dgm:sp3d/>
+    <dgm:txPr/>
+    <dgm:style>
+      <a:lnRef idx="2">
+        <a:scrgbClr r="0" g="0" b="0"/>
+      </a:lnRef>
+      <a:fillRef idx="1">
+        <a:scrgbClr r="0" g="0" b="0"/>
+      </a:fillRef>
+      <a:effectRef idx="0">
+        <a:scrgbClr r="0" g="0" b="0"/>
+      </a:effectRef>
+      <a:fontRef idx="minor">
+        <a:schemeClr val="lt1"/>
+      </a:fontRef>
+    </dgm:style>
+  </dgm:styleLbl>
+  <dgm:styleLbl name="asst3">
+    <dgm:scene3d>
+      <a:camera prst="orthographicFront"/>
+      <a:lightRig rig="threePt" dir="t"/>
+    </dgm:scene3d>
+    <dgm:sp3d/>
+    <dgm:txPr/>
+    <dgm:style>
+      <a:lnRef idx="2">
+        <a:scrgbClr r="0" g="0" b="0"/>
+      </a:lnRef>
+      <a:fillRef idx="1">
+        <a:scrgbClr r="0" g="0" b="0"/>
+      </a:fillRef>
+      <a:effectRef idx="0">
+        <a:scrgbClr r="0" g="0" b="0"/>
+      </a:effectRef>
+      <a:fontRef idx="minor">
+        <a:schemeClr val="lt1"/>
+      </a:fontRef>
+    </dgm:style>
+  </dgm:styleLbl>
+  <dgm:styleLbl name="asst4">
+    <dgm:scene3d>
+      <a:camera prst="orthographicFront"/>
+      <a:lightRig rig="threePt" dir="t"/>
+    </dgm:scene3d>
+    <dgm:sp3d/>
+    <dgm:txPr/>
+    <dgm:style>
+      <a:lnRef idx="2">
+        <a:scrgbClr r="0" g="0" b="0"/>
+      </a:lnRef>
+      <a:fillRef idx="1">
+        <a:scrgbClr r="0" g="0" b="0"/>
+      </a:fillRef>
+      <a:effectRef idx="0">
+        <a:scrgbClr r="0" g="0" b="0"/>
+      </a:effectRef>
+      <a:fontRef idx="minor">
+        <a:schemeClr val="lt1"/>
+      </a:fontRef>
+    </dgm:style>
+  </dgm:styleLbl>
+  <dgm:styleLbl name="parChTrans2D1">
+    <dgm:scene3d>
+      <a:camera prst="orthographicFront"/>
+      <a:lightRig rig="threePt" dir="t"/>
+    </dgm:scene3d>
+    <dgm:sp3d/>
+    <dgm:txPr/>
+    <dgm:style>
+      <a:lnRef idx="2">
+        <a:scrgbClr r="0" g="0" b="0"/>
+      </a:lnRef>
+      <a:fillRef idx="1">
+        <a:scrgbClr r="0" g="0" b="0"/>
+      </a:fillRef>
+      <a:effectRef idx="0">
+        <a:scrgbClr r="0" g="0" b="0"/>
+      </a:effectRef>
+      <a:fontRef idx="minor">
+        <a:schemeClr val="lt1"/>
+      </a:fontRef>
+    </dgm:style>
+  </dgm:styleLbl>
+  <dgm:styleLbl name="parChTrans2D2">
+    <dgm:scene3d>
+      <a:camera prst="orthographicFront"/>
+      <a:lightRig rig="threePt" dir="t"/>
+    </dgm:scene3d>
+    <dgm:sp3d/>
+    <dgm:txPr/>
+    <dgm:style>
+      <a:lnRef idx="2">
+        <a:scrgbClr r="0" g="0" b="0"/>
+      </a:lnRef>
+      <a:fillRef idx="1">
+        <a:scrgbClr r="0" g="0" b="0"/>
+      </a:fillRef>
+      <a:effectRef idx="0">
+        <a:scrgbClr r="0" g="0" b="0"/>
+      </a:effectRef>
+      <a:fontRef idx="minor">
+        <a:schemeClr val="lt1"/>
+      </a:fontRef>
+    </dgm:style>
+  </dgm:styleLbl>
+  <dgm:styleLbl name="parChTrans2D3">
+    <dgm:scene3d>
+      <a:camera prst="orthographicFront"/>
+      <a:lightRig rig="threePt" dir="t"/>
+    </dgm:scene3d>
+    <dgm:sp3d/>
+    <dgm:txPr/>
+    <dgm:style>
+      <a:lnRef idx="2">
+        <a:scrgbClr r="0" g="0" b="0"/>
+      </a:lnRef>
+      <a:fillRef idx="1">
+        <a:scrgbClr r="0" g="0" b="0"/>
+      </a:fillRef>
+      <a:effectRef idx="0">
+        <a:scrgbClr r="0" g="0" b="0"/>
+      </a:effectRef>
+      <a:fontRef idx="minor">
+        <a:schemeClr val="lt1"/>
+      </a:fontRef>
+    </dgm:style>
+  </dgm:styleLbl>
+  <dgm:styleLbl name="parChTrans2D4">
+    <dgm:scene3d>
+      <a:camera prst="orthographicFront"/>
+      <a:lightRig rig="threePt" dir="t"/>
+    </dgm:scene3d>
+    <dgm:sp3d/>
+    <dgm:txPr/>
+    <dgm:style>
+      <a:lnRef idx="2">
+        <a:scrgbClr r="0" g="0" b="0"/>
+      </a:lnRef>
+      <a:fillRef idx="1">
+        <a:scrgbClr r="0" g="0" b="0"/>
+      </a:fillRef>
+      <a:effectRef idx="0">
+        <a:scrgbClr r="0" g="0" b="0"/>
+      </a:effectRef>
+      <a:fontRef idx="minor">
+        <a:schemeClr val="lt1"/>
+      </a:fontRef>
+    </dgm:style>
+  </dgm:styleLbl>
+  <dgm:styleLbl name="parChTrans1D1">
+    <dgm:scene3d>
+      <a:camera prst="orthographicFront"/>
+      <a:lightRig rig="threePt" dir="t"/>
+    </dgm:scene3d>
+    <dgm:sp3d/>
+    <dgm:txPr/>
+    <dgm:style>
+      <a:lnRef idx="2">
+        <a:scrgbClr r="0" g="0" b="0"/>
+      </a:lnRef>
+      <a:fillRef idx="0">
+        <a:scrgbClr r="0" g="0" b="0"/>
+      </a:fillRef>
+      <a:effectRef idx="0">
+        <a:scrgbClr r="0" g="0" b="0"/>
+      </a:effectRef>
+      <a:fontRef idx="minor"/>
+    </dgm:style>
+  </dgm:styleLbl>
+  <dgm:styleLbl name="parChTrans1D2">
+    <dgm:scene3d>
+      <a:camera prst="orthographicFront"/>
+      <a:lightRig rig="threePt" dir="t"/>
+    </dgm:scene3d>
+    <dgm:sp3d/>
+    <dgm:txPr/>
+    <dgm:style>
+      <a:lnRef idx="2">
+        <a:scrgbClr r="0" g="0" b="0"/>
+      </a:lnRef>
+      <a:fillRef idx="0">
+        <a:scrgbClr r="0" g="0" b="0"/>
+      </a:fillRef>
+      <a:effectRef idx="0">
+        <a:scrgbClr r="0" g="0" b="0"/>
+      </a:effectRef>
+      <a:fontRef idx="minor"/>
+    </dgm:style>
+  </dgm:styleLbl>
+  <dgm:styleLbl name="parChTrans1D3">
+    <dgm:scene3d>
+      <a:camera prst="orthographicFront"/>
+      <a:lightRig rig="threePt" dir="t"/>
+    </dgm:scene3d>
+    <dgm:sp3d/>
+    <dgm:txPr/>
+    <dgm:style>
+      <a:lnRef idx="2">
+        <a:scrgbClr r="0" g="0" b="0"/>
+      </a:lnRef>
+      <a:fillRef idx="0">
+        <a:scrgbClr r="0" g="0" b="0"/>
+      </a:fillRef>
+      <a:effectRef idx="0">
+        <a:scrgbClr r="0" g="0" b="0"/>
+      </a:effectRef>
+      <a:fontRef idx="minor"/>
+    </dgm:style>
+  </dgm:styleLbl>
+  <dgm:styleLbl name="parChTrans1D4">
+    <dgm:scene3d>
+      <a:camera prst="orthographicFront"/>
+      <a:lightRig rig="threePt" dir="t"/>
+    </dgm:scene3d>
+    <dgm:sp3d/>
+    <dgm:txPr/>
+    <dgm:style>
+      <a:lnRef idx="2">
+        <a:scrgbClr r="0" g="0" b="0"/>
+      </a:lnRef>
+      <a:fillRef idx="0">
+        <a:scrgbClr r="0" g="0" b="0"/>
+      </a:fillRef>
+      <a:effectRef idx="0">
+        <a:scrgbClr r="0" g="0" b="0"/>
+      </a:effectRef>
+      <a:fontRef idx="minor"/>
+    </dgm:style>
+  </dgm:styleLbl>
+  <dgm:styleLbl name="fgAcc1">
+    <dgm:scene3d>
+      <a:camera prst="orthographicFront"/>
+      <a:lightRig rig="threePt" dir="t"/>
+    </dgm:scene3d>
+    <dgm:sp3d/>
+    <dgm:txPr/>
+    <dgm:style>
+      <a:lnRef idx="2">
+        <a:scrgbClr r="0" g="0" b="0"/>
+      </a:lnRef>
+      <a:fillRef idx="1">
+        <a:scrgbClr r="0" g="0" b="0"/>
+      </a:fillRef>
+      <a:effectRef idx="0">
+        <a:scrgbClr r="0" g="0" b="0"/>
+      </a:effectRef>
+      <a:fontRef idx="minor"/>
+    </dgm:style>
+  </dgm:styleLbl>
+  <dgm:styleLbl name="conFgAcc1">
+    <dgm:scene3d>
+      <a:camera prst="orthographicFront"/>
+      <a:lightRig rig="threePt" dir="t"/>
+    </dgm:scene3d>
+    <dgm:sp3d/>
+    <dgm:txPr/>
+    <dgm:style>
+      <a:lnRef idx="2">
+        <a:scrgbClr r="0" g="0" b="0"/>
+      </a:lnRef>
+      <a:fillRef idx="1">
+        <a:scrgbClr r="0" g="0" b="0"/>
+      </a:fillRef>
+      <a:effectRef idx="0">
+        <a:scrgbClr r="0" g="0" b="0"/>
+      </a:effectRef>
+      <a:fontRef idx="minor"/>
+    </dgm:style>
+  </dgm:styleLbl>
+  <dgm:styleLbl name="alignAcc1">
+    <dgm:scene3d>
+      <a:camera prst="orthographicFront"/>
+      <a:lightRig rig="threePt" dir="t"/>
+    </dgm:scene3d>
+    <dgm:sp3d/>
+    <dgm:txPr/>
+    <dgm:style>
+      <a:lnRef idx="2">
+        <a:scrgbClr r="0" g="0" b="0"/>
+      </a:lnRef>
+      <a:fillRef idx="1">
+        <a:scrgbClr r="0" g="0" b="0"/>
+      </a:fillRef>
+      <a:effectRef idx="0">
+        <a:scrgbClr r="0" g="0" b="0"/>
+      </a:effectRef>
+      <a:fontRef idx="minor"/>
+    </dgm:style>
+  </dgm:styleLbl>
+  <dgm:styleLbl name="trAlignAcc1">
+    <dgm:scene3d>
+      <a:camera prst="orthographicFront"/>
+      <a:lightRig rig="threePt" dir="t"/>
+    </dgm:scene3d>
+    <dgm:sp3d/>
+    <dgm:txPr/>
+    <dgm:style>
+      <a:lnRef idx="1">
+        <a:scrgbClr r="0" g="0" b="0"/>
+      </a:lnRef>
+      <a:fillRef idx="1">
+        <a:scrgbClr r="0" g="0" b="0"/>
+      </a:fillRef>
+      <a:effectRef idx="0">
+        <a:scrgbClr r="0" g="0" b="0"/>
+      </a:effectRef>
+      <a:fontRef idx="minor"/>
+    </dgm:style>
+  </dgm:styleLbl>
+  <dgm:styleLbl name="bgAcc1">
+    <dgm:scene3d>
+      <a:camera prst="orthographicFront"/>
+      <a:lightRig rig="threePt" dir="t"/>
+    </dgm:scene3d>
+    <dgm:sp3d/>
+    <dgm:txPr/>
+    <dgm:style>
+      <a:lnRef idx="2">
+        <a:scrgbClr r="0" g="0" b="0"/>
+      </a:lnRef>
+      <a:fillRef idx="1">
+        <a:scrgbClr r="0" g="0" b="0"/>
+      </a:fillRef>
+      <a:effectRef idx="0">
+        <a:scrgbClr r="0" g="0" b="0"/>
+      </a:effectRef>
+      <a:fontRef idx="minor"/>
+    </dgm:style>
+  </dgm:styleLbl>
+  <dgm:styleLbl name="solidFgAcc1">
+    <dgm:scene3d>
+      <a:camera prst="orthographicFront"/>
+      <a:lightRig rig="threePt" dir="t"/>
+    </dgm:scene3d>
+    <dgm:sp3d/>
+    <dgm:txPr/>
+    <dgm:style>
+      <a:lnRef idx="2">
+        <a:scrgbClr r="0" g="0" b="0"/>
+      </a:lnRef>
+      <a:fillRef idx="1">
+        <a:scrgbClr r="0" g="0" b="0"/>
+      </a:fillRef>
+      <a:effectRef idx="0">
+        <a:scrgbClr r="0" g="0" b="0"/>
+      </a:effectRef>
+      <a:fontRef idx="minor"/>
+    </dgm:style>
+  </dgm:styleLbl>
+  <dgm:styleLbl name="solidAlignAcc1">
+    <dgm:scene3d>
+      <a:camera prst="orthographicFront"/>
+      <a:lightRig rig="threePt" dir="t"/>
+    </dgm:scene3d>
+    <dgm:sp3d/>
+    <dgm:txPr/>
+    <dgm:style>
+      <a:lnRef idx="2">
+        <a:scrgbClr r="0" g="0" b="0"/>
+      </a:lnRef>
+      <a:fillRef idx="1">
+        <a:scrgbClr r="0" g="0" b="0"/>
+      </a:fillRef>
+      <a:effectRef idx="0">
+        <a:scrgbClr r="0" g="0" b="0"/>
+      </a:effectRef>
+      <a:fontRef idx="minor"/>
+    </dgm:style>
+  </dgm:styleLbl>
+  <dgm:styleLbl name="solidBgAcc1">
+    <dgm:scene3d>
+      <a:camera prst="orthographicFront"/>
+      <a:lightRig rig="threePt" dir="t"/>
+    </dgm:scene3d>
+    <dgm:sp3d/>
+    <dgm:txPr/>
+    <dgm:style>
+      <a:lnRef idx="2">
+        <a:scrgbClr r="0" g="0" b="0"/>
+      </a:lnRef>
+      <a:fillRef idx="1">
+        <a:scrgbClr r="0" g="0" b="0"/>
+      </a:fillRef>
+      <a:effectRef idx="0">
+        <a:scrgbClr r="0" g="0" b="0"/>
+      </a:effectRef>
+      <a:fontRef idx="minor"/>
+    </dgm:style>
+  </dgm:styleLbl>
+  <dgm:styleLbl name="fgAccFollowNode1">
+    <dgm:scene3d>
+      <a:camera prst="orthographicFront"/>
+      <a:lightRig rig="threePt" dir="t"/>
+    </dgm:scene3d>
+    <dgm:sp3d/>
+    <dgm:txPr/>
+    <dgm:style>
+      <a:lnRef idx="2">
+        <a:scrgbClr r="0" g="0" b="0"/>
+      </a:lnRef>
+      <a:fillRef idx="1">
+        <a:scrgbClr r="0" g="0" b="0"/>
+      </a:fillRef>
+      <a:effectRef idx="0">
+        <a:scrgbClr r="0" g="0" b="0"/>
+      </a:effectRef>
+      <a:fontRef idx="minor"/>
+    </dgm:style>
+  </dgm:styleLbl>
+  <dgm:styleLbl name="alignAccFollowNode1">
+    <dgm:scene3d>
+      <a:camera prst="orthographicFront"/>
+      <a:lightRig rig="threePt" dir="t"/>
+    </dgm:scene3d>
+    <dgm:sp3d/>
+    <dgm:txPr/>
+    <dgm:style>
+      <a:lnRef idx="2">
+        <a:scrgbClr r="0" g="0" b="0"/>
+      </a:lnRef>
+      <a:fillRef idx="1">
+        <a:scrgbClr r="0" g="0" b="0"/>
+      </a:fillRef>
+      <a:effectRef idx="0">
+        <a:scrgbClr r="0" g="0" b="0"/>
+      </a:effectRef>
+      <a:fontRef idx="minor"/>
+    </dgm:style>
+  </dgm:styleLbl>
+  <dgm:styleLbl name="bgAccFollowNode1">
+    <dgm:scene3d>
+      <a:camera prst="orthographicFront"/>
+      <a:lightRig rig="threePt" dir="t"/>
+    </dgm:scene3d>
+    <dgm:sp3d/>
+    <dgm:txPr/>
+    <dgm:style>
+      <a:lnRef idx="2">
+        <a:scrgbClr r="0" g="0" b="0"/>
+      </a:lnRef>
+      <a:fillRef idx="1">
+        <a:scrgbClr r="0" g="0" b="0"/>
+      </a:fillRef>
+      <a:effectRef idx="0">
+        <a:scrgbClr r="0" g="0" b="0"/>
+      </a:effectRef>
+      <a:fontRef idx="minor"/>
+    </dgm:style>
+  </dgm:styleLbl>
+  <dgm:styleLbl name="fgAcc0">
+    <dgm:scene3d>
+      <a:camera prst="orthographicFront"/>
+      <a:lightRig rig="threePt" dir="t"/>
+    </dgm:scene3d>
+    <dgm:sp3d/>
+    <dgm:txPr/>
+    <dgm:style>
+      <a:lnRef idx="2">
+        <a:scrgbClr r="0" g="0" b="0"/>
+      </a:lnRef>
+      <a:fillRef idx="1">
+        <a:scrgbClr r="0" g="0" b="0"/>
+      </a:fillRef>
+      <a:effectRef idx="0">
+        <a:scrgbClr r="0" g="0" b="0"/>
+      </a:effectRef>
+      <a:fontRef idx="minor"/>
+    </dgm:style>
+  </dgm:styleLbl>
+  <dgm:styleLbl name="fgAcc2">
+    <dgm:scene3d>
+      <a:camera prst="orthographicFront"/>
+      <a:lightRig rig="threePt" dir="t"/>
+    </dgm:scene3d>
+    <dgm:sp3d/>
+    <dgm:txPr/>
+    <dgm:style>
+      <a:lnRef idx="2">
+        <a:scrgbClr r="0" g="0" b="0"/>
+      </a:lnRef>
+      <a:fillRef idx="1">
+        <a:scrgbClr r="0" g="0" b="0"/>
+      </a:fillRef>
+      <a:effectRef idx="0">
+        <a:scrgbClr r="0" g="0" b="0"/>
+      </a:effectRef>
+      <a:fontRef idx="minor"/>
+    </dgm:style>
+  </dgm:styleLbl>
+  <dgm:styleLbl name="fgAcc3">
+    <dgm:scene3d>
+      <a:camera prst="orthographicFront"/>
+      <a:lightRig rig="threePt" dir="t"/>
+    </dgm:scene3d>
+    <dgm:sp3d/>
+    <dgm:txPr/>
+    <dgm:style>
+      <a:lnRef idx="2">
+        <a:scrgbClr r="0" g="0" b="0"/>
+      </a:lnRef>
+      <a:fillRef idx="1">
+        <a:scrgbClr r="0" g="0" b="0"/>
+      </a:fillRef>
+      <a:effectRef idx="0">
+        <a:scrgbClr r="0" g="0" b="0"/>
+      </a:effectRef>
+      <a:fontRef idx="minor"/>
+    </dgm:style>
+  </dgm:styleLbl>
+  <dgm:styleLbl name="fgAcc4">
+    <dgm:scene3d>
+      <a:camera prst="orthographicFront"/>
+      <a:lightRig rig="threePt" dir="t"/>
+    </dgm:scene3d>
+    <dgm:sp3d/>
+    <dgm:txPr/>
+    <dgm:style>
+      <a:lnRef idx="2">
+        <a:scrgbClr r="0" g="0" b="0"/>
+      </a:lnRef>
+      <a:fillRef idx="1">
+        <a:scrgbClr r="0" g="0" b="0"/>
+      </a:fillRef>
+      <a:effectRef idx="0">
+        <a:scrgbClr r="0" g="0" b="0"/>
+      </a:effectRef>
+      <a:fontRef idx="minor"/>
+    </dgm:style>
+  </dgm:styleLbl>
+  <dgm:styleLbl name="bgShp">
+    <dgm:scene3d>
+      <a:camera prst="orthographicFront"/>
+      <a:lightRig rig="threePt" dir="t"/>
+    </dgm:scene3d>
+    <dgm:sp3d/>
+    <dgm:txPr/>
+    <dgm:style>
+      <a:lnRef idx="0">
+        <a:scrgbClr r="0" g="0" b="0"/>
+      </a:lnRef>
+      <a:fillRef idx="1">
+        <a:scrgbClr r="0" g="0" b="0"/>
+      </a:fillRef>
+      <a:effectRef idx="0">
+        <a:scrgbClr r="0" g="0" b="0"/>
+      </a:effectRef>
+      <a:fontRef idx="minor"/>
+    </dgm:style>
+  </dgm:styleLbl>
+  <dgm:styleLbl name="dkBgShp">
+    <dgm:scene3d>
+      <a:camera prst="orthographicFront"/>
+      <a:lightRig rig="threePt" dir="t"/>
+    </dgm:scene3d>
+    <dgm:sp3d/>
+    <dgm:txPr/>
+    <dgm:style>
+      <a:lnRef idx="0">
+        <a:scrgbClr r="0" g="0" b="0"/>
+      </a:lnRef>
+      <a:fillRef idx="1">
+        <a:scrgbClr r="0" g="0" b="0"/>
+      </a:fillRef>
+      <a:effectRef idx="0">
+        <a:scrgbClr r="0" g="0" b="0"/>
+      </a:effectRef>
+      <a:fontRef idx="minor"/>
+    </dgm:style>
+  </dgm:styleLbl>
+  <dgm:styleLbl name="trBgShp">
+    <dgm:scene3d>
+      <a:camera prst="orthographicFront"/>
+      <a:lightRig rig="threePt" dir="t"/>
+    </dgm:scene3d>
+    <dgm:sp3d/>
+    <dgm:txPr/>
+    <dgm:style>
+      <a:lnRef idx="0">
+        <a:scrgbClr r="0" g="0" b="0"/>
+      </a:lnRef>
+      <a:fillRef idx="1">
+        <a:scrgbClr r="0" g="0" b="0"/>
+      </a:fillRef>
+      <a:effectRef idx="0">
+        <a:scrgbClr r="0" g="0" b="0"/>
+      </a:effectRef>
+      <a:fontRef idx="minor"/>
+    </dgm:style>
+  </dgm:styleLbl>
+  <dgm:styleLbl name="fgShp">
+    <dgm:scene3d>
+      <a:camera prst="orthographicFront"/>
+      <a:lightRig rig="threePt" dir="t"/>
+    </dgm:scene3d>
+    <dgm:sp3d/>
+    <dgm:txPr/>
+    <dgm:style>
+      <a:lnRef idx="2">
+        <a:scrgbClr r="0" g="0" b="0"/>
+      </a:lnRef>
+      <a:fillRef idx="1">
+        <a:scrgbClr r="0" g="0" b="0"/>
+      </a:fillRef>
+      <a:effectRef idx="0">
+        <a:scrgbClr r="0" g="0" b="0"/>
+      </a:effectRef>
+      <a:fontRef idx="minor"/>
+    </dgm:style>
+  </dgm:styleLbl>
+  <dgm:styleLbl name="revTx">
+    <dgm:scene3d>
+      <a:camera prst="orthographicFront"/>
+      <a:lightRig rig="threePt" dir="t"/>
+    </dgm:scene3d>
+    <dgm:sp3d/>
+    <dgm:txPr/>
+    <dgm:style>
+      <a:lnRef idx="0">
+        <a:scrgbClr r="0" g="0" b="0"/>
+      </a:lnRef>
+      <a:fillRef idx="0">
+        <a:scrgbClr r="0" g="0" b="0"/>
+      </a:fillRef>
+      <a:effectRef idx="0">
+        <a:scrgbClr r="0" g="0" b="0"/>
+      </a:effectRef>
+      <a:fontRef idx="minor"/>
+    </dgm:style>
+  </dgm:styleLbl>
+</dgm:styleDef>
+</file>
+
+<file path=ppt/diagrams/quickStyle5.xml><?xml version="1.0" encoding="utf-8"?>
 <dgm:styleDef xmlns:dgm="http://schemas.openxmlformats.org/drawingml/2006/diagram" xmlns:a="http://schemas.openxmlformats.org/drawingml/2006/main" uniqueId="urn:microsoft.com/office/officeart/2005/8/quickstyle/simple1">
   <dgm:title val=""/>
   <dgm:desc val=""/>
@@ -15804,6 +18389,3398 @@
     <p:extLst>
       <p:ext uri="{BB962C8B-B14F-4D97-AF65-F5344CB8AC3E}">
         <p14:creationId xmlns:p14="http://schemas.microsoft.com/office/powerpoint/2010/main" val="779387353"/>
+      </p:ext>
+    </p:extLst>
+  </p:cSld>
+  <p:clrMapOvr>
+    <a:masterClrMapping/>
+  </p:clrMapOvr>
+</p:sld>
+</file>
+
+<file path=ppt/slides/slide10.xml><?xml version="1.0" encoding="utf-8"?>
+<p:sld xmlns:a="http://schemas.openxmlformats.org/drawingml/2006/main" xmlns:r="http://schemas.openxmlformats.org/officeDocument/2006/relationships" xmlns:p="http://schemas.openxmlformats.org/presentationml/2006/main">
+  <p:cSld>
+    <p:spTree>
+      <p:nvGrpSpPr>
+        <p:cNvPr id="1" name=""/>
+        <p:cNvGrpSpPr/>
+        <p:nvPr/>
+      </p:nvGrpSpPr>
+      <p:grpSpPr>
+        <a:xfrm>
+          <a:off x="0" y="0"/>
+          <a:ext cx="0" cy="0"/>
+          <a:chOff x="0" y="0"/>
+          <a:chExt cx="0" cy="0"/>
+        </a:xfrm>
+      </p:grpSpPr>
+      <p:graphicFrame>
+        <p:nvGraphicFramePr>
+          <p:cNvPr id="4" name="Diagrama 3"/>
+          <p:cNvGraphicFramePr/>
+          <p:nvPr>
+            <p:extLst>
+              <p:ext uri="{D42A27DB-BD31-4B8C-83A1-F6EECF244321}">
+                <p14:modId xmlns:p14="http://schemas.microsoft.com/office/powerpoint/2010/main" val="289163187"/>
+              </p:ext>
+            </p:extLst>
+          </p:nvPr>
+        </p:nvGraphicFramePr>
+        <p:xfrm>
+          <a:off x="3012480" y="1173301"/>
+          <a:ext cx="5760640" cy="4052725"/>
+        </p:xfrm>
+        <a:graphic>
+          <a:graphicData uri="http://schemas.openxmlformats.org/drawingml/2006/diagram">
+            <dgm:relIds xmlns:dgm="http://schemas.openxmlformats.org/drawingml/2006/diagram" xmlns:r="http://schemas.openxmlformats.org/officeDocument/2006/relationships" r:dm="rId2" r:lo="rId3" r:qs="rId4" r:cs="rId5"/>
+          </a:graphicData>
+        </a:graphic>
+      </p:graphicFrame>
+      <p:sp>
+        <p:nvSpPr>
+          <p:cNvPr id="5" name="CuadroTexto 4"/>
+          <p:cNvSpPr txBox="1"/>
+          <p:nvPr/>
+        </p:nvSpPr>
+        <p:spPr>
+          <a:xfrm>
+            <a:off x="679836" y="386537"/>
+            <a:ext cx="7066681" cy="584775"/>
+          </a:xfrm>
+          <a:prstGeom prst="rect">
+            <a:avLst/>
+          </a:prstGeom>
+          <a:noFill/>
+        </p:spPr>
+        <p:txBody>
+          <a:bodyPr wrap="square" rtlCol="0">
+            <a:spAutoFit/>
+          </a:bodyPr>
+          <a:lstStyle/>
+          <a:p>
+            <a:r>
+              <a:rPr lang="es-ES" sz="3200" b="1" dirty="0"/>
+              <a:t>ESTRUCTURAS DE CONTROL</a:t>
+            </a:r>
+          </a:p>
+        </p:txBody>
+      </p:sp>
+    </p:spTree>
+    <p:extLst>
+      <p:ext uri="{BB962C8B-B14F-4D97-AF65-F5344CB8AC3E}">
+        <p14:creationId xmlns:p14="http://schemas.microsoft.com/office/powerpoint/2010/main" val="568423516"/>
+      </p:ext>
+    </p:extLst>
+  </p:cSld>
+  <p:clrMapOvr>
+    <a:masterClrMapping/>
+  </p:clrMapOvr>
+</p:sld>
+</file>
+
+<file path=ppt/slides/slide11.xml><?xml version="1.0" encoding="utf-8"?>
+<p:sld xmlns:a="http://schemas.openxmlformats.org/drawingml/2006/main" xmlns:r="http://schemas.openxmlformats.org/officeDocument/2006/relationships" xmlns:p="http://schemas.openxmlformats.org/presentationml/2006/main">
+  <p:cSld>
+    <p:spTree>
+      <p:nvGrpSpPr>
+        <p:cNvPr id="1" name=""/>
+        <p:cNvGrpSpPr/>
+        <p:nvPr/>
+      </p:nvGrpSpPr>
+      <p:grpSpPr>
+        <a:xfrm>
+          <a:off x="0" y="0"/>
+          <a:ext cx="0" cy="0"/>
+          <a:chOff x="0" y="0"/>
+          <a:chExt cx="0" cy="0"/>
+        </a:xfrm>
+      </p:grpSpPr>
+      <p:pic>
+        <p:nvPicPr>
+          <p:cNvPr id="4" name="Imagen 3"/>
+          <p:cNvPicPr>
+            <a:picLocks noChangeAspect="1"/>
+          </p:cNvPicPr>
+          <p:nvPr/>
+        </p:nvPicPr>
+        <p:blipFill>
+          <a:blip r:embed="rId2">
+            <a:duotone>
+              <a:srgbClr val="C0504D">
+                <a:shade val="45000"/>
+                <a:satMod val="135000"/>
+              </a:srgbClr>
+              <a:prstClr val="white"/>
+            </a:duotone>
+            <a:lum bright="-20000" contrast="40000"/>
+          </a:blip>
+          <a:stretch>
+            <a:fillRect/>
+          </a:stretch>
+        </p:blipFill>
+        <p:spPr>
+          <a:xfrm>
+            <a:off x="8302834" y="3027724"/>
+            <a:ext cx="3565166" cy="3212542"/>
+          </a:xfrm>
+          <a:prstGeom prst="rect">
+            <a:avLst/>
+          </a:prstGeom>
+        </p:spPr>
+      </p:pic>
+      <p:sp>
+        <p:nvSpPr>
+          <p:cNvPr id="5" name="CuadroTexto 4"/>
+          <p:cNvSpPr txBox="1"/>
+          <p:nvPr/>
+        </p:nvSpPr>
+        <p:spPr>
+          <a:xfrm>
+            <a:off x="695400" y="3027724"/>
+            <a:ext cx="6526860" cy="3785652"/>
+          </a:xfrm>
+          <a:prstGeom prst="rect">
+            <a:avLst/>
+          </a:prstGeom>
+          <a:noFill/>
+        </p:spPr>
+        <p:txBody>
+          <a:bodyPr wrap="square" rtlCol="0">
+            <a:spAutoFit/>
+          </a:bodyPr>
+          <a:lstStyle/>
+          <a:p>
+            <a:pPr defTabSz="914400"/>
+            <a:r>
+              <a:rPr lang="es-ES" sz="2400" b="1" dirty="0">
+                <a:solidFill>
+                  <a:prstClr val="black"/>
+                </a:solidFill>
+                <a:latin typeface="Consolas" panose="020B0609020204030204" pitchFamily="49" charset="0"/>
+              </a:rPr>
+              <a:t>INICIO </a:t>
+            </a:r>
+            <a:r>
+              <a:rPr lang="es-ES" sz="2400" b="1" dirty="0" err="1">
+                <a:solidFill>
+                  <a:prstClr val="black"/>
+                </a:solidFill>
+                <a:latin typeface="Consolas" panose="020B0609020204030204" pitchFamily="49" charset="0"/>
+              </a:rPr>
+              <a:t>calcularDescuento</a:t>
+            </a:r>
+            <a:endParaRPr lang="es-ES" sz="2400" b="1" dirty="0">
+              <a:solidFill>
+                <a:prstClr val="black"/>
+              </a:solidFill>
+              <a:latin typeface="Consolas" panose="020B0609020204030204" pitchFamily="49" charset="0"/>
+            </a:endParaRPr>
+          </a:p>
+          <a:p>
+            <a:pPr lvl="1" defTabSz="914400"/>
+            <a:r>
+              <a:rPr lang="es-ES" sz="2400" b="1" dirty="0">
+                <a:solidFill>
+                  <a:prstClr val="black"/>
+                </a:solidFill>
+                <a:latin typeface="Consolas" panose="020B0609020204030204" pitchFamily="49" charset="0"/>
+              </a:rPr>
+              <a:t>flotante </a:t>
+            </a:r>
+            <a:r>
+              <a:rPr lang="es-ES" sz="2400" b="1" dirty="0" err="1">
+                <a:solidFill>
+                  <a:prstClr val="black"/>
+                </a:solidFill>
+                <a:latin typeface="Consolas" panose="020B0609020204030204" pitchFamily="49" charset="0"/>
+              </a:rPr>
+              <a:t>precioProducto</a:t>
+            </a:r>
+            <a:r>
+              <a:rPr lang="es-ES" sz="2400" b="1" dirty="0">
+                <a:solidFill>
+                  <a:prstClr val="black"/>
+                </a:solidFill>
+                <a:latin typeface="Consolas" panose="020B0609020204030204" pitchFamily="49" charset="0"/>
+              </a:rPr>
+              <a:t> = 450.80;</a:t>
+            </a:r>
+            <a:br>
+              <a:rPr lang="es-ES" sz="2400" b="1" dirty="0">
+                <a:solidFill>
+                  <a:prstClr val="black"/>
+                </a:solidFill>
+                <a:latin typeface="Consolas" panose="020B0609020204030204" pitchFamily="49" charset="0"/>
+              </a:rPr>
+            </a:br>
+            <a:r>
+              <a:rPr lang="es-ES" sz="2400" b="1" dirty="0">
+                <a:solidFill>
+                  <a:prstClr val="black"/>
+                </a:solidFill>
+                <a:latin typeface="Consolas" panose="020B0609020204030204" pitchFamily="49" charset="0"/>
+              </a:rPr>
+              <a:t>flotante </a:t>
+            </a:r>
+            <a:r>
+              <a:rPr lang="es-ES" sz="2400" b="1" dirty="0" err="1">
+                <a:solidFill>
+                  <a:prstClr val="black"/>
+                </a:solidFill>
+                <a:latin typeface="Consolas" panose="020B0609020204030204" pitchFamily="49" charset="0"/>
+              </a:rPr>
+              <a:t>porcDescuento</a:t>
+            </a:r>
+            <a:r>
+              <a:rPr lang="es-ES" sz="2400" b="1" dirty="0">
+                <a:solidFill>
+                  <a:prstClr val="black"/>
+                </a:solidFill>
+                <a:latin typeface="Consolas" panose="020B0609020204030204" pitchFamily="49" charset="0"/>
+              </a:rPr>
+              <a:t> = 0.10;</a:t>
+            </a:r>
+          </a:p>
+          <a:p>
+            <a:pPr lvl="1" defTabSz="914400"/>
+            <a:endParaRPr lang="es-ES" sz="2400" b="1" dirty="0">
+              <a:solidFill>
+                <a:prstClr val="black"/>
+              </a:solidFill>
+              <a:latin typeface="Consolas" panose="020B0609020204030204" pitchFamily="49" charset="0"/>
+            </a:endParaRPr>
+          </a:p>
+          <a:p>
+            <a:pPr lvl="1" defTabSz="914400"/>
+            <a:r>
+              <a:rPr lang="es-ES" sz="2400" b="1" dirty="0">
+                <a:solidFill>
+                  <a:prstClr val="black"/>
+                </a:solidFill>
+                <a:latin typeface="Consolas" panose="020B0609020204030204" pitchFamily="49" charset="0"/>
+              </a:rPr>
+              <a:t>flotante descuento = </a:t>
+            </a:r>
+            <a:r>
+              <a:rPr lang="es-ES" sz="2400" b="1" dirty="0" err="1">
+                <a:solidFill>
+                  <a:prstClr val="black"/>
+                </a:solidFill>
+                <a:latin typeface="Consolas" panose="020B0609020204030204" pitchFamily="49" charset="0"/>
+              </a:rPr>
+              <a:t>precioProducto</a:t>
+            </a:r>
+            <a:r>
+              <a:rPr lang="es-ES" sz="2400" b="1" dirty="0">
+                <a:solidFill>
+                  <a:prstClr val="black"/>
+                </a:solidFill>
+                <a:latin typeface="Consolas" panose="020B0609020204030204" pitchFamily="49" charset="0"/>
+              </a:rPr>
+              <a:t>*</a:t>
+            </a:r>
+            <a:r>
+              <a:rPr lang="es-ES" sz="2400" b="1" dirty="0" err="1">
+                <a:solidFill>
+                  <a:prstClr val="black"/>
+                </a:solidFill>
+                <a:latin typeface="Consolas" panose="020B0609020204030204" pitchFamily="49" charset="0"/>
+              </a:rPr>
+              <a:t>porcDescuento</a:t>
+            </a:r>
+            <a:r>
+              <a:rPr lang="es-ES" sz="2400" b="1" dirty="0">
+                <a:solidFill>
+                  <a:prstClr val="black"/>
+                </a:solidFill>
+                <a:latin typeface="Consolas" panose="020B0609020204030204" pitchFamily="49" charset="0"/>
+              </a:rPr>
+              <a:t>;</a:t>
+            </a:r>
+            <a:br>
+              <a:rPr lang="es-ES" sz="2400" b="1" dirty="0">
+                <a:solidFill>
+                  <a:prstClr val="black"/>
+                </a:solidFill>
+                <a:latin typeface="Consolas" panose="020B0609020204030204" pitchFamily="49" charset="0"/>
+              </a:rPr>
+            </a:br>
+            <a:r>
+              <a:rPr lang="es-ES" sz="2400" b="1" dirty="0">
+                <a:solidFill>
+                  <a:prstClr val="black"/>
+                </a:solidFill>
+                <a:latin typeface="Consolas" panose="020B0609020204030204" pitchFamily="49" charset="0"/>
+              </a:rPr>
+              <a:t/>
+            </a:r>
+            <a:br>
+              <a:rPr lang="es-ES" sz="2400" b="1" dirty="0">
+                <a:solidFill>
+                  <a:prstClr val="black"/>
+                </a:solidFill>
+                <a:latin typeface="Consolas" panose="020B0609020204030204" pitchFamily="49" charset="0"/>
+              </a:rPr>
+            </a:br>
+            <a:r>
+              <a:rPr lang="es-ES" sz="2400" b="1" dirty="0">
+                <a:solidFill>
+                  <a:prstClr val="black"/>
+                </a:solidFill>
+                <a:latin typeface="Consolas" panose="020B0609020204030204" pitchFamily="49" charset="0"/>
+              </a:rPr>
+              <a:t>flotante </a:t>
+            </a:r>
+            <a:r>
+              <a:rPr lang="es-ES" sz="2400" b="1" dirty="0" err="1">
+                <a:solidFill>
+                  <a:prstClr val="black"/>
+                </a:solidFill>
+                <a:latin typeface="Consolas" panose="020B0609020204030204" pitchFamily="49" charset="0"/>
+              </a:rPr>
+              <a:t>nuevoPrecio</a:t>
+            </a:r>
+            <a:r>
+              <a:rPr lang="es-ES" sz="2400" b="1" dirty="0">
+                <a:solidFill>
+                  <a:prstClr val="black"/>
+                </a:solidFill>
+                <a:latin typeface="Consolas" panose="020B0609020204030204" pitchFamily="49" charset="0"/>
+              </a:rPr>
+              <a:t> = </a:t>
+            </a:r>
+            <a:r>
+              <a:rPr lang="es-ES" sz="2400" b="1" dirty="0" err="1">
+                <a:solidFill>
+                  <a:prstClr val="black"/>
+                </a:solidFill>
+                <a:latin typeface="Consolas" panose="020B0609020204030204" pitchFamily="49" charset="0"/>
+              </a:rPr>
+              <a:t>precioProducto</a:t>
+            </a:r>
+            <a:r>
+              <a:rPr lang="es-ES" sz="2400" b="1" dirty="0">
+                <a:solidFill>
+                  <a:prstClr val="black"/>
+                </a:solidFill>
+                <a:latin typeface="Consolas" panose="020B0609020204030204" pitchFamily="49" charset="0"/>
+              </a:rPr>
+              <a:t>- descuento</a:t>
+            </a:r>
+          </a:p>
+          <a:p>
+            <a:pPr defTabSz="914400"/>
+            <a:r>
+              <a:rPr lang="es-ES" sz="2400" b="1" dirty="0">
+                <a:solidFill>
+                  <a:prstClr val="black"/>
+                </a:solidFill>
+                <a:latin typeface="Consolas" panose="020B0609020204030204" pitchFamily="49" charset="0"/>
+              </a:rPr>
+              <a:t>FIN</a:t>
+            </a:r>
+          </a:p>
+        </p:txBody>
+      </p:sp>
+      <p:grpSp>
+        <p:nvGrpSpPr>
+          <p:cNvPr id="6" name="Grupo 5"/>
+          <p:cNvGrpSpPr/>
+          <p:nvPr/>
+        </p:nvGrpSpPr>
+        <p:grpSpPr>
+          <a:xfrm>
+            <a:off x="623392" y="2180049"/>
+            <a:ext cx="2880320" cy="686049"/>
+            <a:chOff x="0" y="355490"/>
+            <a:chExt cx="5760640" cy="1091871"/>
+          </a:xfrm>
+        </p:grpSpPr>
+        <p:sp>
+          <p:nvSpPr>
+            <p:cNvPr id="7" name="Rectángulo redondeado 6"/>
+            <p:cNvSpPr/>
+            <p:nvPr/>
+          </p:nvSpPr>
+          <p:spPr>
+            <a:xfrm>
+              <a:off x="0" y="355490"/>
+              <a:ext cx="5760640" cy="1031354"/>
+            </a:xfrm>
+            <a:prstGeom prst="roundRect">
+              <a:avLst/>
+            </a:prstGeom>
+            <a:solidFill>
+              <a:srgbClr val="C0504D">
+                <a:hueOff val="0"/>
+                <a:satOff val="0"/>
+                <a:lumOff val="0"/>
+                <a:alphaOff val="0"/>
+              </a:srgbClr>
+            </a:solidFill>
+            <a:ln w="25400" cap="flat" cmpd="sng" algn="ctr">
+              <a:solidFill>
+                <a:sysClr val="window" lastClr="FFFFFF">
+                  <a:hueOff val="0"/>
+                  <a:satOff val="0"/>
+                  <a:lumOff val="0"/>
+                  <a:alphaOff val="0"/>
+                </a:sysClr>
+              </a:solidFill>
+              <a:prstDash val="solid"/>
+            </a:ln>
+            <a:effectLst/>
+          </p:spPr>
+        </p:sp>
+        <p:sp>
+          <p:nvSpPr>
+            <p:cNvPr id="8" name="CuadroTexto 7"/>
+            <p:cNvSpPr txBox="1"/>
+            <p:nvPr/>
+          </p:nvSpPr>
+          <p:spPr>
+            <a:xfrm>
+              <a:off x="50349" y="405838"/>
+              <a:ext cx="5659947" cy="1041523"/>
+            </a:xfrm>
+            <a:prstGeom prst="rect">
+              <a:avLst/>
+            </a:prstGeom>
+            <a:noFill/>
+            <a:ln>
+              <a:noFill/>
+            </a:ln>
+            <a:effectLst/>
+          </p:spPr>
+          <p:txBody>
+            <a:bodyPr spcFirstLastPara="0" vert="horz" wrap="square" lIns="163830" tIns="163830" rIns="163830" bIns="163830" numCol="1" spcCol="1270" anchor="ctr" anchorCtr="0">
+              <a:noAutofit/>
+            </a:bodyPr>
+            <a:lstStyle/>
+            <a:p>
+              <a:pPr marL="0" marR="0" lvl="0" indent="0" defTabSz="1911350" eaLnBrk="1" fontAlgn="auto" latinLnBrk="0" hangingPunct="1">
+                <a:lnSpc>
+                  <a:spcPct val="90000"/>
+                </a:lnSpc>
+                <a:spcBef>
+                  <a:spcPct val="0"/>
+                </a:spcBef>
+                <a:spcAft>
+                  <a:spcPct val="35000"/>
+                </a:spcAft>
+                <a:buClrTx/>
+                <a:buSzTx/>
+                <a:buFontTx/>
+                <a:buNone/>
+                <a:tabLst/>
+                <a:defRPr/>
+              </a:pPr>
+              <a:r>
+                <a:rPr kumimoji="0" lang="es-ES" sz="3200" b="0" i="0" u="none" strike="noStrike" kern="0" cap="none" spc="0" normalizeH="0" baseline="0" noProof="0" dirty="0" smtClean="0">
+                  <a:ln>
+                    <a:noFill/>
+                  </a:ln>
+                  <a:solidFill>
+                    <a:prstClr val="white"/>
+                  </a:solidFill>
+                  <a:effectLst/>
+                  <a:uLnTx/>
+                  <a:uFillTx/>
+                  <a:latin typeface="Calibri"/>
+                  <a:ea typeface="+mn-ea"/>
+                  <a:cs typeface="+mn-cs"/>
+                </a:rPr>
+                <a:t>Secuenciales</a:t>
+              </a:r>
+            </a:p>
+          </p:txBody>
+        </p:sp>
+      </p:grpSp>
+      <p:sp>
+        <p:nvSpPr>
+          <p:cNvPr id="9" name="CuadroTexto 8"/>
+          <p:cNvSpPr txBox="1"/>
+          <p:nvPr/>
+        </p:nvSpPr>
+        <p:spPr>
+          <a:xfrm>
+            <a:off x="3779013" y="1556135"/>
+            <a:ext cx="5246646" cy="584775"/>
+          </a:xfrm>
+          <a:prstGeom prst="rect">
+            <a:avLst/>
+          </a:prstGeom>
+          <a:noFill/>
+        </p:spPr>
+        <p:txBody>
+          <a:bodyPr wrap="square" rtlCol="0">
+            <a:spAutoFit/>
+          </a:bodyPr>
+          <a:lstStyle/>
+          <a:p>
+            <a:pPr defTabSz="914400"/>
+            <a:r>
+              <a:rPr lang="es-ES" sz="3200" b="1" dirty="0">
+                <a:solidFill>
+                  <a:prstClr val="black"/>
+                </a:solidFill>
+                <a:latin typeface="Calibri"/>
+              </a:rPr>
+              <a:t>ESTRUCTURAS DE CONTROL</a:t>
+            </a:r>
+          </a:p>
+        </p:txBody>
+      </p:sp>
+      <p:sp>
+        <p:nvSpPr>
+          <p:cNvPr id="10" name="Título 1"/>
+          <p:cNvSpPr txBox="1">
+            <a:spLocks/>
+          </p:cNvSpPr>
+          <p:nvPr/>
+        </p:nvSpPr>
+        <p:spPr bwMode="auto">
+          <a:xfrm>
+            <a:off x="1981647" y="836712"/>
+            <a:ext cx="8228708" cy="430887"/>
+          </a:xfrm>
+          <a:prstGeom prst="rect">
+            <a:avLst/>
+          </a:prstGeom>
+          <a:noFill/>
+          <a:ln>
+            <a:noFill/>
+          </a:ln>
+          <a:extLst>
+            <a:ext uri="{909E8E84-426E-40DD-AFC4-6F175D3DCCD1}">
+              <a14:hiddenFill xmlns:a14="http://schemas.microsoft.com/office/drawing/2010/main">
+                <a:solidFill>
+                  <a:srgbClr val="FFFFFF"/>
+                </a:solidFill>
+              </a14:hiddenFill>
+            </a:ext>
+            <a:ext uri="{91240B29-F687-4F45-9708-019B960494DF}">
+              <a14:hiddenLine xmlns:a14="http://schemas.microsoft.com/office/drawing/2010/main" w="9525">
+                <a:solidFill>
+                  <a:srgbClr val="000000"/>
+                </a:solidFill>
+                <a:miter lim="800000"/>
+                <a:headEnd/>
+                <a:tailEnd/>
+              </a14:hiddenLine>
+            </a:ext>
+          </a:extLst>
+        </p:spPr>
+        <p:txBody>
+          <a:bodyPr vert="horz" wrap="square" lIns="0" tIns="0" rIns="0" bIns="0" numCol="1" anchor="t" anchorCtr="0" compatLnSpc="1">
+            <a:prstTxWarp prst="textNoShape">
+              <a:avLst/>
+            </a:prstTxWarp>
+            <a:normAutofit/>
+          </a:bodyPr>
+          <a:lstStyle>
+            <a:lvl1pPr algn="ctr" rtl="0" eaLnBrk="0" fontAlgn="base" hangingPunct="0">
+              <a:spcBef>
+                <a:spcPct val="0"/>
+              </a:spcBef>
+              <a:spcAft>
+                <a:spcPct val="0"/>
+              </a:spcAft>
+              <a:defRPr sz="2800">
+                <a:solidFill>
+                  <a:schemeClr val="tx2"/>
+                </a:solidFill>
+                <a:latin typeface="+mj-lt"/>
+                <a:ea typeface="ＭＳ Ｐゴシック" pitchFamily="34" charset="-128"/>
+                <a:cs typeface="ＭＳ Ｐゴシック" charset="0"/>
+              </a:defRPr>
+            </a:lvl1pPr>
+            <a:lvl2pPr algn="ctr" rtl="0" eaLnBrk="0" fontAlgn="base" hangingPunct="0">
+              <a:spcBef>
+                <a:spcPct val="0"/>
+              </a:spcBef>
+              <a:spcAft>
+                <a:spcPct val="0"/>
+              </a:spcAft>
+              <a:defRPr sz="3094">
+                <a:solidFill>
+                  <a:schemeClr val="tx2"/>
+                </a:solidFill>
+                <a:latin typeface="Calibri" charset="0"/>
+                <a:ea typeface="ＭＳ Ｐゴシック" pitchFamily="34" charset="-128"/>
+                <a:cs typeface="ＭＳ Ｐゴシック" charset="0"/>
+              </a:defRPr>
+            </a:lvl2pPr>
+            <a:lvl3pPr algn="ctr" rtl="0" eaLnBrk="0" fontAlgn="base" hangingPunct="0">
+              <a:spcBef>
+                <a:spcPct val="0"/>
+              </a:spcBef>
+              <a:spcAft>
+                <a:spcPct val="0"/>
+              </a:spcAft>
+              <a:defRPr sz="3094">
+                <a:solidFill>
+                  <a:schemeClr val="tx2"/>
+                </a:solidFill>
+                <a:latin typeface="Calibri" charset="0"/>
+                <a:ea typeface="ＭＳ Ｐゴシック" pitchFamily="34" charset="-128"/>
+                <a:cs typeface="ＭＳ Ｐゴシック" charset="0"/>
+              </a:defRPr>
+            </a:lvl3pPr>
+            <a:lvl4pPr algn="ctr" rtl="0" eaLnBrk="0" fontAlgn="base" hangingPunct="0">
+              <a:spcBef>
+                <a:spcPct val="0"/>
+              </a:spcBef>
+              <a:spcAft>
+                <a:spcPct val="0"/>
+              </a:spcAft>
+              <a:defRPr sz="3094">
+                <a:solidFill>
+                  <a:schemeClr val="tx2"/>
+                </a:solidFill>
+                <a:latin typeface="Calibri" charset="0"/>
+                <a:ea typeface="ＭＳ Ｐゴシック" pitchFamily="34" charset="-128"/>
+                <a:cs typeface="ＭＳ Ｐゴシック" charset="0"/>
+              </a:defRPr>
+            </a:lvl4pPr>
+            <a:lvl5pPr algn="ctr" rtl="0" eaLnBrk="0" fontAlgn="base" hangingPunct="0">
+              <a:spcBef>
+                <a:spcPct val="0"/>
+              </a:spcBef>
+              <a:spcAft>
+                <a:spcPct val="0"/>
+              </a:spcAft>
+              <a:defRPr sz="3094">
+                <a:solidFill>
+                  <a:schemeClr val="tx2"/>
+                </a:solidFill>
+                <a:latin typeface="Calibri" charset="0"/>
+                <a:ea typeface="ＭＳ Ｐゴシック" pitchFamily="34" charset="-128"/>
+                <a:cs typeface="ＭＳ Ｐゴシック" charset="0"/>
+              </a:defRPr>
+            </a:lvl5pPr>
+            <a:lvl6pPr marL="321457" algn="ctr" rtl="0" eaLnBrk="0" fontAlgn="base" hangingPunct="0">
+              <a:spcBef>
+                <a:spcPct val="0"/>
+              </a:spcBef>
+              <a:spcAft>
+                <a:spcPct val="0"/>
+              </a:spcAft>
+              <a:defRPr>
+                <a:solidFill>
+                  <a:schemeClr val="tx2"/>
+                </a:solidFill>
+                <a:latin typeface="Calibri" charset="0"/>
+                <a:ea typeface="ＭＳ Ｐゴシック" charset="0"/>
+                <a:cs typeface="ＭＳ Ｐゴシック" charset="0"/>
+              </a:defRPr>
+            </a:lvl6pPr>
+            <a:lvl7pPr marL="642915" algn="ctr" rtl="0" eaLnBrk="0" fontAlgn="base" hangingPunct="0">
+              <a:spcBef>
+                <a:spcPct val="0"/>
+              </a:spcBef>
+              <a:spcAft>
+                <a:spcPct val="0"/>
+              </a:spcAft>
+              <a:defRPr>
+                <a:solidFill>
+                  <a:schemeClr val="tx2"/>
+                </a:solidFill>
+                <a:latin typeface="Calibri" charset="0"/>
+                <a:ea typeface="ＭＳ Ｐゴシック" charset="0"/>
+                <a:cs typeface="ＭＳ Ｐゴシック" charset="0"/>
+              </a:defRPr>
+            </a:lvl7pPr>
+            <a:lvl8pPr marL="964372" algn="ctr" rtl="0" eaLnBrk="0" fontAlgn="base" hangingPunct="0">
+              <a:spcBef>
+                <a:spcPct val="0"/>
+              </a:spcBef>
+              <a:spcAft>
+                <a:spcPct val="0"/>
+              </a:spcAft>
+              <a:defRPr>
+                <a:solidFill>
+                  <a:schemeClr val="tx2"/>
+                </a:solidFill>
+                <a:latin typeface="Calibri" charset="0"/>
+                <a:ea typeface="ＭＳ Ｐゴシック" charset="0"/>
+                <a:cs typeface="ＭＳ Ｐゴシック" charset="0"/>
+              </a:defRPr>
+            </a:lvl8pPr>
+            <a:lvl9pPr marL="1285829" algn="ctr" rtl="0" eaLnBrk="0" fontAlgn="base" hangingPunct="0">
+              <a:spcBef>
+                <a:spcPct val="0"/>
+              </a:spcBef>
+              <a:spcAft>
+                <a:spcPct val="0"/>
+              </a:spcAft>
+              <a:defRPr>
+                <a:solidFill>
+                  <a:schemeClr val="tx2"/>
+                </a:solidFill>
+                <a:latin typeface="Calibri" charset="0"/>
+                <a:ea typeface="ＭＳ Ｐゴシック" charset="0"/>
+                <a:cs typeface="ＭＳ Ｐゴシック" charset="0"/>
+              </a:defRPr>
+            </a:lvl9pPr>
+          </a:lstStyle>
+          <a:p>
+            <a:pPr defTabSz="914400"/>
+            <a:r>
+              <a:rPr lang="es-ES" kern="0" dirty="0">
+                <a:solidFill>
+                  <a:srgbClr val="1F497D"/>
+                </a:solidFill>
+                <a:latin typeface="Calibri"/>
+              </a:rPr>
+              <a:t>Desarrollo de Programas</a:t>
+            </a:r>
+          </a:p>
+        </p:txBody>
+      </p:sp>
+    </p:spTree>
+    <p:extLst>
+      <p:ext uri="{BB962C8B-B14F-4D97-AF65-F5344CB8AC3E}">
+        <p14:creationId xmlns:p14="http://schemas.microsoft.com/office/powerpoint/2010/main" val="2164776528"/>
+      </p:ext>
+    </p:extLst>
+  </p:cSld>
+  <p:clrMapOvr>
+    <a:masterClrMapping/>
+  </p:clrMapOvr>
+</p:sld>
+</file>
+
+<file path=ppt/slides/slide12.xml><?xml version="1.0" encoding="utf-8"?>
+<p:sld xmlns:a="http://schemas.openxmlformats.org/drawingml/2006/main" xmlns:r="http://schemas.openxmlformats.org/officeDocument/2006/relationships" xmlns:p="http://schemas.openxmlformats.org/presentationml/2006/main">
+  <p:cSld>
+    <p:spTree>
+      <p:nvGrpSpPr>
+        <p:cNvPr id="1" name=""/>
+        <p:cNvGrpSpPr/>
+        <p:nvPr/>
+      </p:nvGrpSpPr>
+      <p:grpSpPr>
+        <a:xfrm>
+          <a:off x="0" y="0"/>
+          <a:ext cx="0" cy="0"/>
+          <a:chOff x="0" y="0"/>
+          <a:chExt cx="0" cy="0"/>
+        </a:xfrm>
+      </p:grpSpPr>
+      <p:grpSp>
+        <p:nvGrpSpPr>
+          <p:cNvPr id="4" name="Grupo 3"/>
+          <p:cNvGrpSpPr/>
+          <p:nvPr/>
+        </p:nvGrpSpPr>
+        <p:grpSpPr>
+          <a:xfrm>
+            <a:off x="7673131" y="2073333"/>
+            <a:ext cx="4360165" cy="4609888"/>
+            <a:chOff x="407368" y="1628800"/>
+            <a:chExt cx="4360165" cy="4742494"/>
+          </a:xfrm>
+        </p:grpSpPr>
+        <p:pic>
+          <p:nvPicPr>
+            <p:cNvPr id="5" name="Imagen 4"/>
+            <p:cNvPicPr>
+              <a:picLocks noChangeAspect="1"/>
+            </p:cNvPicPr>
+            <p:nvPr/>
+          </p:nvPicPr>
+          <p:blipFill rotWithShape="1">
+            <a:blip r:embed="rId2"/>
+            <a:srcRect r="21362" b="7553"/>
+            <a:stretch/>
+          </p:blipFill>
+          <p:spPr>
+            <a:xfrm>
+              <a:off x="407368" y="1628800"/>
+              <a:ext cx="4360165" cy="4742494"/>
+            </a:xfrm>
+            <a:prstGeom prst="rect">
+              <a:avLst/>
+            </a:prstGeom>
+          </p:spPr>
+        </p:pic>
+        <p:sp>
+          <p:nvSpPr>
+            <p:cNvPr id="6" name="CuadroTexto 5"/>
+            <p:cNvSpPr txBox="1"/>
+            <p:nvPr/>
+          </p:nvSpPr>
+          <p:spPr>
+            <a:xfrm>
+              <a:off x="2495600" y="1844824"/>
+              <a:ext cx="792088" cy="400110"/>
+            </a:xfrm>
+            <a:prstGeom prst="rect">
+              <a:avLst/>
+            </a:prstGeom>
+            <a:solidFill>
+              <a:srgbClr val="FCFBF4"/>
+            </a:solidFill>
+          </p:spPr>
+          <p:txBody>
+            <a:bodyPr wrap="square" rtlCol="0">
+              <a:spAutoFit/>
+            </a:bodyPr>
+            <a:lstStyle/>
+            <a:p>
+              <a:pPr marL="0" marR="0" lvl="0" indent="0" defTabSz="914400" eaLnBrk="1" fontAlgn="auto" latinLnBrk="0" hangingPunct="1">
+                <a:lnSpc>
+                  <a:spcPct val="100000"/>
+                </a:lnSpc>
+                <a:spcBef>
+                  <a:spcPts val="0"/>
+                </a:spcBef>
+                <a:spcAft>
+                  <a:spcPts val="0"/>
+                </a:spcAft>
+                <a:buClrTx/>
+                <a:buSzTx/>
+                <a:buFontTx/>
+                <a:buNone/>
+                <a:tabLst/>
+                <a:defRPr/>
+              </a:pPr>
+              <a:r>
+                <a:rPr kumimoji="0" lang="es-ES" sz="2000" b="1" i="0" u="none" strike="noStrike" kern="0" cap="none" spc="0" normalizeH="0" baseline="0" noProof="0" dirty="0" smtClean="0">
+                  <a:ln>
+                    <a:noFill/>
+                  </a:ln>
+                  <a:solidFill>
+                    <a:prstClr val="black"/>
+                  </a:solidFill>
+                  <a:effectLst/>
+                  <a:uLnTx/>
+                  <a:uFillTx/>
+                  <a:latin typeface="Calibri"/>
+                </a:rPr>
+                <a:t>Inicio</a:t>
+              </a:r>
+            </a:p>
+          </p:txBody>
+        </p:sp>
+        <p:sp>
+          <p:nvSpPr>
+            <p:cNvPr id="7" name="CuadroTexto 6"/>
+            <p:cNvSpPr txBox="1"/>
+            <p:nvPr/>
+          </p:nvSpPr>
+          <p:spPr>
+            <a:xfrm>
+              <a:off x="2279576" y="2812866"/>
+              <a:ext cx="1224136" cy="400110"/>
+            </a:xfrm>
+            <a:prstGeom prst="rect">
+              <a:avLst/>
+            </a:prstGeom>
+            <a:solidFill>
+              <a:srgbClr val="FCFBF4"/>
+            </a:solidFill>
+          </p:spPr>
+          <p:txBody>
+            <a:bodyPr wrap="square" rtlCol="0">
+              <a:spAutoFit/>
+            </a:bodyPr>
+            <a:lstStyle/>
+            <a:p>
+              <a:pPr marL="0" marR="0" lvl="0" indent="0" defTabSz="914400" eaLnBrk="1" fontAlgn="auto" latinLnBrk="0" hangingPunct="1">
+                <a:lnSpc>
+                  <a:spcPct val="100000"/>
+                </a:lnSpc>
+                <a:spcBef>
+                  <a:spcPts val="0"/>
+                </a:spcBef>
+                <a:spcAft>
+                  <a:spcPts val="0"/>
+                </a:spcAft>
+                <a:buClrTx/>
+                <a:buSzTx/>
+                <a:buFontTx/>
+                <a:buNone/>
+                <a:tabLst/>
+                <a:defRPr/>
+              </a:pPr>
+              <a:r>
+                <a:rPr kumimoji="0" lang="es-ES" sz="2000" b="1" i="0" u="none" strike="noStrike" kern="0" cap="none" spc="0" normalizeH="0" baseline="0" noProof="0" dirty="0" smtClean="0">
+                  <a:ln>
+                    <a:noFill/>
+                  </a:ln>
+                  <a:solidFill>
+                    <a:prstClr val="black"/>
+                  </a:solidFill>
+                  <a:effectLst/>
+                  <a:uLnTx/>
+                  <a:uFillTx/>
+                  <a:latin typeface="Calibri"/>
+                </a:rPr>
+                <a:t>Variables</a:t>
+              </a:r>
+            </a:p>
+          </p:txBody>
+        </p:sp>
+        <p:sp>
+          <p:nvSpPr>
+            <p:cNvPr id="8" name="CuadroTexto 7"/>
+            <p:cNvSpPr txBox="1"/>
+            <p:nvPr/>
+          </p:nvSpPr>
+          <p:spPr>
+            <a:xfrm>
+              <a:off x="2207568" y="5301208"/>
+              <a:ext cx="1368152" cy="400110"/>
+            </a:xfrm>
+            <a:prstGeom prst="rect">
+              <a:avLst/>
+            </a:prstGeom>
+            <a:solidFill>
+              <a:srgbClr val="FCFBF4"/>
+            </a:solidFill>
+          </p:spPr>
+          <p:txBody>
+            <a:bodyPr wrap="square" rtlCol="0">
+              <a:spAutoFit/>
+            </a:bodyPr>
+            <a:lstStyle/>
+            <a:p>
+              <a:pPr marL="0" marR="0" lvl="0" indent="0" algn="ctr" defTabSz="914400" eaLnBrk="1" fontAlgn="auto" latinLnBrk="0" hangingPunct="1">
+                <a:lnSpc>
+                  <a:spcPct val="100000"/>
+                </a:lnSpc>
+                <a:spcBef>
+                  <a:spcPts val="0"/>
+                </a:spcBef>
+                <a:spcAft>
+                  <a:spcPts val="0"/>
+                </a:spcAft>
+                <a:buClrTx/>
+                <a:buSzTx/>
+                <a:buFontTx/>
+                <a:buNone/>
+                <a:tabLst/>
+                <a:defRPr/>
+              </a:pPr>
+              <a:r>
+                <a:rPr kumimoji="0" lang="es-ES" sz="2000" b="1" i="0" u="none" strike="noStrike" kern="0" cap="none" spc="0" normalizeH="0" baseline="0" noProof="0" dirty="0" smtClean="0">
+                  <a:ln>
+                    <a:noFill/>
+                  </a:ln>
+                  <a:solidFill>
+                    <a:prstClr val="black"/>
+                  </a:solidFill>
+                  <a:effectLst/>
+                  <a:uLnTx/>
+                  <a:uFillTx/>
+                  <a:latin typeface="Calibri"/>
+                </a:rPr>
+                <a:t>Acción</a:t>
+              </a:r>
+            </a:p>
+          </p:txBody>
+        </p:sp>
+        <p:sp>
+          <p:nvSpPr>
+            <p:cNvPr id="9" name="Rombo 8"/>
+            <p:cNvSpPr/>
+            <p:nvPr/>
+          </p:nvSpPr>
+          <p:spPr>
+            <a:xfrm>
+              <a:off x="1847528" y="3545843"/>
+              <a:ext cx="2088232" cy="1250875"/>
+            </a:xfrm>
+            <a:prstGeom prst="diamond">
+              <a:avLst/>
+            </a:prstGeom>
+            <a:solidFill>
+              <a:srgbClr val="9BBB59"/>
+            </a:solidFill>
+            <a:ln w="25400" cap="flat" cmpd="sng" algn="ctr">
+              <a:solidFill>
+                <a:srgbClr val="9BBB59">
+                  <a:shade val="50000"/>
+                </a:srgbClr>
+              </a:solidFill>
+              <a:prstDash val="solid"/>
+            </a:ln>
+            <a:effectLst/>
+          </p:spPr>
+          <p:txBody>
+            <a:bodyPr lIns="11431" tIns="333223" rIns="11430" bIns="333221" spcCol="1270" rtlCol="0" anchor="ctr"/>
+            <a:lstStyle/>
+            <a:p>
+              <a:pPr marL="0" marR="0" lvl="0" indent="0" algn="ctr" defTabSz="800100" eaLnBrk="1" fontAlgn="auto" latinLnBrk="0" hangingPunct="1">
+                <a:lnSpc>
+                  <a:spcPct val="90000"/>
+                </a:lnSpc>
+                <a:spcBef>
+                  <a:spcPts val="0"/>
+                </a:spcBef>
+                <a:spcAft>
+                  <a:spcPct val="35000"/>
+                </a:spcAft>
+                <a:buClrTx/>
+                <a:buSzTx/>
+                <a:buFontTx/>
+                <a:buNone/>
+                <a:tabLst/>
+                <a:defRPr/>
+              </a:pPr>
+              <a:endParaRPr kumimoji="0" lang="es-ES" sz="1800" b="0" i="0" u="none" strike="noStrike" kern="0" cap="none" spc="0" normalizeH="0" baseline="0" noProof="0" smtClean="0">
+                <a:ln>
+                  <a:noFill/>
+                </a:ln>
+                <a:solidFill>
+                  <a:prstClr val="white"/>
+                </a:solidFill>
+                <a:effectLst/>
+                <a:uLnTx/>
+                <a:uFillTx/>
+                <a:latin typeface="Calibri"/>
+                <a:ea typeface="+mn-ea"/>
+                <a:cs typeface="+mn-cs"/>
+              </a:endParaRPr>
+            </a:p>
+          </p:txBody>
+        </p:sp>
+        <p:sp>
+          <p:nvSpPr>
+            <p:cNvPr id="10" name="CuadroTexto 9"/>
+            <p:cNvSpPr txBox="1"/>
+            <p:nvPr/>
+          </p:nvSpPr>
+          <p:spPr>
+            <a:xfrm>
+              <a:off x="2179745" y="3944685"/>
+              <a:ext cx="1656184" cy="461665"/>
+            </a:xfrm>
+            <a:prstGeom prst="rect">
+              <a:avLst/>
+            </a:prstGeom>
+            <a:noFill/>
+          </p:spPr>
+          <p:txBody>
+            <a:bodyPr wrap="square" rtlCol="0">
+              <a:spAutoFit/>
+            </a:bodyPr>
+            <a:lstStyle/>
+            <a:p>
+              <a:pPr marL="0" marR="0" lvl="0" indent="0" defTabSz="914400" eaLnBrk="1" fontAlgn="auto" latinLnBrk="0" hangingPunct="1">
+                <a:lnSpc>
+                  <a:spcPct val="100000"/>
+                </a:lnSpc>
+                <a:spcBef>
+                  <a:spcPts val="0"/>
+                </a:spcBef>
+                <a:spcAft>
+                  <a:spcPts val="0"/>
+                </a:spcAft>
+                <a:buClrTx/>
+                <a:buSzTx/>
+                <a:buFontTx/>
+                <a:buNone/>
+                <a:tabLst/>
+                <a:defRPr/>
+              </a:pPr>
+              <a:r>
+                <a:rPr kumimoji="0" lang="es-ES" sz="2400" b="1" i="0" u="none" strike="noStrike" kern="0" cap="none" spc="0" normalizeH="0" baseline="0" noProof="0" dirty="0" smtClean="0">
+                  <a:ln>
+                    <a:noFill/>
+                  </a:ln>
+                  <a:solidFill>
+                    <a:prstClr val="black"/>
+                  </a:solidFill>
+                  <a:effectLst/>
+                  <a:uLnTx/>
+                  <a:uFillTx/>
+                  <a:latin typeface="Calibri"/>
+                </a:rPr>
+                <a:t>Condición</a:t>
+              </a:r>
+            </a:p>
+          </p:txBody>
+        </p:sp>
+      </p:grpSp>
+      <p:sp>
+        <p:nvSpPr>
+          <p:cNvPr id="11" name="CuadroTexto 10"/>
+          <p:cNvSpPr txBox="1"/>
+          <p:nvPr/>
+        </p:nvSpPr>
+        <p:spPr>
+          <a:xfrm>
+            <a:off x="569165" y="2990450"/>
+            <a:ext cx="8682045" cy="3108543"/>
+          </a:xfrm>
+          <a:prstGeom prst="rect">
+            <a:avLst/>
+          </a:prstGeom>
+          <a:noFill/>
+        </p:spPr>
+        <p:txBody>
+          <a:bodyPr wrap="square" rtlCol="0">
+            <a:spAutoFit/>
+          </a:bodyPr>
+          <a:lstStyle/>
+          <a:p>
+            <a:pPr defTabSz="914400"/>
+            <a:r>
+              <a:rPr lang="es-ES" sz="2400" b="1" dirty="0">
+                <a:solidFill>
+                  <a:prstClr val="black"/>
+                </a:solidFill>
+                <a:latin typeface="Consolas" panose="020B0609020204030204" pitchFamily="49" charset="0"/>
+              </a:rPr>
+              <a:t>INICIO </a:t>
+            </a:r>
+            <a:r>
+              <a:rPr lang="es-ES" sz="2400" b="1" dirty="0" err="1">
+                <a:solidFill>
+                  <a:prstClr val="black"/>
+                </a:solidFill>
+                <a:latin typeface="Consolas" panose="020B0609020204030204" pitchFamily="49" charset="0"/>
+              </a:rPr>
+              <a:t>aplicarDescuento</a:t>
+            </a:r>
+            <a:endParaRPr lang="es-ES" sz="2400" b="1" dirty="0">
+              <a:solidFill>
+                <a:prstClr val="black"/>
+              </a:solidFill>
+              <a:latin typeface="Consolas" panose="020B0609020204030204" pitchFamily="49" charset="0"/>
+            </a:endParaRPr>
+          </a:p>
+          <a:p>
+            <a:pPr defTabSz="914400"/>
+            <a:r>
+              <a:rPr lang="es-ES" sz="2000" dirty="0">
+                <a:solidFill>
+                  <a:prstClr val="black"/>
+                </a:solidFill>
+                <a:latin typeface="Consolas" panose="020B0609020204030204" pitchFamily="49" charset="0"/>
+              </a:rPr>
+              <a:t>  flotante </a:t>
+            </a:r>
+            <a:r>
+              <a:rPr lang="es-ES" sz="2000" dirty="0" err="1">
+                <a:solidFill>
+                  <a:prstClr val="black"/>
+                </a:solidFill>
+                <a:latin typeface="Consolas" panose="020B0609020204030204" pitchFamily="49" charset="0"/>
+              </a:rPr>
+              <a:t>precioProd</a:t>
+            </a:r>
+            <a:r>
+              <a:rPr lang="es-ES" sz="2000" dirty="0">
+                <a:solidFill>
+                  <a:prstClr val="black"/>
+                </a:solidFill>
+                <a:latin typeface="Consolas" panose="020B0609020204030204" pitchFamily="49" charset="0"/>
+              </a:rPr>
+              <a:t> = 450.80;</a:t>
+            </a:r>
+            <a:br>
+              <a:rPr lang="es-ES" sz="2000" dirty="0">
+                <a:solidFill>
+                  <a:prstClr val="black"/>
+                </a:solidFill>
+                <a:latin typeface="Consolas" panose="020B0609020204030204" pitchFamily="49" charset="0"/>
+              </a:rPr>
+            </a:br>
+            <a:r>
+              <a:rPr lang="es-ES" sz="2000" dirty="0">
+                <a:solidFill>
+                  <a:prstClr val="black"/>
+                </a:solidFill>
+                <a:latin typeface="Consolas" panose="020B0609020204030204" pitchFamily="49" charset="0"/>
+              </a:rPr>
+              <a:t>  flotante </a:t>
+            </a:r>
+            <a:r>
+              <a:rPr lang="es-ES" sz="2000" dirty="0" err="1">
+                <a:solidFill>
+                  <a:prstClr val="black"/>
+                </a:solidFill>
+                <a:latin typeface="Consolas" panose="020B0609020204030204" pitchFamily="49" charset="0"/>
+              </a:rPr>
+              <a:t>porcDesc</a:t>
+            </a:r>
+            <a:r>
+              <a:rPr lang="es-ES" sz="2000" dirty="0">
+                <a:solidFill>
+                  <a:prstClr val="black"/>
+                </a:solidFill>
+                <a:latin typeface="Consolas" panose="020B0609020204030204" pitchFamily="49" charset="0"/>
+              </a:rPr>
+              <a:t> = 0.10;</a:t>
+            </a:r>
+          </a:p>
+          <a:p>
+            <a:pPr defTabSz="914400"/>
+            <a:r>
+              <a:rPr lang="es-ES" sz="2000" dirty="0">
+                <a:solidFill>
+                  <a:prstClr val="black"/>
+                </a:solidFill>
+                <a:latin typeface="Consolas" panose="020B0609020204030204" pitchFamily="49" charset="0"/>
+              </a:rPr>
+              <a:t>  </a:t>
+            </a:r>
+            <a:r>
+              <a:rPr lang="es-ES" sz="2000" b="1" dirty="0">
+                <a:solidFill>
+                  <a:prstClr val="black"/>
+                </a:solidFill>
+                <a:latin typeface="Consolas" panose="020B0609020204030204" pitchFamily="49" charset="0"/>
+              </a:rPr>
+              <a:t>Booleano </a:t>
+            </a:r>
+            <a:r>
+              <a:rPr lang="es-ES" sz="2000" b="1" dirty="0" err="1">
+                <a:solidFill>
+                  <a:prstClr val="black"/>
+                </a:solidFill>
+                <a:latin typeface="Consolas" panose="020B0609020204030204" pitchFamily="49" charset="0"/>
+              </a:rPr>
+              <a:t>tieneDescuento</a:t>
+            </a:r>
+            <a:r>
+              <a:rPr lang="es-ES" sz="2000" b="1" dirty="0">
+                <a:solidFill>
+                  <a:prstClr val="black"/>
+                </a:solidFill>
+                <a:latin typeface="Consolas" panose="020B0609020204030204" pitchFamily="49" charset="0"/>
+              </a:rPr>
+              <a:t>=true;</a:t>
+            </a:r>
+          </a:p>
+          <a:p>
+            <a:pPr defTabSz="914400"/>
+            <a:r>
+              <a:rPr lang="es-ES" sz="2000" b="1" dirty="0">
+                <a:solidFill>
+                  <a:prstClr val="black"/>
+                </a:solidFill>
+                <a:latin typeface="Consolas" panose="020B0609020204030204" pitchFamily="49" charset="0"/>
+              </a:rPr>
+              <a:t>   </a:t>
+            </a:r>
+            <a:r>
+              <a:rPr lang="es-ES" sz="2400" b="1" dirty="0">
+                <a:solidFill>
+                  <a:prstClr val="black"/>
+                </a:solidFill>
+                <a:latin typeface="Consolas" panose="020B0609020204030204" pitchFamily="49" charset="0"/>
+              </a:rPr>
+              <a:t>SI</a:t>
+            </a:r>
+            <a:r>
+              <a:rPr lang="es-ES" sz="2000" b="1" dirty="0">
+                <a:solidFill>
+                  <a:prstClr val="black"/>
+                </a:solidFill>
+                <a:latin typeface="Consolas" panose="020B0609020204030204" pitchFamily="49" charset="0"/>
+              </a:rPr>
+              <a:t> (</a:t>
+            </a:r>
+            <a:r>
+              <a:rPr lang="es-ES" sz="2000" b="1" dirty="0" err="1">
+                <a:solidFill>
+                  <a:prstClr val="black"/>
+                </a:solidFill>
+                <a:latin typeface="Consolas" panose="020B0609020204030204" pitchFamily="49" charset="0"/>
+              </a:rPr>
+              <a:t>tieneDescuento</a:t>
+            </a:r>
+            <a:r>
+              <a:rPr lang="es-ES" sz="2000" b="1" dirty="0">
+                <a:solidFill>
+                  <a:prstClr val="black"/>
+                </a:solidFill>
+                <a:latin typeface="Consolas" panose="020B0609020204030204" pitchFamily="49" charset="0"/>
+              </a:rPr>
+              <a:t>==true)</a:t>
+            </a:r>
+          </a:p>
+          <a:p>
+            <a:pPr lvl="1" defTabSz="914400"/>
+            <a:r>
+              <a:rPr lang="es-ES" sz="2000" b="1" dirty="0">
+                <a:solidFill>
+                  <a:prstClr val="black"/>
+                </a:solidFill>
+                <a:latin typeface="Consolas" panose="020B0609020204030204" pitchFamily="49" charset="0"/>
+              </a:rPr>
+              <a:t>	ENTONCES flotante descuento = </a:t>
+            </a:r>
+            <a:r>
+              <a:rPr lang="es-ES" sz="2000" b="1" dirty="0" err="1">
+                <a:solidFill>
+                  <a:prstClr val="black"/>
+                </a:solidFill>
+                <a:latin typeface="Consolas" panose="020B0609020204030204" pitchFamily="49" charset="0"/>
+              </a:rPr>
+              <a:t>precioProd</a:t>
+            </a:r>
+            <a:r>
+              <a:rPr lang="es-ES" sz="2000" b="1" dirty="0">
+                <a:solidFill>
+                  <a:prstClr val="black"/>
+                </a:solidFill>
+                <a:latin typeface="Consolas" panose="020B0609020204030204" pitchFamily="49" charset="0"/>
+              </a:rPr>
+              <a:t>*</a:t>
+            </a:r>
+            <a:r>
+              <a:rPr lang="es-ES" sz="2000" b="1" dirty="0" err="1">
+                <a:solidFill>
+                  <a:prstClr val="black"/>
+                </a:solidFill>
+                <a:latin typeface="Consolas" panose="020B0609020204030204" pitchFamily="49" charset="0"/>
+              </a:rPr>
+              <a:t>porcDesc</a:t>
+            </a:r>
+            <a:endParaRPr lang="es-ES" sz="2000" b="1" dirty="0">
+              <a:solidFill>
+                <a:prstClr val="black"/>
+              </a:solidFill>
+              <a:latin typeface="Consolas" panose="020B0609020204030204" pitchFamily="49" charset="0"/>
+            </a:endParaRPr>
+          </a:p>
+          <a:p>
+            <a:pPr lvl="1" defTabSz="914400"/>
+            <a:r>
+              <a:rPr lang="es-ES" sz="2000" b="1" dirty="0">
+                <a:solidFill>
+                  <a:prstClr val="black"/>
+                </a:solidFill>
+                <a:latin typeface="Consolas" panose="020B0609020204030204" pitchFamily="49" charset="0"/>
+              </a:rPr>
+              <a:t>	flotante </a:t>
+            </a:r>
+            <a:r>
+              <a:rPr lang="es-ES" sz="2000" b="1" dirty="0" err="1">
+                <a:solidFill>
+                  <a:prstClr val="black"/>
+                </a:solidFill>
+                <a:latin typeface="Consolas" panose="020B0609020204030204" pitchFamily="49" charset="0"/>
+              </a:rPr>
+              <a:t>nuevoPrecio</a:t>
+            </a:r>
+            <a:r>
+              <a:rPr lang="es-ES" sz="2000" b="1" dirty="0">
+                <a:solidFill>
+                  <a:prstClr val="black"/>
+                </a:solidFill>
+                <a:latin typeface="Consolas" panose="020B0609020204030204" pitchFamily="49" charset="0"/>
+              </a:rPr>
+              <a:t> = </a:t>
+            </a:r>
+            <a:r>
+              <a:rPr lang="es-ES" sz="2000" b="1" dirty="0" err="1">
+                <a:solidFill>
+                  <a:prstClr val="black"/>
+                </a:solidFill>
+                <a:latin typeface="Consolas" panose="020B0609020204030204" pitchFamily="49" charset="0"/>
+              </a:rPr>
+              <a:t>precioProd</a:t>
+            </a:r>
+            <a:r>
+              <a:rPr lang="es-ES" sz="2000" b="1" dirty="0">
+                <a:solidFill>
+                  <a:prstClr val="black"/>
+                </a:solidFill>
+                <a:latin typeface="Consolas" panose="020B0609020204030204" pitchFamily="49" charset="0"/>
+              </a:rPr>
+              <a:t> – descuento</a:t>
+            </a:r>
+            <a:endParaRPr lang="es-ES" sz="2400" b="1" dirty="0">
+              <a:solidFill>
+                <a:prstClr val="black"/>
+              </a:solidFill>
+              <a:latin typeface="Consolas" panose="020B0609020204030204" pitchFamily="49" charset="0"/>
+            </a:endParaRPr>
+          </a:p>
+          <a:p>
+            <a:pPr lvl="1" defTabSz="914400"/>
+            <a:r>
+              <a:rPr lang="es-ES" sz="2400" b="1" dirty="0">
+                <a:solidFill>
+                  <a:prstClr val="black"/>
+                </a:solidFill>
+                <a:latin typeface="Consolas" panose="020B0609020204030204" pitchFamily="49" charset="0"/>
+              </a:rPr>
+              <a:t>FIN SI</a:t>
+            </a:r>
+          </a:p>
+          <a:p>
+            <a:pPr defTabSz="914400"/>
+            <a:r>
+              <a:rPr lang="es-ES" sz="2400" b="1" dirty="0">
+                <a:solidFill>
+                  <a:prstClr val="black"/>
+                </a:solidFill>
+                <a:latin typeface="Consolas" panose="020B0609020204030204" pitchFamily="49" charset="0"/>
+              </a:rPr>
+              <a:t>FIN</a:t>
+            </a:r>
+          </a:p>
+        </p:txBody>
+      </p:sp>
+      <p:grpSp>
+        <p:nvGrpSpPr>
+          <p:cNvPr id="12" name="Grupo 11"/>
+          <p:cNvGrpSpPr/>
+          <p:nvPr/>
+        </p:nvGrpSpPr>
+        <p:grpSpPr>
+          <a:xfrm>
+            <a:off x="569165" y="2015349"/>
+            <a:ext cx="4680520" cy="664810"/>
+            <a:chOff x="0" y="1510685"/>
+            <a:chExt cx="5760640" cy="1031354"/>
+          </a:xfrm>
+        </p:grpSpPr>
+        <p:sp>
+          <p:nvSpPr>
+            <p:cNvPr id="13" name="Rectángulo redondeado 12"/>
+            <p:cNvSpPr/>
+            <p:nvPr/>
+          </p:nvSpPr>
+          <p:spPr>
+            <a:xfrm>
+              <a:off x="0" y="1510685"/>
+              <a:ext cx="5760640" cy="1031354"/>
+            </a:xfrm>
+            <a:prstGeom prst="roundRect">
+              <a:avLst/>
+            </a:prstGeom>
+            <a:solidFill>
+              <a:srgbClr val="9BBB59">
+                <a:hueOff val="0"/>
+                <a:satOff val="0"/>
+                <a:lumOff val="0"/>
+                <a:alphaOff val="0"/>
+              </a:srgbClr>
+            </a:solidFill>
+            <a:ln w="25400" cap="flat" cmpd="sng" algn="ctr">
+              <a:solidFill>
+                <a:sysClr val="window" lastClr="FFFFFF">
+                  <a:hueOff val="0"/>
+                  <a:satOff val="0"/>
+                  <a:lumOff val="0"/>
+                  <a:alphaOff val="0"/>
+                </a:sysClr>
+              </a:solidFill>
+              <a:prstDash val="solid"/>
+            </a:ln>
+            <a:effectLst/>
+          </p:spPr>
+        </p:sp>
+        <p:sp>
+          <p:nvSpPr>
+            <p:cNvPr id="14" name="CuadroTexto 13"/>
+            <p:cNvSpPr txBox="1"/>
+            <p:nvPr/>
+          </p:nvSpPr>
+          <p:spPr>
+            <a:xfrm>
+              <a:off x="50347" y="1561033"/>
+              <a:ext cx="5533042" cy="981006"/>
+            </a:xfrm>
+            <a:prstGeom prst="rect">
+              <a:avLst/>
+            </a:prstGeom>
+            <a:noFill/>
+            <a:ln>
+              <a:noFill/>
+            </a:ln>
+            <a:effectLst/>
+          </p:spPr>
+          <p:txBody>
+            <a:bodyPr spcFirstLastPara="0" vert="horz" wrap="square" lIns="163830" tIns="163830" rIns="163830" bIns="163830" numCol="1" spcCol="1270" anchor="ctr" anchorCtr="0">
+              <a:noAutofit/>
+            </a:bodyPr>
+            <a:lstStyle/>
+            <a:p>
+              <a:pPr marL="0" marR="0" lvl="0" indent="0" defTabSz="1911350" eaLnBrk="1" fontAlgn="auto" latinLnBrk="0" hangingPunct="1">
+                <a:lnSpc>
+                  <a:spcPct val="90000"/>
+                </a:lnSpc>
+                <a:spcBef>
+                  <a:spcPct val="0"/>
+                </a:spcBef>
+                <a:spcAft>
+                  <a:spcPct val="35000"/>
+                </a:spcAft>
+                <a:buClrTx/>
+                <a:buSzTx/>
+                <a:buFontTx/>
+                <a:buNone/>
+                <a:tabLst/>
+                <a:defRPr/>
+              </a:pPr>
+              <a:r>
+                <a:rPr kumimoji="0" lang="es-ES" sz="3200" b="0" i="0" u="none" strike="noStrike" kern="0" cap="none" spc="0" normalizeH="0" baseline="0" noProof="0" dirty="0" smtClean="0">
+                  <a:ln>
+                    <a:noFill/>
+                  </a:ln>
+                  <a:solidFill>
+                    <a:prstClr val="white"/>
+                  </a:solidFill>
+                  <a:effectLst/>
+                  <a:uLnTx/>
+                  <a:uFillTx/>
+                  <a:latin typeface="Calibri"/>
+                  <a:ea typeface="+mn-ea"/>
+                  <a:cs typeface="+mn-cs"/>
+                </a:rPr>
+                <a:t>Selectivas o De Decisión</a:t>
+              </a:r>
+            </a:p>
+          </p:txBody>
+        </p:sp>
+      </p:grpSp>
+      <p:sp>
+        <p:nvSpPr>
+          <p:cNvPr id="15" name="CuadroTexto 14"/>
+          <p:cNvSpPr txBox="1"/>
+          <p:nvPr/>
+        </p:nvSpPr>
+        <p:spPr>
+          <a:xfrm>
+            <a:off x="5480079" y="2047803"/>
+            <a:ext cx="3237168" cy="584775"/>
+          </a:xfrm>
+          <a:prstGeom prst="rect">
+            <a:avLst/>
+          </a:prstGeom>
+          <a:noFill/>
+        </p:spPr>
+        <p:txBody>
+          <a:bodyPr wrap="none" rtlCol="0">
+            <a:spAutoFit/>
+          </a:bodyPr>
+          <a:lstStyle/>
+          <a:p>
+            <a:pPr defTabSz="914400"/>
+            <a:r>
+              <a:rPr lang="es-ES" sz="3200" i="1" dirty="0">
+                <a:ln w="0"/>
+                <a:solidFill>
+                  <a:srgbClr val="9BBB59">
+                    <a:lumMod val="50000"/>
+                  </a:srgbClr>
+                </a:solidFill>
+                <a:effectLst>
+                  <a:outerShdw blurRad="38100" dist="25400" dir="5400000" algn="ctr" rotWithShape="0">
+                    <a:srgbClr val="6E747A">
+                      <a:alpha val="43000"/>
+                    </a:srgbClr>
+                  </a:outerShdw>
+                </a:effectLst>
+                <a:latin typeface="Calibri"/>
+              </a:rPr>
+              <a:t>Alternativa Simple</a:t>
+            </a:r>
+          </a:p>
+        </p:txBody>
+      </p:sp>
+      <p:sp>
+        <p:nvSpPr>
+          <p:cNvPr id="16" name="CuadroTexto 15"/>
+          <p:cNvSpPr txBox="1"/>
+          <p:nvPr/>
+        </p:nvSpPr>
+        <p:spPr>
+          <a:xfrm>
+            <a:off x="3470601" y="846346"/>
+            <a:ext cx="5246646" cy="584775"/>
+          </a:xfrm>
+          <a:prstGeom prst="rect">
+            <a:avLst/>
+          </a:prstGeom>
+          <a:noFill/>
+        </p:spPr>
+        <p:txBody>
+          <a:bodyPr wrap="square" rtlCol="0">
+            <a:spAutoFit/>
+          </a:bodyPr>
+          <a:lstStyle/>
+          <a:p>
+            <a:pPr defTabSz="914400"/>
+            <a:r>
+              <a:rPr lang="es-ES" sz="3200" b="1" dirty="0">
+                <a:solidFill>
+                  <a:prstClr val="black"/>
+                </a:solidFill>
+                <a:latin typeface="Calibri"/>
+              </a:rPr>
+              <a:t>ESTRUCTURAS DE CONTROL</a:t>
+            </a:r>
+          </a:p>
+        </p:txBody>
+      </p:sp>
+      <p:sp>
+        <p:nvSpPr>
+          <p:cNvPr id="17" name="Título 1"/>
+          <p:cNvSpPr txBox="1">
+            <a:spLocks/>
+          </p:cNvSpPr>
+          <p:nvPr/>
+        </p:nvSpPr>
+        <p:spPr bwMode="auto">
+          <a:xfrm>
+            <a:off x="1532655" y="189633"/>
+            <a:ext cx="8228708" cy="430887"/>
+          </a:xfrm>
+          <a:prstGeom prst="rect">
+            <a:avLst/>
+          </a:prstGeom>
+          <a:noFill/>
+          <a:ln>
+            <a:noFill/>
+          </a:ln>
+          <a:extLst>
+            <a:ext uri="{909E8E84-426E-40DD-AFC4-6F175D3DCCD1}">
+              <a14:hiddenFill xmlns:a14="http://schemas.microsoft.com/office/drawing/2010/main">
+                <a:solidFill>
+                  <a:srgbClr val="FFFFFF"/>
+                </a:solidFill>
+              </a14:hiddenFill>
+            </a:ext>
+            <a:ext uri="{91240B29-F687-4F45-9708-019B960494DF}">
+              <a14:hiddenLine xmlns:a14="http://schemas.microsoft.com/office/drawing/2010/main" w="9525">
+                <a:solidFill>
+                  <a:srgbClr val="000000"/>
+                </a:solidFill>
+                <a:miter lim="800000"/>
+                <a:headEnd/>
+                <a:tailEnd/>
+              </a14:hiddenLine>
+            </a:ext>
+          </a:extLst>
+        </p:spPr>
+        <p:txBody>
+          <a:bodyPr vert="horz" wrap="square" lIns="0" tIns="0" rIns="0" bIns="0" numCol="1" anchor="t" anchorCtr="0" compatLnSpc="1">
+            <a:prstTxWarp prst="textNoShape">
+              <a:avLst/>
+            </a:prstTxWarp>
+            <a:normAutofit/>
+          </a:bodyPr>
+          <a:lstStyle>
+            <a:lvl1pPr algn="ctr" rtl="0" eaLnBrk="0" fontAlgn="base" hangingPunct="0">
+              <a:spcBef>
+                <a:spcPct val="0"/>
+              </a:spcBef>
+              <a:spcAft>
+                <a:spcPct val="0"/>
+              </a:spcAft>
+              <a:defRPr sz="2800">
+                <a:solidFill>
+                  <a:schemeClr val="tx2"/>
+                </a:solidFill>
+                <a:latin typeface="+mj-lt"/>
+                <a:ea typeface="ＭＳ Ｐゴシック" pitchFamily="34" charset="-128"/>
+                <a:cs typeface="ＭＳ Ｐゴシック" charset="0"/>
+              </a:defRPr>
+            </a:lvl1pPr>
+            <a:lvl2pPr algn="ctr" rtl="0" eaLnBrk="0" fontAlgn="base" hangingPunct="0">
+              <a:spcBef>
+                <a:spcPct val="0"/>
+              </a:spcBef>
+              <a:spcAft>
+                <a:spcPct val="0"/>
+              </a:spcAft>
+              <a:defRPr sz="3094">
+                <a:solidFill>
+                  <a:schemeClr val="tx2"/>
+                </a:solidFill>
+                <a:latin typeface="Calibri" charset="0"/>
+                <a:ea typeface="ＭＳ Ｐゴシック" pitchFamily="34" charset="-128"/>
+                <a:cs typeface="ＭＳ Ｐゴシック" charset="0"/>
+              </a:defRPr>
+            </a:lvl2pPr>
+            <a:lvl3pPr algn="ctr" rtl="0" eaLnBrk="0" fontAlgn="base" hangingPunct="0">
+              <a:spcBef>
+                <a:spcPct val="0"/>
+              </a:spcBef>
+              <a:spcAft>
+                <a:spcPct val="0"/>
+              </a:spcAft>
+              <a:defRPr sz="3094">
+                <a:solidFill>
+                  <a:schemeClr val="tx2"/>
+                </a:solidFill>
+                <a:latin typeface="Calibri" charset="0"/>
+                <a:ea typeface="ＭＳ Ｐゴシック" pitchFamily="34" charset="-128"/>
+                <a:cs typeface="ＭＳ Ｐゴシック" charset="0"/>
+              </a:defRPr>
+            </a:lvl3pPr>
+            <a:lvl4pPr algn="ctr" rtl="0" eaLnBrk="0" fontAlgn="base" hangingPunct="0">
+              <a:spcBef>
+                <a:spcPct val="0"/>
+              </a:spcBef>
+              <a:spcAft>
+                <a:spcPct val="0"/>
+              </a:spcAft>
+              <a:defRPr sz="3094">
+                <a:solidFill>
+                  <a:schemeClr val="tx2"/>
+                </a:solidFill>
+                <a:latin typeface="Calibri" charset="0"/>
+                <a:ea typeface="ＭＳ Ｐゴシック" pitchFamily="34" charset="-128"/>
+                <a:cs typeface="ＭＳ Ｐゴシック" charset="0"/>
+              </a:defRPr>
+            </a:lvl4pPr>
+            <a:lvl5pPr algn="ctr" rtl="0" eaLnBrk="0" fontAlgn="base" hangingPunct="0">
+              <a:spcBef>
+                <a:spcPct val="0"/>
+              </a:spcBef>
+              <a:spcAft>
+                <a:spcPct val="0"/>
+              </a:spcAft>
+              <a:defRPr sz="3094">
+                <a:solidFill>
+                  <a:schemeClr val="tx2"/>
+                </a:solidFill>
+                <a:latin typeface="Calibri" charset="0"/>
+                <a:ea typeface="ＭＳ Ｐゴシック" pitchFamily="34" charset="-128"/>
+                <a:cs typeface="ＭＳ Ｐゴシック" charset="0"/>
+              </a:defRPr>
+            </a:lvl5pPr>
+            <a:lvl6pPr marL="321457" algn="ctr" rtl="0" eaLnBrk="0" fontAlgn="base" hangingPunct="0">
+              <a:spcBef>
+                <a:spcPct val="0"/>
+              </a:spcBef>
+              <a:spcAft>
+                <a:spcPct val="0"/>
+              </a:spcAft>
+              <a:defRPr>
+                <a:solidFill>
+                  <a:schemeClr val="tx2"/>
+                </a:solidFill>
+                <a:latin typeface="Calibri" charset="0"/>
+                <a:ea typeface="ＭＳ Ｐゴシック" charset="0"/>
+                <a:cs typeface="ＭＳ Ｐゴシック" charset="0"/>
+              </a:defRPr>
+            </a:lvl6pPr>
+            <a:lvl7pPr marL="642915" algn="ctr" rtl="0" eaLnBrk="0" fontAlgn="base" hangingPunct="0">
+              <a:spcBef>
+                <a:spcPct val="0"/>
+              </a:spcBef>
+              <a:spcAft>
+                <a:spcPct val="0"/>
+              </a:spcAft>
+              <a:defRPr>
+                <a:solidFill>
+                  <a:schemeClr val="tx2"/>
+                </a:solidFill>
+                <a:latin typeface="Calibri" charset="0"/>
+                <a:ea typeface="ＭＳ Ｐゴシック" charset="0"/>
+                <a:cs typeface="ＭＳ Ｐゴシック" charset="0"/>
+              </a:defRPr>
+            </a:lvl7pPr>
+            <a:lvl8pPr marL="964372" algn="ctr" rtl="0" eaLnBrk="0" fontAlgn="base" hangingPunct="0">
+              <a:spcBef>
+                <a:spcPct val="0"/>
+              </a:spcBef>
+              <a:spcAft>
+                <a:spcPct val="0"/>
+              </a:spcAft>
+              <a:defRPr>
+                <a:solidFill>
+                  <a:schemeClr val="tx2"/>
+                </a:solidFill>
+                <a:latin typeface="Calibri" charset="0"/>
+                <a:ea typeface="ＭＳ Ｐゴシック" charset="0"/>
+                <a:cs typeface="ＭＳ Ｐゴシック" charset="0"/>
+              </a:defRPr>
+            </a:lvl8pPr>
+            <a:lvl9pPr marL="1285829" algn="ctr" rtl="0" eaLnBrk="0" fontAlgn="base" hangingPunct="0">
+              <a:spcBef>
+                <a:spcPct val="0"/>
+              </a:spcBef>
+              <a:spcAft>
+                <a:spcPct val="0"/>
+              </a:spcAft>
+              <a:defRPr>
+                <a:solidFill>
+                  <a:schemeClr val="tx2"/>
+                </a:solidFill>
+                <a:latin typeface="Calibri" charset="0"/>
+                <a:ea typeface="ＭＳ Ｐゴシック" charset="0"/>
+                <a:cs typeface="ＭＳ Ｐゴシック" charset="0"/>
+              </a:defRPr>
+            </a:lvl9pPr>
+          </a:lstStyle>
+          <a:p>
+            <a:pPr defTabSz="914400"/>
+            <a:r>
+              <a:rPr lang="es-ES" kern="0" dirty="0">
+                <a:solidFill>
+                  <a:srgbClr val="1F497D"/>
+                </a:solidFill>
+                <a:latin typeface="Calibri"/>
+              </a:rPr>
+              <a:t>Desarrollo de Programas</a:t>
+            </a:r>
+          </a:p>
+        </p:txBody>
+      </p:sp>
+    </p:spTree>
+    <p:extLst>
+      <p:ext uri="{BB962C8B-B14F-4D97-AF65-F5344CB8AC3E}">
+        <p14:creationId xmlns:p14="http://schemas.microsoft.com/office/powerpoint/2010/main" val="267631571"/>
+      </p:ext>
+    </p:extLst>
+  </p:cSld>
+  <p:clrMapOvr>
+    <a:masterClrMapping/>
+  </p:clrMapOvr>
+</p:sld>
+</file>
+
+<file path=ppt/slides/slide13.xml><?xml version="1.0" encoding="utf-8"?>
+<p:sld xmlns:a="http://schemas.openxmlformats.org/drawingml/2006/main" xmlns:r="http://schemas.openxmlformats.org/officeDocument/2006/relationships" xmlns:p="http://schemas.openxmlformats.org/presentationml/2006/main">
+  <p:cSld>
+    <p:spTree>
+      <p:nvGrpSpPr>
+        <p:cNvPr id="1" name=""/>
+        <p:cNvGrpSpPr/>
+        <p:nvPr/>
+      </p:nvGrpSpPr>
+      <p:grpSpPr>
+        <a:xfrm>
+          <a:off x="0" y="0"/>
+          <a:ext cx="0" cy="0"/>
+          <a:chOff x="0" y="0"/>
+          <a:chExt cx="0" cy="0"/>
+        </a:xfrm>
+      </p:grpSpPr>
+      <p:sp>
+        <p:nvSpPr>
+          <p:cNvPr id="4" name="CuadroTexto 3"/>
+          <p:cNvSpPr txBox="1"/>
+          <p:nvPr/>
+        </p:nvSpPr>
+        <p:spPr>
+          <a:xfrm>
+            <a:off x="348185" y="1976239"/>
+            <a:ext cx="7402618" cy="4093428"/>
+          </a:xfrm>
+          <a:prstGeom prst="rect">
+            <a:avLst/>
+          </a:prstGeom>
+          <a:noFill/>
+        </p:spPr>
+        <p:txBody>
+          <a:bodyPr wrap="square" rtlCol="0">
+            <a:spAutoFit/>
+          </a:bodyPr>
+          <a:lstStyle/>
+          <a:p>
+            <a:pPr defTabSz="914400"/>
+            <a:r>
+              <a:rPr lang="es-ES" b="1" dirty="0">
+                <a:solidFill>
+                  <a:prstClr val="black"/>
+                </a:solidFill>
+                <a:latin typeface="Consolas" panose="020B0609020204030204" pitchFamily="49" charset="0"/>
+              </a:rPr>
+              <a:t>INICIO </a:t>
+            </a:r>
+            <a:r>
+              <a:rPr lang="es-ES" dirty="0" err="1">
+                <a:solidFill>
+                  <a:prstClr val="black"/>
+                </a:solidFill>
+                <a:latin typeface="Consolas" panose="020B0609020204030204" pitchFamily="49" charset="0"/>
+              </a:rPr>
+              <a:t>aplicarDescuento</a:t>
+            </a:r>
+            <a:endParaRPr lang="es-ES" dirty="0">
+              <a:solidFill>
+                <a:prstClr val="black"/>
+              </a:solidFill>
+              <a:latin typeface="Consolas" panose="020B0609020204030204" pitchFamily="49" charset="0"/>
+            </a:endParaRPr>
+          </a:p>
+          <a:p>
+            <a:pPr defTabSz="914400"/>
+            <a:r>
+              <a:rPr lang="es-ES" dirty="0">
+                <a:solidFill>
+                  <a:prstClr val="black"/>
+                </a:solidFill>
+                <a:latin typeface="Consolas" panose="020B0609020204030204" pitchFamily="49" charset="0"/>
+              </a:rPr>
+              <a:t>   flotante </a:t>
+            </a:r>
+            <a:r>
+              <a:rPr lang="es-ES" dirty="0" err="1">
+                <a:solidFill>
+                  <a:prstClr val="black"/>
+                </a:solidFill>
+                <a:latin typeface="Consolas" panose="020B0609020204030204" pitchFamily="49" charset="0"/>
+              </a:rPr>
+              <a:t>precioProd</a:t>
+            </a:r>
+            <a:r>
+              <a:rPr lang="es-ES" dirty="0">
+                <a:solidFill>
+                  <a:prstClr val="black"/>
+                </a:solidFill>
+                <a:latin typeface="Consolas" panose="020B0609020204030204" pitchFamily="49" charset="0"/>
+              </a:rPr>
+              <a:t> = 450.80;</a:t>
+            </a:r>
+            <a:br>
+              <a:rPr lang="es-ES" dirty="0">
+                <a:solidFill>
+                  <a:prstClr val="black"/>
+                </a:solidFill>
+                <a:latin typeface="Consolas" panose="020B0609020204030204" pitchFamily="49" charset="0"/>
+              </a:rPr>
+            </a:br>
+            <a:r>
+              <a:rPr lang="es-ES" dirty="0">
+                <a:solidFill>
+                  <a:prstClr val="black"/>
+                </a:solidFill>
+                <a:latin typeface="Consolas" panose="020B0609020204030204" pitchFamily="49" charset="0"/>
+              </a:rPr>
+              <a:t>   flotante </a:t>
+            </a:r>
+            <a:r>
+              <a:rPr lang="es-ES" dirty="0" err="1">
+                <a:solidFill>
+                  <a:prstClr val="black"/>
+                </a:solidFill>
+                <a:latin typeface="Consolas" panose="020B0609020204030204" pitchFamily="49" charset="0"/>
+              </a:rPr>
+              <a:t>porcDesc</a:t>
+            </a:r>
+            <a:r>
+              <a:rPr lang="es-ES" dirty="0">
+                <a:solidFill>
+                  <a:prstClr val="black"/>
+                </a:solidFill>
+                <a:latin typeface="Consolas" panose="020B0609020204030204" pitchFamily="49" charset="0"/>
+              </a:rPr>
+              <a:t> = 0.10;</a:t>
+            </a:r>
+          </a:p>
+          <a:p>
+            <a:pPr defTabSz="914400"/>
+            <a:r>
+              <a:rPr lang="es-ES" dirty="0">
+                <a:solidFill>
+                  <a:prstClr val="black"/>
+                </a:solidFill>
+                <a:latin typeface="Consolas" panose="020B0609020204030204" pitchFamily="49" charset="0"/>
+              </a:rPr>
+              <a:t>   Booleano </a:t>
+            </a:r>
+            <a:r>
+              <a:rPr lang="es-ES" dirty="0" err="1">
+                <a:solidFill>
+                  <a:prstClr val="black"/>
+                </a:solidFill>
+                <a:latin typeface="Consolas" panose="020B0609020204030204" pitchFamily="49" charset="0"/>
+              </a:rPr>
+              <a:t>tieneDescuento</a:t>
+            </a:r>
+            <a:r>
+              <a:rPr lang="es-ES" dirty="0">
+                <a:solidFill>
+                  <a:prstClr val="black"/>
+                </a:solidFill>
+                <a:latin typeface="Consolas" panose="020B0609020204030204" pitchFamily="49" charset="0"/>
+              </a:rPr>
+              <a:t>=true;</a:t>
+            </a:r>
+          </a:p>
+          <a:p>
+            <a:pPr lvl="1" defTabSz="914400"/>
+            <a:r>
+              <a:rPr lang="es-ES" sz="2000" b="1" dirty="0">
+                <a:solidFill>
+                  <a:prstClr val="black"/>
+                </a:solidFill>
+                <a:latin typeface="Consolas" panose="020B0609020204030204" pitchFamily="49" charset="0"/>
+              </a:rPr>
+              <a:t>SI (</a:t>
+            </a:r>
+            <a:r>
+              <a:rPr lang="es-ES" sz="2000" b="1" dirty="0" err="1">
+                <a:solidFill>
+                  <a:prstClr val="black"/>
+                </a:solidFill>
+                <a:latin typeface="Consolas" panose="020B0609020204030204" pitchFamily="49" charset="0"/>
+              </a:rPr>
+              <a:t>tieneDescuento</a:t>
+            </a:r>
+            <a:r>
+              <a:rPr lang="es-ES" sz="2000" b="1" dirty="0">
+                <a:solidFill>
+                  <a:prstClr val="black"/>
+                </a:solidFill>
+                <a:latin typeface="Consolas" panose="020B0609020204030204" pitchFamily="49" charset="0"/>
+              </a:rPr>
+              <a:t>==true)</a:t>
+            </a:r>
+          </a:p>
+          <a:p>
+            <a:pPr lvl="1" defTabSz="914400"/>
+            <a:r>
+              <a:rPr lang="es-ES" sz="2000" b="1" dirty="0">
+                <a:solidFill>
+                  <a:prstClr val="black"/>
+                </a:solidFill>
+                <a:latin typeface="Consolas" panose="020B0609020204030204" pitchFamily="49" charset="0"/>
+              </a:rPr>
+              <a:t>ENTONCES</a:t>
+            </a:r>
+            <a:br>
+              <a:rPr lang="es-ES" sz="2000" b="1" dirty="0">
+                <a:solidFill>
+                  <a:prstClr val="black"/>
+                </a:solidFill>
+                <a:latin typeface="Consolas" panose="020B0609020204030204" pitchFamily="49" charset="0"/>
+              </a:rPr>
+            </a:br>
+            <a:r>
+              <a:rPr lang="es-ES" sz="2000" b="1" dirty="0">
+                <a:solidFill>
+                  <a:prstClr val="black"/>
+                </a:solidFill>
+                <a:latin typeface="Consolas" panose="020B0609020204030204" pitchFamily="49" charset="0"/>
+              </a:rPr>
+              <a:t>	flotante </a:t>
+            </a:r>
+            <a:r>
+              <a:rPr lang="es-ES" sz="2000" b="1" dirty="0" err="1">
+                <a:solidFill>
+                  <a:prstClr val="black"/>
+                </a:solidFill>
+                <a:latin typeface="Consolas" panose="020B0609020204030204" pitchFamily="49" charset="0"/>
+              </a:rPr>
+              <a:t>desc</a:t>
+            </a:r>
+            <a:r>
+              <a:rPr lang="es-ES" sz="2000" b="1" dirty="0">
+                <a:solidFill>
+                  <a:prstClr val="black"/>
+                </a:solidFill>
+                <a:latin typeface="Consolas" panose="020B0609020204030204" pitchFamily="49" charset="0"/>
+              </a:rPr>
+              <a:t> = </a:t>
+            </a:r>
+            <a:r>
+              <a:rPr lang="es-ES" sz="2000" b="1" dirty="0" err="1">
+                <a:solidFill>
+                  <a:prstClr val="black"/>
+                </a:solidFill>
+                <a:latin typeface="Consolas" panose="020B0609020204030204" pitchFamily="49" charset="0"/>
+              </a:rPr>
+              <a:t>precioProd</a:t>
+            </a:r>
+            <a:r>
+              <a:rPr lang="es-ES" sz="2000" b="1" dirty="0">
+                <a:solidFill>
+                  <a:prstClr val="black"/>
+                </a:solidFill>
+                <a:latin typeface="Consolas" panose="020B0609020204030204" pitchFamily="49" charset="0"/>
+              </a:rPr>
+              <a:t>*</a:t>
+            </a:r>
+            <a:r>
+              <a:rPr lang="es-ES" sz="2000" b="1" dirty="0" err="1">
+                <a:solidFill>
+                  <a:prstClr val="black"/>
+                </a:solidFill>
+                <a:latin typeface="Consolas" panose="020B0609020204030204" pitchFamily="49" charset="0"/>
+              </a:rPr>
+              <a:t>porcDesc</a:t>
+            </a:r>
+            <a:r>
+              <a:rPr lang="es-ES" sz="2000" b="1" dirty="0">
+                <a:solidFill>
+                  <a:prstClr val="black"/>
+                </a:solidFill>
+                <a:latin typeface="Consolas" panose="020B0609020204030204" pitchFamily="49" charset="0"/>
+              </a:rPr>
+              <a:t>;</a:t>
+            </a:r>
+          </a:p>
+          <a:p>
+            <a:pPr lvl="1" defTabSz="914400"/>
+            <a:r>
+              <a:rPr lang="es-ES" sz="2000" b="1" dirty="0">
+                <a:solidFill>
+                  <a:prstClr val="black"/>
+                </a:solidFill>
+                <a:latin typeface="Consolas" panose="020B0609020204030204" pitchFamily="49" charset="0"/>
+              </a:rPr>
+              <a:t>	flotante </a:t>
+            </a:r>
+            <a:r>
+              <a:rPr lang="es-ES" sz="2000" b="1" dirty="0" err="1">
+                <a:solidFill>
+                  <a:prstClr val="black"/>
+                </a:solidFill>
+                <a:latin typeface="Consolas" panose="020B0609020204030204" pitchFamily="49" charset="0"/>
+              </a:rPr>
+              <a:t>nuevoPrecio</a:t>
+            </a:r>
+            <a:r>
+              <a:rPr lang="es-ES" sz="2000" b="1" dirty="0">
+                <a:solidFill>
+                  <a:prstClr val="black"/>
+                </a:solidFill>
+                <a:latin typeface="Consolas" panose="020B0609020204030204" pitchFamily="49" charset="0"/>
+              </a:rPr>
+              <a:t> = </a:t>
+            </a:r>
+            <a:r>
+              <a:rPr lang="es-ES" sz="2000" b="1" dirty="0" err="1">
+                <a:solidFill>
+                  <a:prstClr val="black"/>
+                </a:solidFill>
+                <a:latin typeface="Consolas" panose="020B0609020204030204" pitchFamily="49" charset="0"/>
+              </a:rPr>
+              <a:t>precioProd</a:t>
+            </a:r>
+            <a:r>
+              <a:rPr lang="es-ES" sz="2000" b="1" dirty="0">
+                <a:solidFill>
+                  <a:prstClr val="black"/>
+                </a:solidFill>
+                <a:latin typeface="Consolas" panose="020B0609020204030204" pitchFamily="49" charset="0"/>
+              </a:rPr>
+              <a:t> - </a:t>
+            </a:r>
+            <a:r>
+              <a:rPr lang="es-ES" sz="2000" b="1" dirty="0" err="1">
+                <a:solidFill>
+                  <a:prstClr val="black"/>
+                </a:solidFill>
+                <a:latin typeface="Consolas" panose="020B0609020204030204" pitchFamily="49" charset="0"/>
+              </a:rPr>
+              <a:t>desc</a:t>
+            </a:r>
+            <a:endParaRPr lang="es-ES" sz="2000" b="1" dirty="0">
+              <a:solidFill>
+                <a:prstClr val="black"/>
+              </a:solidFill>
+              <a:latin typeface="Consolas" panose="020B0609020204030204" pitchFamily="49" charset="0"/>
+            </a:endParaRPr>
+          </a:p>
+          <a:p>
+            <a:pPr lvl="1" defTabSz="914400"/>
+            <a:r>
+              <a:rPr lang="es-ES" sz="2000" b="1" dirty="0">
+                <a:solidFill>
+                  <a:prstClr val="black"/>
+                </a:solidFill>
+                <a:latin typeface="Consolas" panose="020B0609020204030204" pitchFamily="49" charset="0"/>
+              </a:rPr>
+              <a:t>	MOSTRAR “El precio nuevo es:” + </a:t>
+            </a:r>
+            <a:r>
+              <a:rPr lang="es-ES" sz="2000" b="1" dirty="0" err="1">
+                <a:solidFill>
+                  <a:prstClr val="black"/>
+                </a:solidFill>
+                <a:latin typeface="Consolas" panose="020B0609020204030204" pitchFamily="49" charset="0"/>
+              </a:rPr>
+              <a:t>nuevoPrecio</a:t>
+            </a:r>
+            <a:endParaRPr lang="es-ES" sz="2000" b="1" dirty="0">
+              <a:solidFill>
+                <a:prstClr val="black"/>
+              </a:solidFill>
+              <a:latin typeface="Consolas" panose="020B0609020204030204" pitchFamily="49" charset="0"/>
+            </a:endParaRPr>
+          </a:p>
+          <a:p>
+            <a:pPr lvl="1" defTabSz="914400"/>
+            <a:r>
+              <a:rPr lang="es-ES" sz="2000" b="1" dirty="0">
+                <a:solidFill>
+                  <a:prstClr val="black"/>
+                </a:solidFill>
+                <a:latin typeface="Consolas" panose="020B0609020204030204" pitchFamily="49" charset="0"/>
+              </a:rPr>
+              <a:t>SINO</a:t>
+            </a:r>
+          </a:p>
+          <a:p>
+            <a:pPr lvl="1" defTabSz="914400"/>
+            <a:r>
+              <a:rPr lang="es-ES" sz="2000" b="1" dirty="0">
+                <a:solidFill>
+                  <a:prstClr val="black"/>
+                </a:solidFill>
+                <a:latin typeface="Consolas" panose="020B0609020204030204" pitchFamily="49" charset="0"/>
+              </a:rPr>
+              <a:t>	MOSTAR “No aplica descuento”</a:t>
+            </a:r>
+            <a:br>
+              <a:rPr lang="es-ES" sz="2000" b="1" dirty="0">
+                <a:solidFill>
+                  <a:prstClr val="black"/>
+                </a:solidFill>
+                <a:latin typeface="Consolas" panose="020B0609020204030204" pitchFamily="49" charset="0"/>
+              </a:rPr>
+            </a:br>
+            <a:r>
+              <a:rPr lang="es-ES" sz="2000" b="1" dirty="0">
+                <a:solidFill>
+                  <a:prstClr val="black"/>
+                </a:solidFill>
+                <a:latin typeface="Consolas" panose="020B0609020204030204" pitchFamily="49" charset="0"/>
+              </a:rPr>
+              <a:t>FIN SI</a:t>
+            </a:r>
+          </a:p>
+          <a:p>
+            <a:pPr defTabSz="914400"/>
+            <a:r>
+              <a:rPr lang="es-ES" b="1" dirty="0">
+                <a:solidFill>
+                  <a:prstClr val="black"/>
+                </a:solidFill>
+                <a:latin typeface="Consolas" panose="020B0609020204030204" pitchFamily="49" charset="0"/>
+              </a:rPr>
+              <a:t>FIN</a:t>
+            </a:r>
+          </a:p>
+        </p:txBody>
+      </p:sp>
+      <p:grpSp>
+        <p:nvGrpSpPr>
+          <p:cNvPr id="5" name="Grupo 4"/>
+          <p:cNvGrpSpPr/>
+          <p:nvPr/>
+        </p:nvGrpSpPr>
+        <p:grpSpPr>
+          <a:xfrm>
+            <a:off x="7381972" y="1668807"/>
+            <a:ext cx="4608512" cy="4248471"/>
+            <a:chOff x="7189313" y="1970358"/>
+            <a:chExt cx="4608512" cy="4375492"/>
+          </a:xfrm>
+        </p:grpSpPr>
+        <p:pic>
+          <p:nvPicPr>
+            <p:cNvPr id="6" name="Imagen 5"/>
+            <p:cNvPicPr>
+              <a:picLocks noChangeAspect="1"/>
+            </p:cNvPicPr>
+            <p:nvPr/>
+          </p:nvPicPr>
+          <p:blipFill rotWithShape="1">
+            <a:blip r:embed="rId2"/>
+            <a:srcRect r="4366"/>
+            <a:stretch/>
+          </p:blipFill>
+          <p:spPr>
+            <a:xfrm>
+              <a:off x="7189313" y="1970358"/>
+              <a:ext cx="4608512" cy="4375492"/>
+            </a:xfrm>
+            <a:prstGeom prst="rect">
+              <a:avLst/>
+            </a:prstGeom>
+          </p:spPr>
+        </p:pic>
+        <p:sp>
+          <p:nvSpPr>
+            <p:cNvPr id="7" name="CuadroTexto 6"/>
+            <p:cNvSpPr txBox="1"/>
+            <p:nvPr/>
+          </p:nvSpPr>
+          <p:spPr>
+            <a:xfrm>
+              <a:off x="7824192" y="2155353"/>
+              <a:ext cx="792088" cy="400110"/>
+            </a:xfrm>
+            <a:prstGeom prst="rect">
+              <a:avLst/>
+            </a:prstGeom>
+            <a:solidFill>
+              <a:srgbClr val="FCFBF4"/>
+            </a:solidFill>
+          </p:spPr>
+          <p:txBody>
+            <a:bodyPr wrap="square" rtlCol="0">
+              <a:spAutoFit/>
+            </a:bodyPr>
+            <a:lstStyle/>
+            <a:p>
+              <a:pPr marL="0" marR="0" lvl="0" indent="0" defTabSz="914400" eaLnBrk="1" fontAlgn="auto" latinLnBrk="0" hangingPunct="1">
+                <a:lnSpc>
+                  <a:spcPct val="100000"/>
+                </a:lnSpc>
+                <a:spcBef>
+                  <a:spcPts val="0"/>
+                </a:spcBef>
+                <a:spcAft>
+                  <a:spcPts val="0"/>
+                </a:spcAft>
+                <a:buClrTx/>
+                <a:buSzTx/>
+                <a:buFontTx/>
+                <a:buNone/>
+                <a:tabLst/>
+                <a:defRPr/>
+              </a:pPr>
+              <a:r>
+                <a:rPr kumimoji="0" lang="es-ES" sz="2000" b="1" i="0" u="none" strike="noStrike" kern="0" cap="none" spc="0" normalizeH="0" baseline="0" noProof="0" dirty="0" smtClean="0">
+                  <a:ln>
+                    <a:noFill/>
+                  </a:ln>
+                  <a:solidFill>
+                    <a:prstClr val="black"/>
+                  </a:solidFill>
+                  <a:effectLst/>
+                  <a:uLnTx/>
+                  <a:uFillTx/>
+                  <a:latin typeface="Calibri"/>
+                </a:rPr>
+                <a:t>Inicio</a:t>
+              </a:r>
+            </a:p>
+          </p:txBody>
+        </p:sp>
+        <p:sp>
+          <p:nvSpPr>
+            <p:cNvPr id="8" name="CuadroTexto 7"/>
+            <p:cNvSpPr txBox="1"/>
+            <p:nvPr/>
+          </p:nvSpPr>
+          <p:spPr>
+            <a:xfrm>
+              <a:off x="7608168" y="2985408"/>
+              <a:ext cx="1224136" cy="400110"/>
+            </a:xfrm>
+            <a:prstGeom prst="rect">
+              <a:avLst/>
+            </a:prstGeom>
+            <a:solidFill>
+              <a:srgbClr val="FCFBF4"/>
+            </a:solidFill>
+          </p:spPr>
+          <p:txBody>
+            <a:bodyPr wrap="square" rtlCol="0">
+              <a:spAutoFit/>
+            </a:bodyPr>
+            <a:lstStyle/>
+            <a:p>
+              <a:pPr marL="0" marR="0" lvl="0" indent="0" defTabSz="914400" eaLnBrk="1" fontAlgn="auto" latinLnBrk="0" hangingPunct="1">
+                <a:lnSpc>
+                  <a:spcPct val="100000"/>
+                </a:lnSpc>
+                <a:spcBef>
+                  <a:spcPts val="0"/>
+                </a:spcBef>
+                <a:spcAft>
+                  <a:spcPts val="0"/>
+                </a:spcAft>
+                <a:buClrTx/>
+                <a:buSzTx/>
+                <a:buFontTx/>
+                <a:buNone/>
+                <a:tabLst/>
+                <a:defRPr/>
+              </a:pPr>
+              <a:r>
+                <a:rPr kumimoji="0" lang="es-ES" sz="2000" b="1" i="0" u="none" strike="noStrike" kern="0" cap="none" spc="0" normalizeH="0" baseline="0" noProof="0" dirty="0" smtClean="0">
+                  <a:ln>
+                    <a:noFill/>
+                  </a:ln>
+                  <a:solidFill>
+                    <a:prstClr val="black"/>
+                  </a:solidFill>
+                  <a:effectLst/>
+                  <a:uLnTx/>
+                  <a:uFillTx/>
+                  <a:latin typeface="Calibri"/>
+                </a:rPr>
+                <a:t>Variables</a:t>
+              </a:r>
+            </a:p>
+          </p:txBody>
+        </p:sp>
+        <p:sp>
+          <p:nvSpPr>
+            <p:cNvPr id="9" name="CuadroTexto 8"/>
+            <p:cNvSpPr txBox="1"/>
+            <p:nvPr/>
+          </p:nvSpPr>
+          <p:spPr>
+            <a:xfrm>
+              <a:off x="7608168" y="5229200"/>
+              <a:ext cx="1224136" cy="400110"/>
+            </a:xfrm>
+            <a:prstGeom prst="rect">
+              <a:avLst/>
+            </a:prstGeom>
+            <a:solidFill>
+              <a:srgbClr val="FCFBF4"/>
+            </a:solidFill>
+          </p:spPr>
+          <p:txBody>
+            <a:bodyPr wrap="square" rtlCol="0">
+              <a:spAutoFit/>
+            </a:bodyPr>
+            <a:lstStyle/>
+            <a:p>
+              <a:pPr marL="0" marR="0" lvl="0" indent="0" algn="ctr" defTabSz="914400" eaLnBrk="1" fontAlgn="auto" latinLnBrk="0" hangingPunct="1">
+                <a:lnSpc>
+                  <a:spcPct val="100000"/>
+                </a:lnSpc>
+                <a:spcBef>
+                  <a:spcPts val="0"/>
+                </a:spcBef>
+                <a:spcAft>
+                  <a:spcPts val="0"/>
+                </a:spcAft>
+                <a:buClrTx/>
+                <a:buSzTx/>
+                <a:buFontTx/>
+                <a:buNone/>
+                <a:tabLst/>
+                <a:defRPr/>
+              </a:pPr>
+              <a:r>
+                <a:rPr kumimoji="0" lang="es-ES" sz="2000" b="1" i="0" u="none" strike="noStrike" kern="0" cap="none" spc="0" normalizeH="0" baseline="0" noProof="0" dirty="0" smtClean="0">
+                  <a:ln>
+                    <a:noFill/>
+                  </a:ln>
+                  <a:solidFill>
+                    <a:prstClr val="black"/>
+                  </a:solidFill>
+                  <a:effectLst/>
+                  <a:uLnTx/>
+                  <a:uFillTx/>
+                  <a:latin typeface="Calibri"/>
+                </a:rPr>
+                <a:t>Acción</a:t>
+              </a:r>
+            </a:p>
+          </p:txBody>
+        </p:sp>
+        <p:sp>
+          <p:nvSpPr>
+            <p:cNvPr id="10" name="CuadroTexto 9"/>
+            <p:cNvSpPr txBox="1"/>
+            <p:nvPr/>
+          </p:nvSpPr>
+          <p:spPr>
+            <a:xfrm>
+              <a:off x="10395013" y="4829090"/>
+              <a:ext cx="1258796" cy="400110"/>
+            </a:xfrm>
+            <a:prstGeom prst="rect">
+              <a:avLst/>
+            </a:prstGeom>
+            <a:solidFill>
+              <a:srgbClr val="FCFBF4"/>
+            </a:solidFill>
+          </p:spPr>
+          <p:txBody>
+            <a:bodyPr wrap="square" rtlCol="0">
+              <a:spAutoFit/>
+            </a:bodyPr>
+            <a:lstStyle/>
+            <a:p>
+              <a:pPr marL="0" marR="0" lvl="0" indent="0" algn="ctr" defTabSz="914400" eaLnBrk="1" fontAlgn="auto" latinLnBrk="0" hangingPunct="1">
+                <a:lnSpc>
+                  <a:spcPct val="100000"/>
+                </a:lnSpc>
+                <a:spcBef>
+                  <a:spcPts val="0"/>
+                </a:spcBef>
+                <a:spcAft>
+                  <a:spcPts val="0"/>
+                </a:spcAft>
+                <a:buClrTx/>
+                <a:buSzTx/>
+                <a:buFontTx/>
+                <a:buNone/>
+                <a:tabLst/>
+                <a:defRPr/>
+              </a:pPr>
+              <a:r>
+                <a:rPr kumimoji="0" lang="es-ES" sz="2000" b="1" i="0" u="none" strike="noStrike" kern="0" cap="none" spc="0" normalizeH="0" baseline="0" noProof="0" dirty="0" smtClean="0">
+                  <a:ln>
+                    <a:noFill/>
+                  </a:ln>
+                  <a:solidFill>
+                    <a:prstClr val="black"/>
+                  </a:solidFill>
+                  <a:effectLst/>
+                  <a:uLnTx/>
+                  <a:uFillTx/>
+                  <a:latin typeface="Calibri"/>
+                </a:rPr>
+                <a:t>Acción</a:t>
+              </a:r>
+            </a:p>
+          </p:txBody>
+        </p:sp>
+        <p:sp>
+          <p:nvSpPr>
+            <p:cNvPr id="11" name="Rombo 10"/>
+            <p:cNvSpPr/>
+            <p:nvPr/>
+          </p:nvSpPr>
+          <p:spPr>
+            <a:xfrm>
+              <a:off x="7289362" y="3660523"/>
+              <a:ext cx="1706291" cy="1039621"/>
+            </a:xfrm>
+            <a:prstGeom prst="diamond">
+              <a:avLst/>
+            </a:prstGeom>
+            <a:solidFill>
+              <a:srgbClr val="9BBB59"/>
+            </a:solidFill>
+            <a:ln w="25400" cap="flat" cmpd="sng" algn="ctr">
+              <a:solidFill>
+                <a:srgbClr val="9BBB59">
+                  <a:shade val="50000"/>
+                </a:srgbClr>
+              </a:solidFill>
+              <a:prstDash val="solid"/>
+            </a:ln>
+            <a:effectLst/>
+          </p:spPr>
+          <p:txBody>
+            <a:bodyPr lIns="11431" tIns="333223" rIns="11430" bIns="333221" spcCol="1270" rtlCol="0" anchor="ctr"/>
+            <a:lstStyle/>
+            <a:p>
+              <a:pPr marL="0" marR="0" lvl="0" indent="0" algn="ctr" defTabSz="800100" eaLnBrk="1" fontAlgn="auto" latinLnBrk="0" hangingPunct="1">
+                <a:lnSpc>
+                  <a:spcPct val="90000"/>
+                </a:lnSpc>
+                <a:spcBef>
+                  <a:spcPts val="0"/>
+                </a:spcBef>
+                <a:spcAft>
+                  <a:spcPct val="35000"/>
+                </a:spcAft>
+                <a:buClrTx/>
+                <a:buSzTx/>
+                <a:buFontTx/>
+                <a:buNone/>
+                <a:tabLst/>
+                <a:defRPr/>
+              </a:pPr>
+              <a:endParaRPr kumimoji="0" lang="es-ES" sz="1800" b="0" i="0" u="none" strike="noStrike" kern="0" cap="none" spc="0" normalizeH="0" baseline="0" noProof="0" smtClean="0">
+                <a:ln>
+                  <a:noFill/>
+                </a:ln>
+                <a:solidFill>
+                  <a:prstClr val="white"/>
+                </a:solidFill>
+                <a:effectLst/>
+                <a:uLnTx/>
+                <a:uFillTx/>
+                <a:latin typeface="Calibri"/>
+                <a:ea typeface="+mn-ea"/>
+                <a:cs typeface="+mn-cs"/>
+              </a:endParaRPr>
+            </a:p>
+          </p:txBody>
+        </p:sp>
+        <p:sp>
+          <p:nvSpPr>
+            <p:cNvPr id="12" name="CuadroTexto 11"/>
+            <p:cNvSpPr txBox="1"/>
+            <p:nvPr/>
+          </p:nvSpPr>
+          <p:spPr>
+            <a:xfrm>
+              <a:off x="7464152" y="3933056"/>
+              <a:ext cx="1531501" cy="461665"/>
+            </a:xfrm>
+            <a:prstGeom prst="rect">
+              <a:avLst/>
+            </a:prstGeom>
+            <a:noFill/>
+          </p:spPr>
+          <p:txBody>
+            <a:bodyPr wrap="square" rtlCol="0">
+              <a:spAutoFit/>
+            </a:bodyPr>
+            <a:lstStyle/>
+            <a:p>
+              <a:pPr marL="0" marR="0" lvl="0" indent="0" defTabSz="914400" eaLnBrk="1" fontAlgn="auto" latinLnBrk="0" hangingPunct="1">
+                <a:lnSpc>
+                  <a:spcPct val="100000"/>
+                </a:lnSpc>
+                <a:spcBef>
+                  <a:spcPts val="0"/>
+                </a:spcBef>
+                <a:spcAft>
+                  <a:spcPts val="0"/>
+                </a:spcAft>
+                <a:buClrTx/>
+                <a:buSzTx/>
+                <a:buFontTx/>
+                <a:buNone/>
+                <a:tabLst/>
+                <a:defRPr/>
+              </a:pPr>
+              <a:r>
+                <a:rPr kumimoji="0" lang="es-ES" sz="2400" b="1" i="0" u="none" strike="noStrike" kern="0" cap="none" spc="0" normalizeH="0" baseline="0" noProof="0" dirty="0" smtClean="0">
+                  <a:ln>
+                    <a:noFill/>
+                  </a:ln>
+                  <a:solidFill>
+                    <a:prstClr val="black"/>
+                  </a:solidFill>
+                  <a:effectLst/>
+                  <a:uLnTx/>
+                  <a:uFillTx/>
+                  <a:latin typeface="Calibri"/>
+                </a:rPr>
+                <a:t>Condición</a:t>
+              </a:r>
+            </a:p>
+          </p:txBody>
+        </p:sp>
+      </p:grpSp>
+      <p:grpSp>
+        <p:nvGrpSpPr>
+          <p:cNvPr id="13" name="Grupo 12"/>
+          <p:cNvGrpSpPr/>
+          <p:nvPr/>
+        </p:nvGrpSpPr>
+        <p:grpSpPr>
+          <a:xfrm>
+            <a:off x="399832" y="1220021"/>
+            <a:ext cx="4680520" cy="664810"/>
+            <a:chOff x="0" y="1510685"/>
+            <a:chExt cx="5760640" cy="1031354"/>
+          </a:xfrm>
+        </p:grpSpPr>
+        <p:sp>
+          <p:nvSpPr>
+            <p:cNvPr id="14" name="Rectángulo redondeado 13"/>
+            <p:cNvSpPr/>
+            <p:nvPr/>
+          </p:nvSpPr>
+          <p:spPr>
+            <a:xfrm>
+              <a:off x="0" y="1510685"/>
+              <a:ext cx="5760640" cy="1031354"/>
+            </a:xfrm>
+            <a:prstGeom prst="roundRect">
+              <a:avLst/>
+            </a:prstGeom>
+            <a:solidFill>
+              <a:srgbClr val="9BBB59">
+                <a:hueOff val="0"/>
+                <a:satOff val="0"/>
+                <a:lumOff val="0"/>
+                <a:alphaOff val="0"/>
+              </a:srgbClr>
+            </a:solidFill>
+            <a:ln w="25400" cap="flat" cmpd="sng" algn="ctr">
+              <a:solidFill>
+                <a:sysClr val="window" lastClr="FFFFFF">
+                  <a:hueOff val="0"/>
+                  <a:satOff val="0"/>
+                  <a:lumOff val="0"/>
+                  <a:alphaOff val="0"/>
+                </a:sysClr>
+              </a:solidFill>
+              <a:prstDash val="solid"/>
+            </a:ln>
+            <a:effectLst/>
+          </p:spPr>
+        </p:sp>
+        <p:sp>
+          <p:nvSpPr>
+            <p:cNvPr id="15" name="CuadroTexto 14"/>
+            <p:cNvSpPr txBox="1"/>
+            <p:nvPr/>
+          </p:nvSpPr>
+          <p:spPr>
+            <a:xfrm>
+              <a:off x="50347" y="1561033"/>
+              <a:ext cx="5533042" cy="981006"/>
+            </a:xfrm>
+            <a:prstGeom prst="rect">
+              <a:avLst/>
+            </a:prstGeom>
+            <a:noFill/>
+            <a:ln>
+              <a:noFill/>
+            </a:ln>
+            <a:effectLst/>
+          </p:spPr>
+          <p:txBody>
+            <a:bodyPr spcFirstLastPara="0" vert="horz" wrap="square" lIns="163830" tIns="163830" rIns="163830" bIns="163830" numCol="1" spcCol="1270" anchor="ctr" anchorCtr="0">
+              <a:noAutofit/>
+            </a:bodyPr>
+            <a:lstStyle/>
+            <a:p>
+              <a:pPr marL="0" marR="0" lvl="0" indent="0" defTabSz="1911350" eaLnBrk="1" fontAlgn="auto" latinLnBrk="0" hangingPunct="1">
+                <a:lnSpc>
+                  <a:spcPct val="90000"/>
+                </a:lnSpc>
+                <a:spcBef>
+                  <a:spcPct val="0"/>
+                </a:spcBef>
+                <a:spcAft>
+                  <a:spcPct val="35000"/>
+                </a:spcAft>
+                <a:buClrTx/>
+                <a:buSzTx/>
+                <a:buFontTx/>
+                <a:buNone/>
+                <a:tabLst/>
+                <a:defRPr/>
+              </a:pPr>
+              <a:r>
+                <a:rPr kumimoji="0" lang="es-ES" sz="3200" b="0" i="0" u="none" strike="noStrike" kern="0" cap="none" spc="0" normalizeH="0" baseline="0" noProof="0" dirty="0" smtClean="0">
+                  <a:ln>
+                    <a:noFill/>
+                  </a:ln>
+                  <a:solidFill>
+                    <a:prstClr val="white"/>
+                  </a:solidFill>
+                  <a:effectLst/>
+                  <a:uLnTx/>
+                  <a:uFillTx/>
+                  <a:latin typeface="Calibri"/>
+                  <a:ea typeface="+mn-ea"/>
+                  <a:cs typeface="+mn-cs"/>
+                </a:rPr>
+                <a:t>Selectivas o De Decisión</a:t>
+              </a:r>
+            </a:p>
+          </p:txBody>
+        </p:sp>
+      </p:grpSp>
+      <p:sp>
+        <p:nvSpPr>
+          <p:cNvPr id="16" name="CuadroTexto 15"/>
+          <p:cNvSpPr txBox="1"/>
+          <p:nvPr/>
+        </p:nvSpPr>
+        <p:spPr>
+          <a:xfrm>
+            <a:off x="5682356" y="1278005"/>
+            <a:ext cx="3094501" cy="584775"/>
+          </a:xfrm>
+          <a:prstGeom prst="rect">
+            <a:avLst/>
+          </a:prstGeom>
+          <a:noFill/>
+        </p:spPr>
+        <p:txBody>
+          <a:bodyPr wrap="none" rtlCol="0">
+            <a:spAutoFit/>
+          </a:bodyPr>
+          <a:lstStyle/>
+          <a:p>
+            <a:pPr defTabSz="914400"/>
+            <a:r>
+              <a:rPr lang="es-ES" sz="3200" i="1" dirty="0">
+                <a:ln w="0"/>
+                <a:solidFill>
+                  <a:srgbClr val="9BBB59">
+                    <a:lumMod val="50000"/>
+                  </a:srgbClr>
+                </a:solidFill>
+                <a:effectLst>
+                  <a:outerShdw blurRad="38100" dist="25400" dir="5400000" algn="ctr" rotWithShape="0">
+                    <a:srgbClr val="6E747A">
+                      <a:alpha val="43000"/>
+                    </a:srgbClr>
+                  </a:outerShdw>
+                </a:effectLst>
+                <a:latin typeface="Calibri"/>
+              </a:rPr>
+              <a:t>Alternativa Doble</a:t>
+            </a:r>
+          </a:p>
+        </p:txBody>
+      </p:sp>
+      <p:sp>
+        <p:nvSpPr>
+          <p:cNvPr id="17" name="Flecha izquierda 16"/>
+          <p:cNvSpPr/>
+          <p:nvPr/>
+        </p:nvSpPr>
+        <p:spPr>
+          <a:xfrm flipH="1">
+            <a:off x="5206587" y="1452784"/>
+            <a:ext cx="475769" cy="216024"/>
+          </a:xfrm>
+          <a:prstGeom prst="leftArrow">
+            <a:avLst/>
+          </a:prstGeom>
+          <a:solidFill>
+            <a:srgbClr val="2A2A2A"/>
+          </a:solidFill>
+          <a:ln w="25400" cap="flat" cmpd="sng" algn="ctr">
+            <a:solidFill>
+              <a:sysClr val="windowText" lastClr="000000"/>
+            </a:solidFill>
+            <a:prstDash val="solid"/>
+          </a:ln>
+          <a:effectLst/>
+        </p:spPr>
+        <p:txBody>
+          <a:bodyPr lIns="11431" tIns="333223" rIns="11430" bIns="333221" spcCol="1270" rtlCol="0" anchor="ctr"/>
+          <a:lstStyle/>
+          <a:p>
+            <a:pPr marL="0" marR="0" lvl="0" indent="0" algn="ctr" defTabSz="800100" eaLnBrk="1" fontAlgn="auto" latinLnBrk="0" hangingPunct="1">
+              <a:lnSpc>
+                <a:spcPct val="90000"/>
+              </a:lnSpc>
+              <a:spcBef>
+                <a:spcPts val="0"/>
+              </a:spcBef>
+              <a:spcAft>
+                <a:spcPct val="35000"/>
+              </a:spcAft>
+              <a:buClrTx/>
+              <a:buSzTx/>
+              <a:buFontTx/>
+              <a:buNone/>
+              <a:tabLst/>
+              <a:defRPr/>
+            </a:pPr>
+            <a:endParaRPr kumimoji="0" lang="es-ES" sz="1800" b="0" i="0" u="none" strike="noStrike" kern="0" cap="none" spc="0" normalizeH="0" baseline="0" noProof="0" smtClean="0">
+              <a:ln>
+                <a:noFill/>
+              </a:ln>
+              <a:solidFill>
+                <a:prstClr val="black"/>
+              </a:solidFill>
+              <a:effectLst/>
+              <a:uLnTx/>
+              <a:uFillTx/>
+              <a:latin typeface="Calibri"/>
+              <a:ea typeface="+mn-ea"/>
+              <a:cs typeface="+mn-cs"/>
+            </a:endParaRPr>
+          </a:p>
+        </p:txBody>
+      </p:sp>
+      <p:sp>
+        <p:nvSpPr>
+          <p:cNvPr id="18" name="CuadroTexto 17"/>
+          <p:cNvSpPr txBox="1"/>
+          <p:nvPr/>
+        </p:nvSpPr>
+        <p:spPr>
+          <a:xfrm>
+            <a:off x="2939538" y="186245"/>
+            <a:ext cx="5246646" cy="584775"/>
+          </a:xfrm>
+          <a:prstGeom prst="rect">
+            <a:avLst/>
+          </a:prstGeom>
+          <a:noFill/>
+        </p:spPr>
+        <p:txBody>
+          <a:bodyPr wrap="square" rtlCol="0">
+            <a:spAutoFit/>
+          </a:bodyPr>
+          <a:lstStyle/>
+          <a:p>
+            <a:pPr defTabSz="914400"/>
+            <a:r>
+              <a:rPr lang="es-ES" sz="3200" b="1" dirty="0">
+                <a:solidFill>
+                  <a:prstClr val="black"/>
+                </a:solidFill>
+                <a:latin typeface="Calibri"/>
+              </a:rPr>
+              <a:t>ESTRUCTURAS DE CONTROL</a:t>
+            </a:r>
+          </a:p>
+        </p:txBody>
+      </p:sp>
+    </p:spTree>
+    <p:extLst>
+      <p:ext uri="{BB962C8B-B14F-4D97-AF65-F5344CB8AC3E}">
+        <p14:creationId xmlns:p14="http://schemas.microsoft.com/office/powerpoint/2010/main" val="482658117"/>
+      </p:ext>
+    </p:extLst>
+  </p:cSld>
+  <p:clrMapOvr>
+    <a:masterClrMapping/>
+  </p:clrMapOvr>
+</p:sld>
+</file>
+
+<file path=ppt/slides/slide14.xml><?xml version="1.0" encoding="utf-8"?>
+<p:sld xmlns:a="http://schemas.openxmlformats.org/drawingml/2006/main" xmlns:r="http://schemas.openxmlformats.org/officeDocument/2006/relationships" xmlns:p="http://schemas.openxmlformats.org/presentationml/2006/main">
+  <p:cSld>
+    <p:spTree>
+      <p:nvGrpSpPr>
+        <p:cNvPr id="1" name=""/>
+        <p:cNvGrpSpPr/>
+        <p:nvPr/>
+      </p:nvGrpSpPr>
+      <p:grpSpPr>
+        <a:xfrm>
+          <a:off x="0" y="0"/>
+          <a:ext cx="0" cy="0"/>
+          <a:chOff x="0" y="0"/>
+          <a:chExt cx="0" cy="0"/>
+        </a:xfrm>
+      </p:grpSpPr>
+      <p:grpSp>
+        <p:nvGrpSpPr>
+          <p:cNvPr id="4" name="Grupo 3"/>
+          <p:cNvGrpSpPr/>
+          <p:nvPr/>
+        </p:nvGrpSpPr>
+        <p:grpSpPr>
+          <a:xfrm>
+            <a:off x="749787" y="1272893"/>
+            <a:ext cx="4680520" cy="664810"/>
+            <a:chOff x="0" y="1510685"/>
+            <a:chExt cx="5760640" cy="1031354"/>
+          </a:xfrm>
+        </p:grpSpPr>
+        <p:sp>
+          <p:nvSpPr>
+            <p:cNvPr id="5" name="Rectángulo redondeado 4"/>
+            <p:cNvSpPr/>
+            <p:nvPr/>
+          </p:nvSpPr>
+          <p:spPr>
+            <a:xfrm>
+              <a:off x="0" y="1510685"/>
+              <a:ext cx="5760640" cy="1031354"/>
+            </a:xfrm>
+            <a:prstGeom prst="roundRect">
+              <a:avLst/>
+            </a:prstGeom>
+            <a:solidFill>
+              <a:srgbClr val="9BBB59">
+                <a:hueOff val="0"/>
+                <a:satOff val="0"/>
+                <a:lumOff val="0"/>
+                <a:alphaOff val="0"/>
+              </a:srgbClr>
+            </a:solidFill>
+            <a:ln w="25400" cap="flat" cmpd="sng" algn="ctr">
+              <a:solidFill>
+                <a:sysClr val="window" lastClr="FFFFFF">
+                  <a:hueOff val="0"/>
+                  <a:satOff val="0"/>
+                  <a:lumOff val="0"/>
+                  <a:alphaOff val="0"/>
+                </a:sysClr>
+              </a:solidFill>
+              <a:prstDash val="solid"/>
+            </a:ln>
+            <a:effectLst/>
+          </p:spPr>
+        </p:sp>
+        <p:sp>
+          <p:nvSpPr>
+            <p:cNvPr id="6" name="CuadroTexto 5"/>
+            <p:cNvSpPr txBox="1"/>
+            <p:nvPr/>
+          </p:nvSpPr>
+          <p:spPr>
+            <a:xfrm>
+              <a:off x="50347" y="1561033"/>
+              <a:ext cx="5533042" cy="981006"/>
+            </a:xfrm>
+            <a:prstGeom prst="rect">
+              <a:avLst/>
+            </a:prstGeom>
+            <a:noFill/>
+            <a:ln>
+              <a:noFill/>
+            </a:ln>
+            <a:effectLst/>
+          </p:spPr>
+          <p:txBody>
+            <a:bodyPr spcFirstLastPara="0" vert="horz" wrap="square" lIns="163830" tIns="163830" rIns="163830" bIns="163830" numCol="1" spcCol="1270" anchor="ctr" anchorCtr="0">
+              <a:noAutofit/>
+            </a:bodyPr>
+            <a:lstStyle/>
+            <a:p>
+              <a:pPr marL="0" marR="0" lvl="0" indent="0" defTabSz="1911350" eaLnBrk="1" fontAlgn="auto" latinLnBrk="0" hangingPunct="1">
+                <a:lnSpc>
+                  <a:spcPct val="90000"/>
+                </a:lnSpc>
+                <a:spcBef>
+                  <a:spcPct val="0"/>
+                </a:spcBef>
+                <a:spcAft>
+                  <a:spcPct val="35000"/>
+                </a:spcAft>
+                <a:buClrTx/>
+                <a:buSzTx/>
+                <a:buFontTx/>
+                <a:buNone/>
+                <a:tabLst/>
+                <a:defRPr/>
+              </a:pPr>
+              <a:r>
+                <a:rPr kumimoji="0" lang="es-ES" sz="3200" b="0" i="0" u="none" strike="noStrike" kern="0" cap="none" spc="0" normalizeH="0" baseline="0" noProof="0" dirty="0" smtClean="0">
+                  <a:ln>
+                    <a:noFill/>
+                  </a:ln>
+                  <a:solidFill>
+                    <a:prstClr val="white"/>
+                  </a:solidFill>
+                  <a:effectLst/>
+                  <a:uLnTx/>
+                  <a:uFillTx/>
+                  <a:latin typeface="Calibri"/>
+                  <a:ea typeface="+mn-ea"/>
+                  <a:cs typeface="+mn-cs"/>
+                </a:rPr>
+                <a:t>Selectivas o De Decisión</a:t>
+              </a:r>
+            </a:p>
+          </p:txBody>
+        </p:sp>
+      </p:grpSp>
+      <p:sp>
+        <p:nvSpPr>
+          <p:cNvPr id="7" name="CuadroTexto 6"/>
+          <p:cNvSpPr txBox="1"/>
+          <p:nvPr/>
+        </p:nvSpPr>
+        <p:spPr>
+          <a:xfrm>
+            <a:off x="6032311" y="1330877"/>
+            <a:ext cx="3520900" cy="584775"/>
+          </a:xfrm>
+          <a:prstGeom prst="rect">
+            <a:avLst/>
+          </a:prstGeom>
+          <a:noFill/>
+        </p:spPr>
+        <p:txBody>
+          <a:bodyPr wrap="none" rtlCol="0">
+            <a:spAutoFit/>
+          </a:bodyPr>
+          <a:lstStyle/>
+          <a:p>
+            <a:pPr defTabSz="914400"/>
+            <a:r>
+              <a:rPr lang="es-ES" sz="3200" i="1" dirty="0">
+                <a:ln w="0"/>
+                <a:solidFill>
+                  <a:srgbClr val="9BBB59">
+                    <a:lumMod val="50000"/>
+                  </a:srgbClr>
+                </a:solidFill>
+                <a:effectLst>
+                  <a:outerShdw blurRad="38100" dist="25400" dir="5400000" algn="ctr" rotWithShape="0">
+                    <a:srgbClr val="6E747A">
+                      <a:alpha val="43000"/>
+                    </a:srgbClr>
+                  </a:outerShdw>
+                </a:effectLst>
+                <a:latin typeface="Calibri"/>
+              </a:rPr>
+              <a:t>Alternativa Múltiple</a:t>
+            </a:r>
+          </a:p>
+        </p:txBody>
+      </p:sp>
+      <p:sp>
+        <p:nvSpPr>
+          <p:cNvPr id="8" name="Flecha izquierda 7"/>
+          <p:cNvSpPr/>
+          <p:nvPr/>
+        </p:nvSpPr>
+        <p:spPr>
+          <a:xfrm flipH="1">
+            <a:off x="5556542" y="1505656"/>
+            <a:ext cx="475769" cy="216024"/>
+          </a:xfrm>
+          <a:prstGeom prst="leftArrow">
+            <a:avLst/>
+          </a:prstGeom>
+          <a:solidFill>
+            <a:srgbClr val="2A2A2A"/>
+          </a:solidFill>
+          <a:ln w="25400" cap="flat" cmpd="sng" algn="ctr">
+            <a:solidFill>
+              <a:sysClr val="windowText" lastClr="000000"/>
+            </a:solidFill>
+            <a:prstDash val="solid"/>
+          </a:ln>
+          <a:effectLst/>
+        </p:spPr>
+        <p:txBody>
+          <a:bodyPr lIns="11431" tIns="333223" rIns="11430" bIns="333221" spcCol="1270" rtlCol="0" anchor="ctr"/>
+          <a:lstStyle/>
+          <a:p>
+            <a:pPr marL="0" marR="0" lvl="0" indent="0" algn="ctr" defTabSz="800100" eaLnBrk="1" fontAlgn="auto" latinLnBrk="0" hangingPunct="1">
+              <a:lnSpc>
+                <a:spcPct val="90000"/>
+              </a:lnSpc>
+              <a:spcBef>
+                <a:spcPts val="0"/>
+              </a:spcBef>
+              <a:spcAft>
+                <a:spcPct val="35000"/>
+              </a:spcAft>
+              <a:buClrTx/>
+              <a:buSzTx/>
+              <a:buFontTx/>
+              <a:buNone/>
+              <a:tabLst/>
+              <a:defRPr/>
+            </a:pPr>
+            <a:endParaRPr kumimoji="0" lang="es-ES" sz="1800" b="0" i="0" u="none" strike="noStrike" kern="0" cap="none" spc="0" normalizeH="0" baseline="0" noProof="0" smtClean="0">
+              <a:ln>
+                <a:noFill/>
+              </a:ln>
+              <a:solidFill>
+                <a:prstClr val="black"/>
+              </a:solidFill>
+              <a:effectLst/>
+              <a:uLnTx/>
+              <a:uFillTx/>
+              <a:latin typeface="Calibri"/>
+              <a:ea typeface="+mn-ea"/>
+              <a:cs typeface="+mn-cs"/>
+            </a:endParaRPr>
+          </a:p>
+        </p:txBody>
+      </p:sp>
+      <p:pic>
+        <p:nvPicPr>
+          <p:cNvPr id="9" name="Imagen 8"/>
+          <p:cNvPicPr>
+            <a:picLocks noChangeAspect="1"/>
+          </p:cNvPicPr>
+          <p:nvPr/>
+        </p:nvPicPr>
+        <p:blipFill rotWithShape="1">
+          <a:blip r:embed="rId2"/>
+          <a:srcRect l="2919" t="3285" r="2851" b="4645"/>
+          <a:stretch/>
+        </p:blipFill>
+        <p:spPr>
+          <a:xfrm>
+            <a:off x="5286291" y="2474618"/>
+            <a:ext cx="6872415" cy="4207601"/>
+          </a:xfrm>
+          <a:prstGeom prst="rect">
+            <a:avLst/>
+          </a:prstGeom>
+        </p:spPr>
+      </p:pic>
+      <p:sp>
+        <p:nvSpPr>
+          <p:cNvPr id="10" name="Rectángulo 9"/>
+          <p:cNvSpPr/>
+          <p:nvPr/>
+        </p:nvSpPr>
+        <p:spPr>
+          <a:xfrm>
+            <a:off x="629115" y="2735683"/>
+            <a:ext cx="5022780" cy="3477875"/>
+          </a:xfrm>
+          <a:prstGeom prst="rect">
+            <a:avLst/>
+          </a:prstGeom>
+        </p:spPr>
+        <p:txBody>
+          <a:bodyPr wrap="square">
+            <a:spAutoFit/>
+          </a:bodyPr>
+          <a:lstStyle/>
+          <a:p>
+            <a:pPr defTabSz="914400"/>
+            <a:r>
+              <a:rPr lang="es-ES" sz="2200" b="1" dirty="0">
+                <a:solidFill>
+                  <a:prstClr val="black"/>
+                </a:solidFill>
+                <a:latin typeface="Consolas" panose="020B0609020204030204" pitchFamily="49" charset="0"/>
+              </a:rPr>
+              <a:t>INICIO</a:t>
+            </a:r>
+          </a:p>
+          <a:p>
+            <a:pPr defTabSz="914400"/>
+            <a:r>
+              <a:rPr lang="es-ES" sz="2200" b="1" dirty="0">
+                <a:solidFill>
+                  <a:prstClr val="black"/>
+                </a:solidFill>
+                <a:latin typeface="Consolas" panose="020B0609020204030204" pitchFamily="49" charset="0"/>
+              </a:rPr>
+              <a:t>ENTERO </a:t>
+            </a:r>
+            <a:r>
+              <a:rPr lang="es-ES" sz="2200" b="1" dirty="0" err="1">
+                <a:solidFill>
+                  <a:prstClr val="black"/>
+                </a:solidFill>
+                <a:latin typeface="Consolas" panose="020B0609020204030204" pitchFamily="49" charset="0"/>
+              </a:rPr>
+              <a:t>posicionDeLlegada</a:t>
+            </a:r>
+            <a:r>
+              <a:rPr lang="es-ES" sz="2200" b="1" dirty="0">
+                <a:solidFill>
+                  <a:prstClr val="black"/>
+                </a:solidFill>
+                <a:latin typeface="Consolas" panose="020B0609020204030204" pitchFamily="49" charset="0"/>
+              </a:rPr>
+              <a:t> = 3</a:t>
+            </a:r>
+          </a:p>
+          <a:p>
+            <a:pPr lvl="1" defTabSz="914400"/>
+            <a:r>
+              <a:rPr lang="es-ES" sz="2200" b="1" dirty="0">
+                <a:solidFill>
+                  <a:prstClr val="black"/>
+                </a:solidFill>
+                <a:latin typeface="Consolas" panose="020B0609020204030204" pitchFamily="49" charset="0"/>
+              </a:rPr>
+              <a:t>SEGUN SEA </a:t>
+            </a:r>
+            <a:r>
+              <a:rPr lang="es-ES" sz="2200" b="1" dirty="0" err="1">
+                <a:solidFill>
+                  <a:prstClr val="black"/>
+                </a:solidFill>
+                <a:latin typeface="Consolas" panose="020B0609020204030204" pitchFamily="49" charset="0"/>
+              </a:rPr>
+              <a:t>posicionDeLlegada</a:t>
+            </a:r>
+            <a:endParaRPr lang="es-ES" sz="2200" b="1" dirty="0">
+              <a:solidFill>
+                <a:prstClr val="black"/>
+              </a:solidFill>
+              <a:latin typeface="Consolas" panose="020B0609020204030204" pitchFamily="49" charset="0"/>
+            </a:endParaRPr>
+          </a:p>
+          <a:p>
+            <a:pPr lvl="1" defTabSz="914400"/>
+            <a:r>
+              <a:rPr lang="es-ES" sz="2200" b="1" dirty="0">
+                <a:solidFill>
+                  <a:prstClr val="black"/>
+                </a:solidFill>
+                <a:latin typeface="Consolas" panose="020B0609020204030204" pitchFamily="49" charset="0"/>
+              </a:rPr>
+              <a:t>1: entregar medalla de oro</a:t>
+            </a:r>
+          </a:p>
+          <a:p>
+            <a:pPr lvl="1" defTabSz="914400"/>
+            <a:r>
+              <a:rPr lang="es-ES" sz="2200" b="1" dirty="0">
+                <a:solidFill>
+                  <a:prstClr val="black"/>
+                </a:solidFill>
+                <a:latin typeface="Consolas" panose="020B0609020204030204" pitchFamily="49" charset="0"/>
+              </a:rPr>
+              <a:t>2: entregar medalla de plata</a:t>
+            </a:r>
+          </a:p>
+          <a:p>
+            <a:pPr lvl="1" defTabSz="914400"/>
+            <a:r>
+              <a:rPr lang="es-ES" sz="2200" b="1" dirty="0">
+                <a:solidFill>
+                  <a:prstClr val="black"/>
+                </a:solidFill>
+                <a:latin typeface="Consolas" panose="020B0609020204030204" pitchFamily="49" charset="0"/>
+              </a:rPr>
+              <a:t>3: entregar medalla de bronce</a:t>
+            </a:r>
+          </a:p>
+          <a:p>
+            <a:pPr lvl="1" defTabSz="914400"/>
+            <a:r>
+              <a:rPr lang="es-ES" sz="2200" b="1" dirty="0">
+                <a:solidFill>
+                  <a:prstClr val="black"/>
+                </a:solidFill>
+                <a:latin typeface="Consolas" panose="020B0609020204030204" pitchFamily="49" charset="0"/>
+              </a:rPr>
+              <a:t>otro: entregar mención de 	     	   participación</a:t>
+            </a:r>
+          </a:p>
+          <a:p>
+            <a:pPr defTabSz="914400"/>
+            <a:r>
+              <a:rPr lang="es-ES" sz="2200" b="1" dirty="0">
+                <a:solidFill>
+                  <a:prstClr val="black"/>
+                </a:solidFill>
+                <a:latin typeface="Consolas" panose="020B0609020204030204" pitchFamily="49" charset="0"/>
+              </a:rPr>
+              <a:t>FIN</a:t>
+            </a:r>
+          </a:p>
+        </p:txBody>
+      </p:sp>
+      <p:sp>
+        <p:nvSpPr>
+          <p:cNvPr id="11" name="CuadroTexto 10"/>
+          <p:cNvSpPr txBox="1"/>
+          <p:nvPr/>
+        </p:nvSpPr>
+        <p:spPr>
+          <a:xfrm>
+            <a:off x="3228366" y="187136"/>
+            <a:ext cx="5246646" cy="584775"/>
+          </a:xfrm>
+          <a:prstGeom prst="rect">
+            <a:avLst/>
+          </a:prstGeom>
+          <a:noFill/>
+        </p:spPr>
+        <p:txBody>
+          <a:bodyPr wrap="square" rtlCol="0">
+            <a:spAutoFit/>
+          </a:bodyPr>
+          <a:lstStyle/>
+          <a:p>
+            <a:pPr defTabSz="914400"/>
+            <a:r>
+              <a:rPr lang="es-ES" sz="3200" b="1" dirty="0">
+                <a:solidFill>
+                  <a:prstClr val="black"/>
+                </a:solidFill>
+                <a:latin typeface="Calibri"/>
+              </a:rPr>
+              <a:t>ESTRUCTURAS DE CONTROL</a:t>
+            </a:r>
+          </a:p>
+        </p:txBody>
+      </p:sp>
+    </p:spTree>
+    <p:extLst>
+      <p:ext uri="{BB962C8B-B14F-4D97-AF65-F5344CB8AC3E}">
+        <p14:creationId xmlns:p14="http://schemas.microsoft.com/office/powerpoint/2010/main" val="3720338484"/>
       </p:ext>
     </p:extLst>
   </p:cSld>
@@ -20826,6 +26803,510 @@
 </p:sld>
 </file>
 
+<file path=ppt/slides/slide9.xml><?xml version="1.0" encoding="utf-8"?>
+<p:sld xmlns:a="http://schemas.openxmlformats.org/drawingml/2006/main" xmlns:r="http://schemas.openxmlformats.org/officeDocument/2006/relationships" xmlns:p="http://schemas.openxmlformats.org/presentationml/2006/main">
+  <p:cSld>
+    <p:spTree>
+      <p:nvGrpSpPr>
+        <p:cNvPr id="1" name=""/>
+        <p:cNvGrpSpPr/>
+        <p:nvPr/>
+      </p:nvGrpSpPr>
+      <p:grpSpPr>
+        <a:xfrm>
+          <a:off x="0" y="0"/>
+          <a:ext cx="0" cy="0"/>
+          <a:chOff x="0" y="0"/>
+          <a:chExt cx="0" cy="0"/>
+        </a:xfrm>
+      </p:grpSpPr>
+      <p:sp>
+        <p:nvSpPr>
+          <p:cNvPr id="4" name="CuadroTexto 3"/>
+          <p:cNvSpPr txBox="1"/>
+          <p:nvPr/>
+        </p:nvSpPr>
+        <p:spPr>
+          <a:xfrm>
+            <a:off x="282222" y="1650892"/>
+            <a:ext cx="2295282" cy="584775"/>
+          </a:xfrm>
+          <a:prstGeom prst="rect">
+            <a:avLst/>
+          </a:prstGeom>
+          <a:noFill/>
+        </p:spPr>
+        <p:txBody>
+          <a:bodyPr wrap="square" rtlCol="0">
+            <a:spAutoFit/>
+          </a:bodyPr>
+          <a:lstStyle/>
+          <a:p>
+            <a:r>
+              <a:rPr lang="es-ES" sz="3200" b="1" dirty="0"/>
+              <a:t>RUTINAS</a:t>
+            </a:r>
+          </a:p>
+        </p:txBody>
+      </p:sp>
+      <p:sp>
+        <p:nvSpPr>
+          <p:cNvPr id="5" name="Título 1"/>
+          <p:cNvSpPr txBox="1">
+            <a:spLocks/>
+          </p:cNvSpPr>
+          <p:nvPr/>
+        </p:nvSpPr>
+        <p:spPr bwMode="auto">
+          <a:xfrm>
+            <a:off x="1981647" y="1125906"/>
+            <a:ext cx="8228708" cy="430887"/>
+          </a:xfrm>
+          <a:prstGeom prst="rect">
+            <a:avLst/>
+          </a:prstGeom>
+          <a:noFill/>
+          <a:ln>
+            <a:noFill/>
+          </a:ln>
+          <a:extLst>
+            <a:ext uri="{909E8E84-426E-40DD-AFC4-6F175D3DCCD1}">
+              <a14:hiddenFill xmlns:a14="http://schemas.microsoft.com/office/drawing/2010/main">
+                <a:solidFill>
+                  <a:srgbClr val="FFFFFF"/>
+                </a:solidFill>
+              </a14:hiddenFill>
+            </a:ext>
+            <a:ext uri="{91240B29-F687-4F45-9708-019B960494DF}">
+              <a14:hiddenLine xmlns:a14="http://schemas.microsoft.com/office/drawing/2010/main" w="9525">
+                <a:solidFill>
+                  <a:srgbClr val="000000"/>
+                </a:solidFill>
+                <a:miter lim="800000"/>
+                <a:headEnd/>
+                <a:tailEnd/>
+              </a14:hiddenLine>
+            </a:ext>
+          </a:extLst>
+        </p:spPr>
+        <p:txBody>
+          <a:bodyPr vert="horz" wrap="square" lIns="0" tIns="0" rIns="0" bIns="0" numCol="1" anchor="t" anchorCtr="0" compatLnSpc="1">
+            <a:prstTxWarp prst="textNoShape">
+              <a:avLst/>
+            </a:prstTxWarp>
+            <a:normAutofit/>
+          </a:bodyPr>
+          <a:lstStyle>
+            <a:lvl1pPr algn="ctr" rtl="0" eaLnBrk="0" fontAlgn="base" hangingPunct="0">
+              <a:spcBef>
+                <a:spcPct val="0"/>
+              </a:spcBef>
+              <a:spcAft>
+                <a:spcPct val="0"/>
+              </a:spcAft>
+              <a:defRPr sz="2800">
+                <a:solidFill>
+                  <a:schemeClr val="tx2"/>
+                </a:solidFill>
+                <a:latin typeface="+mj-lt"/>
+                <a:ea typeface="ＭＳ Ｐゴシック" pitchFamily="34" charset="-128"/>
+                <a:cs typeface="ＭＳ Ｐゴシック" charset="0"/>
+              </a:defRPr>
+            </a:lvl1pPr>
+            <a:lvl2pPr algn="ctr" rtl="0" eaLnBrk="0" fontAlgn="base" hangingPunct="0">
+              <a:spcBef>
+                <a:spcPct val="0"/>
+              </a:spcBef>
+              <a:spcAft>
+                <a:spcPct val="0"/>
+              </a:spcAft>
+              <a:defRPr sz="3094">
+                <a:solidFill>
+                  <a:schemeClr val="tx2"/>
+                </a:solidFill>
+                <a:latin typeface="Calibri" charset="0"/>
+                <a:ea typeface="ＭＳ Ｐゴシック" pitchFamily="34" charset="-128"/>
+                <a:cs typeface="ＭＳ Ｐゴシック" charset="0"/>
+              </a:defRPr>
+            </a:lvl2pPr>
+            <a:lvl3pPr algn="ctr" rtl="0" eaLnBrk="0" fontAlgn="base" hangingPunct="0">
+              <a:spcBef>
+                <a:spcPct val="0"/>
+              </a:spcBef>
+              <a:spcAft>
+                <a:spcPct val="0"/>
+              </a:spcAft>
+              <a:defRPr sz="3094">
+                <a:solidFill>
+                  <a:schemeClr val="tx2"/>
+                </a:solidFill>
+                <a:latin typeface="Calibri" charset="0"/>
+                <a:ea typeface="ＭＳ Ｐゴシック" pitchFamily="34" charset="-128"/>
+                <a:cs typeface="ＭＳ Ｐゴシック" charset="0"/>
+              </a:defRPr>
+            </a:lvl3pPr>
+            <a:lvl4pPr algn="ctr" rtl="0" eaLnBrk="0" fontAlgn="base" hangingPunct="0">
+              <a:spcBef>
+                <a:spcPct val="0"/>
+              </a:spcBef>
+              <a:spcAft>
+                <a:spcPct val="0"/>
+              </a:spcAft>
+              <a:defRPr sz="3094">
+                <a:solidFill>
+                  <a:schemeClr val="tx2"/>
+                </a:solidFill>
+                <a:latin typeface="Calibri" charset="0"/>
+                <a:ea typeface="ＭＳ Ｐゴシック" pitchFamily="34" charset="-128"/>
+                <a:cs typeface="ＭＳ Ｐゴシック" charset="0"/>
+              </a:defRPr>
+            </a:lvl4pPr>
+            <a:lvl5pPr algn="ctr" rtl="0" eaLnBrk="0" fontAlgn="base" hangingPunct="0">
+              <a:spcBef>
+                <a:spcPct val="0"/>
+              </a:spcBef>
+              <a:spcAft>
+                <a:spcPct val="0"/>
+              </a:spcAft>
+              <a:defRPr sz="3094">
+                <a:solidFill>
+                  <a:schemeClr val="tx2"/>
+                </a:solidFill>
+                <a:latin typeface="Calibri" charset="0"/>
+                <a:ea typeface="ＭＳ Ｐゴシック" pitchFamily="34" charset="-128"/>
+                <a:cs typeface="ＭＳ Ｐゴシック" charset="0"/>
+              </a:defRPr>
+            </a:lvl5pPr>
+            <a:lvl6pPr marL="321457" algn="ctr" rtl="0" eaLnBrk="0" fontAlgn="base" hangingPunct="0">
+              <a:spcBef>
+                <a:spcPct val="0"/>
+              </a:spcBef>
+              <a:spcAft>
+                <a:spcPct val="0"/>
+              </a:spcAft>
+              <a:defRPr>
+                <a:solidFill>
+                  <a:schemeClr val="tx2"/>
+                </a:solidFill>
+                <a:latin typeface="Calibri" charset="0"/>
+                <a:ea typeface="ＭＳ Ｐゴシック" charset="0"/>
+                <a:cs typeface="ＭＳ Ｐゴシック" charset="0"/>
+              </a:defRPr>
+            </a:lvl6pPr>
+            <a:lvl7pPr marL="642915" algn="ctr" rtl="0" eaLnBrk="0" fontAlgn="base" hangingPunct="0">
+              <a:spcBef>
+                <a:spcPct val="0"/>
+              </a:spcBef>
+              <a:spcAft>
+                <a:spcPct val="0"/>
+              </a:spcAft>
+              <a:defRPr>
+                <a:solidFill>
+                  <a:schemeClr val="tx2"/>
+                </a:solidFill>
+                <a:latin typeface="Calibri" charset="0"/>
+                <a:ea typeface="ＭＳ Ｐゴシック" charset="0"/>
+                <a:cs typeface="ＭＳ Ｐゴシック" charset="0"/>
+              </a:defRPr>
+            </a:lvl7pPr>
+            <a:lvl8pPr marL="964372" algn="ctr" rtl="0" eaLnBrk="0" fontAlgn="base" hangingPunct="0">
+              <a:spcBef>
+                <a:spcPct val="0"/>
+              </a:spcBef>
+              <a:spcAft>
+                <a:spcPct val="0"/>
+              </a:spcAft>
+              <a:defRPr>
+                <a:solidFill>
+                  <a:schemeClr val="tx2"/>
+                </a:solidFill>
+                <a:latin typeface="Calibri" charset="0"/>
+                <a:ea typeface="ＭＳ Ｐゴシック" charset="0"/>
+                <a:cs typeface="ＭＳ Ｐゴシック" charset="0"/>
+              </a:defRPr>
+            </a:lvl8pPr>
+            <a:lvl9pPr marL="1285829" algn="ctr" rtl="0" eaLnBrk="0" fontAlgn="base" hangingPunct="0">
+              <a:spcBef>
+                <a:spcPct val="0"/>
+              </a:spcBef>
+              <a:spcAft>
+                <a:spcPct val="0"/>
+              </a:spcAft>
+              <a:defRPr>
+                <a:solidFill>
+                  <a:schemeClr val="tx2"/>
+                </a:solidFill>
+                <a:latin typeface="Calibri" charset="0"/>
+                <a:ea typeface="ＭＳ Ｐゴシック" charset="0"/>
+                <a:cs typeface="ＭＳ Ｐゴシック" charset="0"/>
+              </a:defRPr>
+            </a:lvl9pPr>
+          </a:lstStyle>
+          <a:p>
+            <a:r>
+              <a:rPr lang="es-ES" kern="0" dirty="0"/>
+              <a:t>Diseño de Algoritmos</a:t>
+            </a:r>
+          </a:p>
+        </p:txBody>
+      </p:sp>
+      <p:graphicFrame>
+        <p:nvGraphicFramePr>
+          <p:cNvPr id="6" name="Tabla 5"/>
+          <p:cNvGraphicFramePr>
+            <a:graphicFrameLocks noGrp="1"/>
+          </p:cNvGraphicFramePr>
+          <p:nvPr>
+            <p:extLst>
+              <p:ext uri="{D42A27DB-BD31-4B8C-83A1-F6EECF244321}">
+                <p14:modId xmlns:p14="http://schemas.microsoft.com/office/powerpoint/2010/main" val="2810014029"/>
+              </p:ext>
+            </p:extLst>
+          </p:nvPr>
+        </p:nvGraphicFramePr>
+        <p:xfrm>
+          <a:off x="2351584" y="4221088"/>
+          <a:ext cx="7560840" cy="1828800"/>
+        </p:xfrm>
+        <a:graphic>
+          <a:graphicData uri="http://schemas.openxmlformats.org/drawingml/2006/table">
+            <a:tbl>
+              <a:tblPr firstRow="1" bandRow="1">
+                <a:tableStyleId>{93296810-A885-4BE3-A3E7-6D5BEEA58F35}</a:tableStyleId>
+              </a:tblPr>
+              <a:tblGrid>
+                <a:gridCol w="7560840">
+                  <a:extLst>
+                    <a:ext uri="{9D8B030D-6E8A-4147-A177-3AD203B41FA5}">
+                      <a16:colId xmlns:a16="http://schemas.microsoft.com/office/drawing/2014/main" xmlns="" val="3671163980"/>
+                    </a:ext>
+                  </a:extLst>
+                </a:gridCol>
+              </a:tblGrid>
+              <a:tr h="510056">
+                <a:tc>
+                  <a:txBody>
+                    <a:bodyPr/>
+                    <a:lstStyle/>
+                    <a:p>
+                      <a:pPr algn="ctr"/>
+                      <a:r>
+                        <a:rPr lang="es-ES" sz="2800" dirty="0"/>
+                        <a:t>Ejemplo</a:t>
+                      </a:r>
+                    </a:p>
+                  </a:txBody>
+                  <a:tcPr/>
+                </a:tc>
+                <a:extLst>
+                  <a:ext uri="{0D108BD9-81ED-4DB2-BD59-A6C34878D82A}">
+                    <a16:rowId xmlns:a16="http://schemas.microsoft.com/office/drawing/2014/main" xmlns="" val="1676716415"/>
+                  </a:ext>
+                </a:extLst>
+              </a:tr>
+              <a:tr h="1290144">
+                <a:tc>
+                  <a:txBody>
+                    <a:bodyPr/>
+                    <a:lstStyle/>
+                    <a:p>
+                      <a:r>
+                        <a:rPr lang="es-ES" sz="2000" b="1" i="0" u="none" strike="noStrike" baseline="0" dirty="0">
+                          <a:solidFill>
+                            <a:schemeClr val="dk1"/>
+                          </a:solidFill>
+                          <a:latin typeface="+mn-lt"/>
+                          <a:ea typeface="+mn-ea"/>
+                          <a:cs typeface="+mn-cs"/>
+                        </a:rPr>
+                        <a:t>Flotante </a:t>
+                      </a:r>
+                      <a:r>
+                        <a:rPr lang="es-ES" sz="2000" b="1" i="0" u="none" strike="noStrike" baseline="0" dirty="0" err="1">
+                          <a:solidFill>
+                            <a:schemeClr val="dk1"/>
+                          </a:solidFill>
+                          <a:latin typeface="+mn-lt"/>
+                          <a:ea typeface="+mn-ea"/>
+                          <a:cs typeface="+mn-cs"/>
+                        </a:rPr>
+                        <a:t>SumarPrecioProductos</a:t>
+                      </a:r>
+                      <a:r>
+                        <a:rPr lang="es-ES" sz="2000" b="1" i="0" u="none" strike="noStrike" baseline="0" dirty="0">
+                          <a:solidFill>
+                            <a:schemeClr val="dk1"/>
+                          </a:solidFill>
+                          <a:latin typeface="+mn-lt"/>
+                          <a:ea typeface="+mn-ea"/>
+                          <a:cs typeface="+mn-cs"/>
+                        </a:rPr>
+                        <a:t>(precioProducto1, precioProducto2)</a:t>
+                      </a:r>
+                    </a:p>
+                    <a:p>
+                      <a:r>
+                        <a:rPr lang="es-ES" sz="2000" b="1" i="0" u="none" strike="noStrike" baseline="0" dirty="0">
+                          <a:solidFill>
+                            <a:schemeClr val="dk1"/>
+                          </a:solidFill>
+                          <a:latin typeface="+mn-lt"/>
+                          <a:ea typeface="+mn-ea"/>
+                          <a:cs typeface="+mn-cs"/>
+                        </a:rPr>
+                        <a:t>     flotante suma = precioProducto1 + precioProducto2;</a:t>
+                      </a:r>
+                      <a:br>
+                        <a:rPr lang="es-ES" sz="2000" b="1" i="0" u="none" strike="noStrike" baseline="0" dirty="0">
+                          <a:solidFill>
+                            <a:schemeClr val="dk1"/>
+                          </a:solidFill>
+                          <a:latin typeface="+mn-lt"/>
+                          <a:ea typeface="+mn-ea"/>
+                          <a:cs typeface="+mn-cs"/>
+                        </a:rPr>
+                      </a:br>
+                      <a:r>
+                        <a:rPr lang="es-ES" sz="2000" b="1" i="0" u="none" strike="noStrike" baseline="0" dirty="0">
+                          <a:solidFill>
+                            <a:schemeClr val="dk1"/>
+                          </a:solidFill>
+                          <a:latin typeface="+mn-lt"/>
+                          <a:ea typeface="+mn-ea"/>
+                          <a:cs typeface="+mn-cs"/>
+                        </a:rPr>
+                        <a:t>     </a:t>
+                      </a:r>
+                      <a:r>
+                        <a:rPr lang="es-ES" sz="2000" b="1" i="0" u="none" strike="noStrike" baseline="0" dirty="0" err="1">
+                          <a:solidFill>
+                            <a:schemeClr val="dk1"/>
+                          </a:solidFill>
+                          <a:latin typeface="+mn-lt"/>
+                          <a:ea typeface="+mn-ea"/>
+                          <a:cs typeface="+mn-cs"/>
+                        </a:rPr>
+                        <a:t>return</a:t>
+                      </a:r>
+                      <a:r>
+                        <a:rPr lang="es-ES" sz="2000" b="1" i="0" u="none" strike="noStrike" baseline="0" dirty="0">
+                          <a:solidFill>
+                            <a:schemeClr val="dk1"/>
+                          </a:solidFill>
+                          <a:latin typeface="+mn-lt"/>
+                          <a:ea typeface="+mn-ea"/>
+                          <a:cs typeface="+mn-cs"/>
+                        </a:rPr>
+                        <a:t> suma</a:t>
+                      </a:r>
+                    </a:p>
+                  </a:txBody>
+                  <a:tcPr/>
+                </a:tc>
+                <a:extLst>
+                  <a:ext uri="{0D108BD9-81ED-4DB2-BD59-A6C34878D82A}">
+                    <a16:rowId xmlns:a16="http://schemas.microsoft.com/office/drawing/2014/main" xmlns="" val="4052928291"/>
+                  </a:ext>
+                </a:extLst>
+              </a:tr>
+            </a:tbl>
+          </a:graphicData>
+        </a:graphic>
+      </p:graphicFrame>
+      <p:sp>
+        <p:nvSpPr>
+          <p:cNvPr id="7" name="CuadroTexto 6"/>
+          <p:cNvSpPr txBox="1"/>
+          <p:nvPr/>
+        </p:nvSpPr>
+        <p:spPr>
+          <a:xfrm>
+            <a:off x="2027547" y="2449883"/>
+            <a:ext cx="8496945" cy="1200329"/>
+          </a:xfrm>
+          <a:prstGeom prst="rect">
+            <a:avLst/>
+          </a:prstGeom>
+          <a:noFill/>
+        </p:spPr>
+        <p:txBody>
+          <a:bodyPr wrap="square" rtlCol="0">
+            <a:spAutoFit/>
+          </a:bodyPr>
+          <a:lstStyle/>
+          <a:p>
+            <a:pPr marL="342900" indent="-342900">
+              <a:buFont typeface="Wingdings" panose="05000000000000000000" pitchFamily="2" charset="2"/>
+              <a:buChar char="ü"/>
+            </a:pPr>
+            <a:r>
+              <a:rPr lang="es-AR" sz="2400" b="1" dirty="0"/>
+              <a:t>BLOQUE: </a:t>
+            </a:r>
+            <a:r>
+              <a:rPr lang="es-AR" sz="2400" dirty="0"/>
+              <a:t>Conjunto de Sentencias.</a:t>
+            </a:r>
+          </a:p>
+          <a:p>
+            <a:pPr marL="342900" indent="-342900">
+              <a:buFont typeface="Wingdings" panose="05000000000000000000" pitchFamily="2" charset="2"/>
+              <a:buChar char="ü"/>
+            </a:pPr>
+            <a:r>
+              <a:rPr lang="es-AR" sz="2400" dirty="0"/>
+              <a:t>Puede tener: </a:t>
+            </a:r>
+            <a:r>
+              <a:rPr lang="es-AR" sz="2400" b="1" dirty="0"/>
+              <a:t>valor de retorno </a:t>
+            </a:r>
+            <a:r>
+              <a:rPr lang="es-AR" sz="2400" dirty="0"/>
+              <a:t>y </a:t>
+            </a:r>
+            <a:r>
+              <a:rPr lang="es-AR" sz="2400" b="1" dirty="0"/>
+              <a:t>parámetros</a:t>
+            </a:r>
+            <a:r>
+              <a:rPr lang="es-AR" sz="2400" dirty="0"/>
+              <a:t>. </a:t>
+            </a:r>
+          </a:p>
+          <a:p>
+            <a:pPr marL="342900" indent="-342900">
+              <a:buFont typeface="Wingdings" panose="05000000000000000000" pitchFamily="2" charset="2"/>
+              <a:buChar char="ü"/>
+            </a:pPr>
+            <a:r>
+              <a:rPr lang="es-AR" sz="2400" b="1" dirty="0"/>
+              <a:t>Funciones</a:t>
+            </a:r>
+            <a:r>
+              <a:rPr lang="es-AR" sz="2400" dirty="0"/>
+              <a:t>: Rutina con parámetros</a:t>
+            </a:r>
+            <a:r>
+              <a:rPr lang="es-ES" dirty="0"/>
+              <a:t>.</a:t>
+            </a:r>
+          </a:p>
+        </p:txBody>
+      </p:sp>
+    </p:spTree>
+    <p:extLst>
+      <p:ext uri="{BB962C8B-B14F-4D97-AF65-F5344CB8AC3E}">
+        <p14:creationId xmlns:p14="http://schemas.microsoft.com/office/powerpoint/2010/main" val="610131405"/>
+      </p:ext>
+    </p:extLst>
+  </p:cSld>
+  <p:clrMapOvr>
+    <a:masterClrMapping/>
+  </p:clrMapOvr>
+</p:sld>
+</file>
+
 <file path=ppt/theme/theme1.xml><?xml version="1.0" encoding="utf-8"?>
 <a:theme xmlns:a="http://schemas.openxmlformats.org/drawingml/2006/main" name="Tipo de madera">
   <a:themeElements>
